--- a/Python-SheCodesNow_updated.pptx
+++ b/Python-SheCodesNow_updated.pptx
@@ -35155,6 +35155,16 @@
               <a:buChar char="•"/>
             </a:pPr>
             <a:r>
+              <a:rPr lang="en-US" sz="1600">
+                <a:solidFill>
+                  <a:schemeClr val="tx1"/>
+                </a:solidFill>
+                <a:latin typeface="Arial" panose="020B0604020202020204" pitchFamily="34" charset="0"/>
+                <a:cs typeface="Arial" panose="020B0604020202020204" pitchFamily="34" charset="0"/>
+              </a:rPr>
+              <a:t>  Multi </a:t>
+            </a:r>
+            <a:r>
               <a:rPr lang="en-US" sz="1600" dirty="0">
                 <a:solidFill>
                   <a:schemeClr val="tx1"/>
@@ -35162,100 +35172,7 @@
                 <a:latin typeface="Arial" panose="020B0604020202020204" pitchFamily="34" charset="0"/>
                 <a:cs typeface="Arial" panose="020B0604020202020204" pitchFamily="34" charset="0"/>
               </a:rPr>
-              <a:t>  It is not a snake (for this class </a:t>
-            </a:r>
-            <a:r>
-              <a:rPr lang="en-US" sz="1600" dirty="0">
-                <a:solidFill>
-                  <a:schemeClr val="tx1"/>
-                </a:solidFill>
-                <a:latin typeface="Arial" panose="020B0604020202020204" pitchFamily="34" charset="0"/>
-                <a:cs typeface="Arial" panose="020B0604020202020204" pitchFamily="34" charset="0"/>
-                <a:sym typeface="Wingdings" panose="05000000000000000000" pitchFamily="2" charset="2"/>
-              </a:rPr>
-              <a:t> </a:t>
-            </a:r>
-            <a:r>
-              <a:rPr lang="en-US" sz="1600" dirty="0">
-                <a:solidFill>
-                  <a:schemeClr val="tx1"/>
-                </a:solidFill>
-                <a:latin typeface="Arial" panose="020B0604020202020204" pitchFamily="34" charset="0"/>
-                <a:cs typeface="Arial" panose="020B0604020202020204" pitchFamily="34" charset="0"/>
-              </a:rPr>
-              <a:t>)! </a:t>
-            </a:r>
-          </a:p>
-          <a:p>
-            <a:pPr>
-              <a:lnSpc>
-                <a:spcPct val="120000"/>
-              </a:lnSpc>
-              <a:spcBef>
-                <a:spcPts val="0"/>
-              </a:spcBef>
-              <a:spcAft>
-                <a:spcPts val="0"/>
-              </a:spcAft>
-              <a:buClrTx/>
-              <a:buFont typeface="Arial" panose="020B0604020202020204" pitchFamily="34" charset="0"/>
-              <a:buChar char="•"/>
-            </a:pPr>
-            <a:endParaRPr lang="en-US" sz="1600" dirty="0">
-              <a:solidFill>
-                <a:schemeClr val="tx1"/>
-              </a:solidFill>
-              <a:latin typeface="Arial" panose="020B0604020202020204" pitchFamily="34" charset="0"/>
-              <a:cs typeface="Arial" panose="020B0604020202020204" pitchFamily="34" charset="0"/>
-            </a:endParaRPr>
-          </a:p>
-          <a:p>
-            <a:pPr>
-              <a:lnSpc>
-                <a:spcPct val="120000"/>
-              </a:lnSpc>
-              <a:spcBef>
-                <a:spcPts val="0"/>
-              </a:spcBef>
-              <a:spcAft>
-                <a:spcPts val="0"/>
-              </a:spcAft>
-              <a:buClrTx/>
-              <a:buFont typeface="Arial" panose="020B0604020202020204" pitchFamily="34" charset="0"/>
-              <a:buChar char="•"/>
-            </a:pPr>
-            <a:endParaRPr lang="en-US" sz="1600" dirty="0">
-              <a:solidFill>
-                <a:schemeClr val="tx1"/>
-              </a:solidFill>
-              <a:latin typeface="Arial" panose="020B0604020202020204" pitchFamily="34" charset="0"/>
-              <a:cs typeface="Arial" panose="020B0604020202020204" pitchFamily="34" charset="0"/>
-            </a:endParaRPr>
-          </a:p>
-          <a:p>
-            <a:pPr>
-              <a:lnSpc>
-                <a:spcPct val="120000"/>
-              </a:lnSpc>
-              <a:spcBef>
-                <a:spcPts val="0"/>
-              </a:spcBef>
-              <a:spcAft>
-                <a:spcPts val="0"/>
-              </a:spcAft>
-              <a:buClrTx/>
-              <a:buFont typeface="Arial" panose="020B0604020202020204" pitchFamily="34" charset="0"/>
-              <a:buChar char="•"/>
-            </a:pPr>
-            <a:r>
-              <a:rPr lang="en-US" sz="1600" dirty="0">
-                <a:solidFill>
-                  <a:schemeClr val="tx1"/>
-                </a:solidFill>
-                <a:latin typeface="Arial" panose="020B0604020202020204" pitchFamily="34" charset="0"/>
-                <a:cs typeface="Arial" panose="020B0604020202020204" pitchFamily="34" charset="0"/>
-              </a:rPr>
-              <a:t>  Multi Paradigm Programming Language:</a:t>
+              <a:t>Paradigm Programming Language:</a:t>
             </a:r>
           </a:p>
           <a:p>
@@ -35334,32 +35251,6 @@
                 <a:cs typeface="Arial" panose="020B0604020202020204" pitchFamily="34" charset="0"/>
               </a:rPr>
               <a:t>Object Oriented</a:t>
-            </a:r>
-          </a:p>
-          <a:p>
-            <a:pPr lvl="2">
-              <a:lnSpc>
-                <a:spcPct val="120000"/>
-              </a:lnSpc>
-              <a:spcBef>
-                <a:spcPts val="0"/>
-              </a:spcBef>
-              <a:spcAft>
-                <a:spcPts val="0"/>
-              </a:spcAft>
-              <a:buClrTx/>
-              <a:buFont typeface="Arial" panose="020B0604020202020204" pitchFamily="34" charset="0"/>
-              <a:buChar char="•"/>
-            </a:pPr>
-            <a:r>
-              <a:rPr lang="en-US" dirty="0">
-                <a:solidFill>
-                  <a:schemeClr val="tx1"/>
-                </a:solidFill>
-                <a:latin typeface="Arial" panose="020B0604020202020204" pitchFamily="34" charset="0"/>
-                <a:cs typeface="Arial" panose="020B0604020202020204" pitchFamily="34" charset="0"/>
-              </a:rPr>
-              <a:t>Imperative</a:t>
             </a:r>
           </a:p>
           <a:p>
@@ -35859,33 +35750,185 @@
                                   </p:childTnLst>
                                 </p:cTn>
                               </p:par>
-                            </p:childTnLst>
-                          </p:cTn>
-                        </p:par>
-                      </p:childTnLst>
-                    </p:cTn>
-                  </p:par>
-                  <p:par>
-                    <p:cTn id="9" fill="hold">
-                      <p:stCondLst>
-                        <p:cond delay="indefinite"/>
-                      </p:stCondLst>
-                      <p:childTnLst>
-                        <p:par>
-                          <p:cTn id="10" fill="hold">
-                            <p:stCondLst>
-                              <p:cond delay="0"/>
-                            </p:stCondLst>
-                            <p:childTnLst>
                               <p:par>
-                                <p:cTn id="11" presetID="2" presetClass="entr" presetSubtype="4" fill="hold" grpId="0" nodeType="clickEffect">
+                                <p:cTn id="9" presetID="2" presetClass="entr" presetSubtype="4" fill="hold" grpId="0" nodeType="withEffect">
                                   <p:stCondLst>
                                     <p:cond delay="0"/>
                                   </p:stCondLst>
                                   <p:childTnLst>
                                     <p:set>
                                       <p:cBhvr>
-                                        <p:cTn id="12" dur="1" fill="hold">
+                                        <p:cTn id="10" dur="1" fill="hold">
+                                          <p:stCondLst>
+                                            <p:cond delay="0"/>
+                                          </p:stCondLst>
+                                        </p:cTn>
+                                        <p:tgtEl>
+                                          <p:spTgt spid="6">
+                                            <p:txEl>
+                                              <p:pRg st="1" end="1"/>
+                                            </p:txEl>
+                                          </p:spTgt>
+                                        </p:tgtEl>
+                                        <p:attrNameLst>
+                                          <p:attrName>style.visibility</p:attrName>
+                                        </p:attrNameLst>
+                                      </p:cBhvr>
+                                      <p:to>
+                                        <p:strVal val="visible"/>
+                                      </p:to>
+                                    </p:set>
+                                    <p:anim calcmode="lin" valueType="num">
+                                      <p:cBhvr additive="base">
+                                        <p:cTn id="11" dur="500" fill="hold"/>
+                                        <p:tgtEl>
+                                          <p:spTgt spid="6">
+                                            <p:txEl>
+                                              <p:pRg st="1" end="1"/>
+                                            </p:txEl>
+                                          </p:spTgt>
+                                        </p:tgtEl>
+                                        <p:attrNameLst>
+                                          <p:attrName>ppt_x</p:attrName>
+                                        </p:attrNameLst>
+                                      </p:cBhvr>
+                                      <p:tavLst>
+                                        <p:tav tm="0">
+                                          <p:val>
+                                            <p:strVal val="#ppt_x"/>
+                                          </p:val>
+                                        </p:tav>
+                                        <p:tav tm="100000">
+                                          <p:val>
+                                            <p:strVal val="#ppt_x"/>
+                                          </p:val>
+                                        </p:tav>
+                                      </p:tavLst>
+                                    </p:anim>
+                                    <p:anim calcmode="lin" valueType="num">
+                                      <p:cBhvr additive="base">
+                                        <p:cTn id="12" dur="500" fill="hold"/>
+                                        <p:tgtEl>
+                                          <p:spTgt spid="6">
+                                            <p:txEl>
+                                              <p:pRg st="1" end="1"/>
+                                            </p:txEl>
+                                          </p:spTgt>
+                                        </p:tgtEl>
+                                        <p:attrNameLst>
+                                          <p:attrName>ppt_y</p:attrName>
+                                        </p:attrNameLst>
+                                      </p:cBhvr>
+                                      <p:tavLst>
+                                        <p:tav tm="0">
+                                          <p:val>
+                                            <p:strVal val="1+#ppt_h/2"/>
+                                          </p:val>
+                                        </p:tav>
+                                        <p:tav tm="100000">
+                                          <p:val>
+                                            <p:strVal val="#ppt_y"/>
+                                          </p:val>
+                                        </p:tav>
+                                      </p:tavLst>
+                                    </p:anim>
+                                  </p:childTnLst>
+                                </p:cTn>
+                              </p:par>
+                              <p:par>
+                                <p:cTn id="13" presetID="2" presetClass="entr" presetSubtype="4" fill="hold" grpId="0" nodeType="withEffect">
+                                  <p:stCondLst>
+                                    <p:cond delay="0"/>
+                                  </p:stCondLst>
+                                  <p:childTnLst>
+                                    <p:set>
+                                      <p:cBhvr>
+                                        <p:cTn id="14" dur="1" fill="hold">
+                                          <p:stCondLst>
+                                            <p:cond delay="0"/>
+                                          </p:stCondLst>
+                                        </p:cTn>
+                                        <p:tgtEl>
+                                          <p:spTgt spid="6">
+                                            <p:txEl>
+                                              <p:pRg st="2" end="2"/>
+                                            </p:txEl>
+                                          </p:spTgt>
+                                        </p:tgtEl>
+                                        <p:attrNameLst>
+                                          <p:attrName>style.visibility</p:attrName>
+                                        </p:attrNameLst>
+                                      </p:cBhvr>
+                                      <p:to>
+                                        <p:strVal val="visible"/>
+                                      </p:to>
+                                    </p:set>
+                                    <p:anim calcmode="lin" valueType="num">
+                                      <p:cBhvr additive="base">
+                                        <p:cTn id="15" dur="500" fill="hold"/>
+                                        <p:tgtEl>
+                                          <p:spTgt spid="6">
+                                            <p:txEl>
+                                              <p:pRg st="2" end="2"/>
+                                            </p:txEl>
+                                          </p:spTgt>
+                                        </p:tgtEl>
+                                        <p:attrNameLst>
+                                          <p:attrName>ppt_x</p:attrName>
+                                        </p:attrNameLst>
+                                      </p:cBhvr>
+                                      <p:tavLst>
+                                        <p:tav tm="0">
+                                          <p:val>
+                                            <p:strVal val="#ppt_x"/>
+                                          </p:val>
+                                        </p:tav>
+                                        <p:tav tm="100000">
+                                          <p:val>
+                                            <p:strVal val="#ppt_x"/>
+                                          </p:val>
+                                        </p:tav>
+                                      </p:tavLst>
+                                    </p:anim>
+                                    <p:anim calcmode="lin" valueType="num">
+                                      <p:cBhvr additive="base">
+                                        <p:cTn id="16" dur="500" fill="hold"/>
+                                        <p:tgtEl>
+                                          <p:spTgt spid="6">
+                                            <p:txEl>
+                                              <p:pRg st="2" end="2"/>
+                                            </p:txEl>
+                                          </p:spTgt>
+                                        </p:tgtEl>
+                                        <p:attrNameLst>
+                                          <p:attrName>ppt_y</p:attrName>
+                                        </p:attrNameLst>
+                                      </p:cBhvr>
+                                      <p:tavLst>
+                                        <p:tav tm="0">
+                                          <p:val>
+                                            <p:strVal val="1+#ppt_h/2"/>
+                                          </p:val>
+                                        </p:tav>
+                                        <p:tav tm="100000">
+                                          <p:val>
+                                            <p:strVal val="#ppt_y"/>
+                                          </p:val>
+                                        </p:tav>
+                                      </p:tavLst>
+                                    </p:anim>
+                                  </p:childTnLst>
+                                </p:cTn>
+                              </p:par>
+                              <p:par>
+                                <p:cTn id="17" presetID="2" presetClass="entr" presetSubtype="4" fill="hold" grpId="0" nodeType="withEffect">
+                                  <p:stCondLst>
+                                    <p:cond delay="0"/>
+                                  </p:stCondLst>
+                                  <p:childTnLst>
+                                    <p:set>
+                                      <p:cBhvr>
+                                        <p:cTn id="18" dur="1" fill="hold">
                                           <p:stCondLst>
                                             <p:cond delay="0"/>
                                           </p:stCondLst>
@@ -35907,7 +35950,7 @@
                                     </p:set>
                                     <p:anim calcmode="lin" valueType="num">
                                       <p:cBhvr additive="base">
-                                        <p:cTn id="13" dur="500" fill="hold"/>
+                                        <p:cTn id="19" dur="500" fill="hold"/>
                                         <p:tgtEl>
                                           <p:spTgt spid="6">
                                             <p:txEl>
@@ -35934,7 +35977,7 @@
                                     </p:anim>
                                     <p:anim calcmode="lin" valueType="num">
                                       <p:cBhvr additive="base">
-                                        <p:cTn id="14" dur="500" fill="hold"/>
+                                        <p:cTn id="20" dur="500" fill="hold"/>
                                         <p:tgtEl>
                                           <p:spTgt spid="6">
                                             <p:txEl>
@@ -35963,14 +36006,14 @@
                                 </p:cTn>
                               </p:par>
                               <p:par>
-                                <p:cTn id="15" presetID="2" presetClass="entr" presetSubtype="4" fill="hold" grpId="0" nodeType="withEffect">
+                                <p:cTn id="21" presetID="2" presetClass="entr" presetSubtype="4" fill="hold" grpId="0" nodeType="withEffect">
                                   <p:stCondLst>
                                     <p:cond delay="0"/>
                                   </p:stCondLst>
                                   <p:childTnLst>
                                     <p:set>
                                       <p:cBhvr>
-                                        <p:cTn id="16" dur="1" fill="hold">
+                                        <p:cTn id="22" dur="1" fill="hold">
                                           <p:stCondLst>
                                             <p:cond delay="0"/>
                                           </p:stCondLst>
@@ -35992,7 +36035,7 @@
                                     </p:set>
                                     <p:anim calcmode="lin" valueType="num">
                                       <p:cBhvr additive="base">
-                                        <p:cTn id="17" dur="500" fill="hold"/>
+                                        <p:cTn id="23" dur="500" fill="hold"/>
                                         <p:tgtEl>
                                           <p:spTgt spid="6">
                                             <p:txEl>
@@ -36019,7 +36062,7 @@
                                     </p:anim>
                                     <p:anim calcmode="lin" valueType="num">
                                       <p:cBhvr additive="base">
-                                        <p:cTn id="18" dur="500" fill="hold"/>
+                                        <p:cTn id="24" dur="500" fill="hold"/>
                                         <p:tgtEl>
                                           <p:spTgt spid="6">
                                             <p:txEl>
@@ -36047,178 +36090,26 @@
                                   </p:childTnLst>
                                 </p:cTn>
                               </p:par>
+                            </p:childTnLst>
+                          </p:cTn>
+                        </p:par>
+                      </p:childTnLst>
+                    </p:cTn>
+                  </p:par>
+                  <p:par>
+                    <p:cTn id="25" fill="hold">
+                      <p:stCondLst>
+                        <p:cond delay="indefinite"/>
+                      </p:stCondLst>
+                      <p:childTnLst>
+                        <p:par>
+                          <p:cTn id="26" fill="hold">
+                            <p:stCondLst>
+                              <p:cond delay="0"/>
+                            </p:stCondLst>
+                            <p:childTnLst>
                               <p:par>
-                                <p:cTn id="19" presetID="2" presetClass="entr" presetSubtype="4" fill="hold" grpId="0" nodeType="withEffect">
-                                  <p:stCondLst>
-                                    <p:cond delay="0"/>
-                                  </p:stCondLst>
-                                  <p:childTnLst>
-                                    <p:set>
-                                      <p:cBhvr>
-                                        <p:cTn id="20" dur="1" fill="hold">
-                                          <p:stCondLst>
-                                            <p:cond delay="0"/>
-                                          </p:stCondLst>
-                                        </p:cTn>
-                                        <p:tgtEl>
-                                          <p:spTgt spid="6">
-                                            <p:txEl>
-                                              <p:pRg st="5" end="5"/>
-                                            </p:txEl>
-                                          </p:spTgt>
-                                        </p:tgtEl>
-                                        <p:attrNameLst>
-                                          <p:attrName>style.visibility</p:attrName>
-                                        </p:attrNameLst>
-                                      </p:cBhvr>
-                                      <p:to>
-                                        <p:strVal val="visible"/>
-                                      </p:to>
-                                    </p:set>
-                                    <p:anim calcmode="lin" valueType="num">
-                                      <p:cBhvr additive="base">
-                                        <p:cTn id="21" dur="500" fill="hold"/>
-                                        <p:tgtEl>
-                                          <p:spTgt spid="6">
-                                            <p:txEl>
-                                              <p:pRg st="5" end="5"/>
-                                            </p:txEl>
-                                          </p:spTgt>
-                                        </p:tgtEl>
-                                        <p:attrNameLst>
-                                          <p:attrName>ppt_x</p:attrName>
-                                        </p:attrNameLst>
-                                      </p:cBhvr>
-                                      <p:tavLst>
-                                        <p:tav tm="0">
-                                          <p:val>
-                                            <p:strVal val="#ppt_x"/>
-                                          </p:val>
-                                        </p:tav>
-                                        <p:tav tm="100000">
-                                          <p:val>
-                                            <p:strVal val="#ppt_x"/>
-                                          </p:val>
-                                        </p:tav>
-                                      </p:tavLst>
-                                    </p:anim>
-                                    <p:anim calcmode="lin" valueType="num">
-                                      <p:cBhvr additive="base">
-                                        <p:cTn id="22" dur="500" fill="hold"/>
-                                        <p:tgtEl>
-                                          <p:spTgt spid="6">
-                                            <p:txEl>
-                                              <p:pRg st="5" end="5"/>
-                                            </p:txEl>
-                                          </p:spTgt>
-                                        </p:tgtEl>
-                                        <p:attrNameLst>
-                                          <p:attrName>ppt_y</p:attrName>
-                                        </p:attrNameLst>
-                                      </p:cBhvr>
-                                      <p:tavLst>
-                                        <p:tav tm="0">
-                                          <p:val>
-                                            <p:strVal val="1+#ppt_h/2"/>
-                                          </p:val>
-                                        </p:tav>
-                                        <p:tav tm="100000">
-                                          <p:val>
-                                            <p:strVal val="#ppt_y"/>
-                                          </p:val>
-                                        </p:tav>
-                                      </p:tavLst>
-                                    </p:anim>
-                                  </p:childTnLst>
-                                </p:cTn>
-                              </p:par>
-                              <p:par>
-                                <p:cTn id="23" presetID="2" presetClass="entr" presetSubtype="4" fill="hold" grpId="0" nodeType="withEffect">
-                                  <p:stCondLst>
-                                    <p:cond delay="0"/>
-                                  </p:stCondLst>
-                                  <p:childTnLst>
-                                    <p:set>
-                                      <p:cBhvr>
-                                        <p:cTn id="24" dur="1" fill="hold">
-                                          <p:stCondLst>
-                                            <p:cond delay="0"/>
-                                          </p:stCondLst>
-                                        </p:cTn>
-                                        <p:tgtEl>
-                                          <p:spTgt spid="6">
-                                            <p:txEl>
-                                              <p:pRg st="6" end="6"/>
-                                            </p:txEl>
-                                          </p:spTgt>
-                                        </p:tgtEl>
-                                        <p:attrNameLst>
-                                          <p:attrName>style.visibility</p:attrName>
-                                        </p:attrNameLst>
-                                      </p:cBhvr>
-                                      <p:to>
-                                        <p:strVal val="visible"/>
-                                      </p:to>
-                                    </p:set>
-                                    <p:anim calcmode="lin" valueType="num">
-                                      <p:cBhvr additive="base">
-                                        <p:cTn id="25" dur="500" fill="hold"/>
-                                        <p:tgtEl>
-                                          <p:spTgt spid="6">
-                                            <p:txEl>
-                                              <p:pRg st="6" end="6"/>
-                                            </p:txEl>
-                                          </p:spTgt>
-                                        </p:tgtEl>
-                                        <p:attrNameLst>
-                                          <p:attrName>ppt_x</p:attrName>
-                                        </p:attrNameLst>
-                                      </p:cBhvr>
-                                      <p:tavLst>
-                                        <p:tav tm="0">
-                                          <p:val>
-                                            <p:strVal val="#ppt_x"/>
-                                          </p:val>
-                                        </p:tav>
-                                        <p:tav tm="100000">
-                                          <p:val>
-                                            <p:strVal val="#ppt_x"/>
-                                          </p:val>
-                                        </p:tav>
-                                      </p:tavLst>
-                                    </p:anim>
-                                    <p:anim calcmode="lin" valueType="num">
-                                      <p:cBhvr additive="base">
-                                        <p:cTn id="26" dur="500" fill="hold"/>
-                                        <p:tgtEl>
-                                          <p:spTgt spid="6">
-                                            <p:txEl>
-                                              <p:pRg st="6" end="6"/>
-                                            </p:txEl>
-                                          </p:spTgt>
-                                        </p:tgtEl>
-                                        <p:attrNameLst>
-                                          <p:attrName>ppt_y</p:attrName>
-                                        </p:attrNameLst>
-                                      </p:cBhvr>
-                                      <p:tavLst>
-                                        <p:tav tm="0">
-                                          <p:val>
-                                            <p:strVal val="1+#ppt_h/2"/>
-                                          </p:val>
-                                        </p:tav>
-                                        <p:tav tm="100000">
-                                          <p:val>
-                                            <p:strVal val="#ppt_y"/>
-                                          </p:val>
-                                        </p:tav>
-                                      </p:tavLst>
-                                    </p:anim>
-                                  </p:childTnLst>
-                                </p:cTn>
-                              </p:par>
-                              <p:par>
-                                <p:cTn id="27" presetID="2" presetClass="entr" presetSubtype="4" fill="hold" grpId="0" nodeType="withEffect">
+                                <p:cTn id="27" presetID="2" presetClass="entr" presetSubtype="4" fill="hold" grpId="0" nodeType="clickEffect">
                                   <p:stCondLst>
                                     <p:cond delay="0"/>
                                   </p:stCondLst>
@@ -36575,33 +36466,15 @@
                                   </p:childTnLst>
                                 </p:cTn>
                               </p:par>
-                            </p:childTnLst>
-                          </p:cTn>
-                        </p:par>
-                      </p:childTnLst>
-                    </p:cTn>
-                  </p:par>
-                  <p:par>
-                    <p:cTn id="45" fill="hold">
-                      <p:stCondLst>
-                        <p:cond delay="indefinite"/>
-                      </p:stCondLst>
-                      <p:childTnLst>
-                        <p:par>
-                          <p:cTn id="46" fill="hold">
-                            <p:stCondLst>
-                              <p:cond delay="0"/>
-                            </p:stCondLst>
-                            <p:childTnLst>
                               <p:par>
-                                <p:cTn id="47" presetID="2" presetClass="entr" presetSubtype="4" fill="hold" grpId="0" nodeType="clickEffect">
+                                <p:cTn id="45" presetID="2" presetClass="entr" presetSubtype="4" fill="hold" grpId="0" nodeType="withEffect">
                                   <p:stCondLst>
                                     <p:cond delay="0"/>
                                   </p:stCondLst>
                                   <p:childTnLst>
                                     <p:set>
                                       <p:cBhvr>
-                                        <p:cTn id="48" dur="1" fill="hold">
+                                        <p:cTn id="46" dur="1" fill="hold">
                                           <p:stCondLst>
                                             <p:cond delay="0"/>
                                           </p:stCondLst>
@@ -36609,7 +36482,7 @@
                                         <p:tgtEl>
                                           <p:spTgt spid="6">
                                             <p:txEl>
-                                              <p:pRg st="15" end="15"/>
+                                              <p:pRg st="13" end="13"/>
                                             </p:txEl>
                                           </p:spTgt>
                                         </p:tgtEl>
@@ -36623,11 +36496,11 @@
                                     </p:set>
                                     <p:anim calcmode="lin" valueType="num">
                                       <p:cBhvr additive="base">
-                                        <p:cTn id="49" dur="500" fill="hold"/>
+                                        <p:cTn id="47" dur="500" fill="hold"/>
                                         <p:tgtEl>
                                           <p:spTgt spid="6">
                                             <p:txEl>
-                                              <p:pRg st="15" end="15"/>
+                                              <p:pRg st="13" end="13"/>
                                             </p:txEl>
                                           </p:spTgt>
                                         </p:tgtEl>
@@ -36650,181 +36523,11 @@
                                     </p:anim>
                                     <p:anim calcmode="lin" valueType="num">
                                       <p:cBhvr additive="base">
-                                        <p:cTn id="50" dur="500" fill="hold"/>
+                                        <p:cTn id="48" dur="500" fill="hold"/>
                                         <p:tgtEl>
                                           <p:spTgt spid="6">
                                             <p:txEl>
-                                              <p:pRg st="15" end="15"/>
-                                            </p:txEl>
-                                          </p:spTgt>
-                                        </p:tgtEl>
-                                        <p:attrNameLst>
-                                          <p:attrName>ppt_y</p:attrName>
-                                        </p:attrNameLst>
-                                      </p:cBhvr>
-                                      <p:tavLst>
-                                        <p:tav tm="0">
-                                          <p:val>
-                                            <p:strVal val="1+#ppt_h/2"/>
-                                          </p:val>
-                                        </p:tav>
-                                        <p:tav tm="100000">
-                                          <p:val>
-                                            <p:strVal val="#ppt_y"/>
-                                          </p:val>
-                                        </p:tav>
-                                      </p:tavLst>
-                                    </p:anim>
-                                  </p:childTnLst>
-                                </p:cTn>
-                              </p:par>
-                              <p:par>
-                                <p:cTn id="51" presetID="2" presetClass="entr" presetSubtype="4" fill="hold" grpId="0" nodeType="withEffect">
-                                  <p:stCondLst>
-                                    <p:cond delay="0"/>
-                                  </p:stCondLst>
-                                  <p:childTnLst>
-                                    <p:set>
-                                      <p:cBhvr>
-                                        <p:cTn id="52" dur="1" fill="hold">
-                                          <p:stCondLst>
-                                            <p:cond delay="0"/>
-                                          </p:stCondLst>
-                                        </p:cTn>
-                                        <p:tgtEl>
-                                          <p:spTgt spid="6">
-                                            <p:txEl>
-                                              <p:pRg st="16" end="16"/>
-                                            </p:txEl>
-                                          </p:spTgt>
-                                        </p:tgtEl>
-                                        <p:attrNameLst>
-                                          <p:attrName>style.visibility</p:attrName>
-                                        </p:attrNameLst>
-                                      </p:cBhvr>
-                                      <p:to>
-                                        <p:strVal val="visible"/>
-                                      </p:to>
-                                    </p:set>
-                                    <p:anim calcmode="lin" valueType="num">
-                                      <p:cBhvr additive="base">
-                                        <p:cTn id="53" dur="500" fill="hold"/>
-                                        <p:tgtEl>
-                                          <p:spTgt spid="6">
-                                            <p:txEl>
-                                              <p:pRg st="16" end="16"/>
-                                            </p:txEl>
-                                          </p:spTgt>
-                                        </p:tgtEl>
-                                        <p:attrNameLst>
-                                          <p:attrName>ppt_x</p:attrName>
-                                        </p:attrNameLst>
-                                      </p:cBhvr>
-                                      <p:tavLst>
-                                        <p:tav tm="0">
-                                          <p:val>
-                                            <p:strVal val="#ppt_x"/>
-                                          </p:val>
-                                        </p:tav>
-                                        <p:tav tm="100000">
-                                          <p:val>
-                                            <p:strVal val="#ppt_x"/>
-                                          </p:val>
-                                        </p:tav>
-                                      </p:tavLst>
-                                    </p:anim>
-                                    <p:anim calcmode="lin" valueType="num">
-                                      <p:cBhvr additive="base">
-                                        <p:cTn id="54" dur="500" fill="hold"/>
-                                        <p:tgtEl>
-                                          <p:spTgt spid="6">
-                                            <p:txEl>
-                                              <p:pRg st="16" end="16"/>
-                                            </p:txEl>
-                                          </p:spTgt>
-                                        </p:tgtEl>
-                                        <p:attrNameLst>
-                                          <p:attrName>ppt_y</p:attrName>
-                                        </p:attrNameLst>
-                                      </p:cBhvr>
-                                      <p:tavLst>
-                                        <p:tav tm="0">
-                                          <p:val>
-                                            <p:strVal val="1+#ppt_h/2"/>
-                                          </p:val>
-                                        </p:tav>
-                                        <p:tav tm="100000">
-                                          <p:val>
-                                            <p:strVal val="#ppt_y"/>
-                                          </p:val>
-                                        </p:tav>
-                                      </p:tavLst>
-                                    </p:anim>
-                                  </p:childTnLst>
-                                </p:cTn>
-                              </p:par>
-                              <p:par>
-                                <p:cTn id="55" presetID="2" presetClass="entr" presetSubtype="4" fill="hold" grpId="0" nodeType="withEffect">
-                                  <p:stCondLst>
-                                    <p:cond delay="0"/>
-                                  </p:stCondLst>
-                                  <p:childTnLst>
-                                    <p:set>
-                                      <p:cBhvr>
-                                        <p:cTn id="56" dur="1" fill="hold">
-                                          <p:stCondLst>
-                                            <p:cond delay="0"/>
-                                          </p:stCondLst>
-                                        </p:cTn>
-                                        <p:tgtEl>
-                                          <p:spTgt spid="6">
-                                            <p:txEl>
-                                              <p:pRg st="17" end="17"/>
-                                            </p:txEl>
-                                          </p:spTgt>
-                                        </p:tgtEl>
-                                        <p:attrNameLst>
-                                          <p:attrName>style.visibility</p:attrName>
-                                        </p:attrNameLst>
-                                      </p:cBhvr>
-                                      <p:to>
-                                        <p:strVal val="visible"/>
-                                      </p:to>
-                                    </p:set>
-                                    <p:anim calcmode="lin" valueType="num">
-                                      <p:cBhvr additive="base">
-                                        <p:cTn id="57" dur="500" fill="hold"/>
-                                        <p:tgtEl>
-                                          <p:spTgt spid="6">
-                                            <p:txEl>
-                                              <p:pRg st="17" end="17"/>
-                                            </p:txEl>
-                                          </p:spTgt>
-                                        </p:tgtEl>
-                                        <p:attrNameLst>
-                                          <p:attrName>ppt_x</p:attrName>
-                                        </p:attrNameLst>
-                                      </p:cBhvr>
-                                      <p:tavLst>
-                                        <p:tav tm="0">
-                                          <p:val>
-                                            <p:strVal val="#ppt_x"/>
-                                          </p:val>
-                                        </p:tav>
-                                        <p:tav tm="100000">
-                                          <p:val>
-                                            <p:strVal val="#ppt_x"/>
-                                          </p:val>
-                                        </p:tav>
-                                      </p:tavLst>
-                                    </p:anim>
-                                    <p:anim calcmode="lin" valueType="num">
-                                      <p:cBhvr additive="base">
-                                        <p:cTn id="58" dur="500" fill="hold"/>
-                                        <p:tgtEl>
-                                          <p:spTgt spid="6">
-                                            <p:txEl>
-                                              <p:pRg st="17" end="17"/>
+                                              <p:pRg st="13" end="13"/>
                                             </p:txEl>
                                           </p:spTgt>
                                         </p:tgtEl>

--- a/Python-SheCodesNow_updated.pptx
+++ b/Python-SheCodesNow_updated.pptx
@@ -7,6 +7,9 @@
   <p:notesMasterIdLst>
     <p:notesMasterId r:id="rId41"/>
   </p:notesMasterIdLst>
+  <p:handoutMasterIdLst>
+    <p:handoutMasterId r:id="rId42"/>
+  </p:handoutMasterIdLst>
   <p:sldIdLst>
     <p:sldId id="258" r:id="rId2"/>
     <p:sldId id="260" r:id="rId3"/>
@@ -25,8 +28,8 @@
     <p:sldId id="329" r:id="rId16"/>
     <p:sldId id="277" r:id="rId17"/>
     <p:sldId id="339" r:id="rId18"/>
-    <p:sldId id="302" r:id="rId19"/>
-    <p:sldId id="340" r:id="rId20"/>
+    <p:sldId id="340" r:id="rId19"/>
+    <p:sldId id="302" r:id="rId20"/>
     <p:sldId id="288" r:id="rId21"/>
     <p:sldId id="274" r:id="rId22"/>
     <p:sldId id="305" r:id="rId23"/>
@@ -157,6 +160,196 @@
 <p1510:revInfo xmlns:a="http://schemas.openxmlformats.org/drawingml/2006/main" xmlns:r="http://schemas.openxmlformats.org/officeDocument/2006/relationships" xmlns:p1510="http://schemas.microsoft.com/office/powerpoint/2015/10/main"/>
 </file>
 
+<file path=ppt/handoutMasters/handoutMaster1.xml><?xml version="1.0" encoding="utf-8"?>
+<p:handoutMaster xmlns:a="http://schemas.openxmlformats.org/drawingml/2006/main" xmlns:r="http://schemas.openxmlformats.org/officeDocument/2006/relationships" xmlns:p="http://schemas.openxmlformats.org/presentationml/2006/main">
+  <p:cSld>
+    <p:bg>
+      <p:bgRef idx="1001">
+        <a:schemeClr val="bg1"/>
+      </p:bgRef>
+    </p:bg>
+    <p:spTree>
+      <p:nvGrpSpPr>
+        <p:cNvPr id="1" name=""/>
+        <p:cNvGrpSpPr/>
+        <p:nvPr/>
+      </p:nvGrpSpPr>
+      <p:grpSpPr>
+        <a:xfrm>
+          <a:off x="0" y="0"/>
+          <a:ext cx="0" cy="0"/>
+          <a:chOff x="0" y="0"/>
+          <a:chExt cx="0" cy="0"/>
+        </a:xfrm>
+      </p:grpSpPr>
+      <p:sp>
+        <p:nvSpPr>
+          <p:cNvPr id="2" name="Header Placeholder 1">
+            <a:extLst>
+              <a:ext uri="{FF2B5EF4-FFF2-40B4-BE49-F238E27FC236}">
+                <a16:creationId xmlns:a16="http://schemas.microsoft.com/office/drawing/2014/main" id="{89BBB378-9921-4B3E-9A53-AAA4CD5C5FF9}"/>
+              </a:ext>
+            </a:extLst>
+          </p:cNvPr>
+          <p:cNvSpPr>
+            <a:spLocks noGrp="1"/>
+          </p:cNvSpPr>
+          <p:nvPr>
+            <p:ph type="hdr" sz="quarter"/>
+          </p:nvPr>
+        </p:nvSpPr>
+        <p:spPr>
+          <a:xfrm>
+            <a:off x="0" y="0"/>
+            <a:ext cx="2971800" cy="458788"/>
+          </a:xfrm>
+          <a:prstGeom prst="rect">
+            <a:avLst/>
+          </a:prstGeom>
+        </p:spPr>
+        <p:txBody>
+          <a:bodyPr vert="horz" lIns="91440" tIns="45720" rIns="91440" bIns="45720" rtlCol="0"/>
+          <a:lstStyle>
+            <a:lvl1pPr algn="l">
+              <a:defRPr sz="1200"/>
+            </a:lvl1pPr>
+          </a:lstStyle>
+          <a:p>
+            <a:endParaRPr lang="en-US"/>
+          </a:p>
+        </p:txBody>
+      </p:sp>
+      <p:sp>
+        <p:nvSpPr>
+          <p:cNvPr id="3" name="Date Placeholder 2">
+            <a:extLst>
+              <a:ext uri="{FF2B5EF4-FFF2-40B4-BE49-F238E27FC236}">
+                <a16:creationId xmlns:a16="http://schemas.microsoft.com/office/drawing/2014/main" id="{F97479CA-8D94-4BF8-901D-3C9E3B50ED3A}"/>
+              </a:ext>
+            </a:extLst>
+          </p:cNvPr>
+          <p:cNvSpPr>
+            <a:spLocks noGrp="1"/>
+          </p:cNvSpPr>
+          <p:nvPr>
+            <p:ph type="dt" sz="quarter" idx="1"/>
+          </p:nvPr>
+        </p:nvSpPr>
+        <p:spPr>
+          <a:xfrm>
+            <a:off x="3884613" y="0"/>
+            <a:ext cx="2971800" cy="458788"/>
+          </a:xfrm>
+          <a:prstGeom prst="rect">
+            <a:avLst/>
+          </a:prstGeom>
+        </p:spPr>
+        <p:txBody>
+          <a:bodyPr vert="horz" lIns="91440" tIns="45720" rIns="91440" bIns="45720" rtlCol="0"/>
+          <a:lstStyle>
+            <a:lvl1pPr algn="r">
+              <a:defRPr sz="1200"/>
+            </a:lvl1pPr>
+          </a:lstStyle>
+          <a:p>
+            <a:fld id="{A030F1CE-CEF0-4F06-876C-7E7BA8844B15}" type="datetimeFigureOut">
+              <a:rPr lang="en-US" smtClean="0"/>
+              <a:t>9/27/2017</a:t>
+            </a:fld>
+            <a:endParaRPr lang="en-US"/>
+          </a:p>
+        </p:txBody>
+      </p:sp>
+      <p:sp>
+        <p:nvSpPr>
+          <p:cNvPr id="4" name="Footer Placeholder 3">
+            <a:extLst>
+              <a:ext uri="{FF2B5EF4-FFF2-40B4-BE49-F238E27FC236}">
+                <a16:creationId xmlns:a16="http://schemas.microsoft.com/office/drawing/2014/main" id="{A424F080-842F-482C-A546-11A35A067D4F}"/>
+              </a:ext>
+            </a:extLst>
+          </p:cNvPr>
+          <p:cNvSpPr>
+            <a:spLocks noGrp="1"/>
+          </p:cNvSpPr>
+          <p:nvPr>
+            <p:ph type="ftr" sz="quarter" idx="2"/>
+          </p:nvPr>
+        </p:nvSpPr>
+        <p:spPr>
+          <a:xfrm>
+            <a:off x="0" y="8685213"/>
+            <a:ext cx="2971800" cy="458787"/>
+          </a:xfrm>
+          <a:prstGeom prst="rect">
+            <a:avLst/>
+          </a:prstGeom>
+        </p:spPr>
+        <p:txBody>
+          <a:bodyPr vert="horz" lIns="91440" tIns="45720" rIns="91440" bIns="45720" rtlCol="0" anchor="b"/>
+          <a:lstStyle>
+            <a:lvl1pPr algn="l">
+              <a:defRPr sz="1200"/>
+            </a:lvl1pPr>
+          </a:lstStyle>
+          <a:p>
+            <a:endParaRPr lang="en-US"/>
+          </a:p>
+        </p:txBody>
+      </p:sp>
+      <p:sp>
+        <p:nvSpPr>
+          <p:cNvPr id="5" name="Slide Number Placeholder 4">
+            <a:extLst>
+              <a:ext uri="{FF2B5EF4-FFF2-40B4-BE49-F238E27FC236}">
+                <a16:creationId xmlns:a16="http://schemas.microsoft.com/office/drawing/2014/main" id="{F3A56803-188A-4373-B09B-8858316420D9}"/>
+              </a:ext>
+            </a:extLst>
+          </p:cNvPr>
+          <p:cNvSpPr>
+            <a:spLocks noGrp="1"/>
+          </p:cNvSpPr>
+          <p:nvPr>
+            <p:ph type="sldNum" sz="quarter" idx="3"/>
+          </p:nvPr>
+        </p:nvSpPr>
+        <p:spPr>
+          <a:xfrm>
+            <a:off x="3884613" y="8685213"/>
+            <a:ext cx="2971800" cy="458787"/>
+          </a:xfrm>
+          <a:prstGeom prst="rect">
+            <a:avLst/>
+          </a:prstGeom>
+        </p:spPr>
+        <p:txBody>
+          <a:bodyPr vert="horz" lIns="91440" tIns="45720" rIns="91440" bIns="45720" rtlCol="0" anchor="b"/>
+          <a:lstStyle>
+            <a:lvl1pPr algn="r">
+              <a:defRPr sz="1200"/>
+            </a:lvl1pPr>
+          </a:lstStyle>
+          <a:p>
+            <a:fld id="{EFB19121-B49E-4C3A-8BFE-9E409AC17404}" type="slidenum">
+              <a:rPr lang="en-US" smtClean="0"/>
+              <a:t>‹#›</a:t>
+            </a:fld>
+            <a:endParaRPr lang="en-US"/>
+          </a:p>
+        </p:txBody>
+      </p:sp>
+    </p:spTree>
+    <p:extLst>
+      <p:ext uri="{BB962C8B-B14F-4D97-AF65-F5344CB8AC3E}">
+        <p14:creationId xmlns:p14="http://schemas.microsoft.com/office/powerpoint/2010/main" val="949388982"/>
+      </p:ext>
+    </p:extLst>
+  </p:cSld>
+  <p:clrMap bg1="lt1" tx1="dk1" bg2="lt2" tx2="dk2" accent1="accent1" accent2="accent2" accent3="accent3" accent4="accent4" accent5="accent5" accent6="accent6" hlink="hlink" folHlink="folHlink"/>
+  <p:hf hdr="0" ftr="0" dt="0"/>
+</p:handoutMaster>
+</file>
+
 <file path=ppt/notesMasters/notesMaster1.xml><?xml version="1.0" encoding="utf-8"?>
 <p:notesMaster xmlns:a="http://schemas.openxmlformats.org/drawingml/2006/main" xmlns:r="http://schemas.openxmlformats.org/officeDocument/2006/relationships" xmlns:p="http://schemas.openxmlformats.org/presentationml/2006/main">
   <p:cSld>
@@ -239,7 +432,7 @@
           <a:p>
             <a:fld id="{118DEC05-F682-48E6-9558-FFF6A54E1853}" type="datetimeFigureOut">
               <a:rPr lang="en-US" smtClean="0"/>
-              <a:t>9/26/2017</a:t>
+              <a:t>9/27/2017</a:t>
             </a:fld>
             <a:endParaRPr lang="en-US" dirty="0"/>
           </a:p>
@@ -411,6 +604,7 @@
     </p:extLst>
   </p:cSld>
   <p:clrMap bg1="lt1" tx1="dk1" bg2="lt2" tx2="dk2" accent1="accent1" accent2="accent2" accent3="accent3" accent4="accent4" accent5="accent5" accent6="accent6" hlink="hlink" folHlink="folHlink"/>
+  <p:hf hdr="0" ftr="0" dt="0"/>
   <p:notesStyle>
     <a:lvl1pPr marL="0" algn="l" defTabSz="914400" rtl="0" eaLnBrk="1" latinLnBrk="0" hangingPunct="1">
       <a:defRPr sz="1200" kern="1200">
@@ -1507,7 +1701,7 @@
           <a:p>
             <a:fld id="{361E70C6-74B0-4271-BCFC-331A32DEC7B0}" type="slidenum">
               <a:rPr lang="en-US" smtClean="0"/>
-              <a:t>19</a:t>
+              <a:t>18</a:t>
             </a:fld>
             <a:endParaRPr lang="en-US" dirty="0"/>
           </a:p>
@@ -5764,6 +5958,7 @@
     <p:sldLayoutId id="2147483728" r:id="rId7"/>
     <p:sldLayoutId id="2147483729" r:id="rId8"/>
   </p:sldLayoutIdLst>
+  <p:hf hdr="0" ftr="0" dt="0"/>
   <p:txStyles>
     <p:titleStyle>
       <a:lvl1pPr algn="l" defTabSz="914400" rtl="0" eaLnBrk="1" latinLnBrk="0" hangingPunct="1">
@@ -7059,51 +7254,6 @@
               <a:buChar char="•"/>
             </a:pPr>
             <a:r>
-              <a:rPr lang="en-US" sz="1600" dirty="0">
-                <a:solidFill>
-                  <a:schemeClr val="tx1"/>
-                </a:solidFill>
-                <a:latin typeface="Arial" panose="020B0604020202020204" pitchFamily="34" charset="0"/>
-                <a:cs typeface="Arial" panose="020B0604020202020204" pitchFamily="34" charset="0"/>
-              </a:rPr>
-              <a:t>Using print() function</a:t>
-            </a:r>
-          </a:p>
-          <a:p>
-            <a:pPr lvl="1">
-              <a:buClrTx/>
-              <a:buFont typeface="Arial" panose="020B0604020202020204" pitchFamily="34" charset="0"/>
-              <a:buChar char="•"/>
-            </a:pPr>
-            <a:endParaRPr lang="en-US" sz="1600" dirty="0">
-              <a:solidFill>
-                <a:schemeClr val="tx1"/>
-              </a:solidFill>
-              <a:latin typeface="Arial" panose="020B0604020202020204" pitchFamily="34" charset="0"/>
-              <a:cs typeface="Arial" panose="020B0604020202020204" pitchFamily="34" charset="0"/>
-            </a:endParaRPr>
-          </a:p>
-          <a:p>
-            <a:pPr lvl="1">
-              <a:buClrTx/>
-              <a:buFont typeface="Arial" panose="020B0604020202020204" pitchFamily="34" charset="0"/>
-              <a:buChar char="•"/>
-            </a:pPr>
-            <a:endParaRPr lang="en-US" sz="1600" dirty="0">
-              <a:solidFill>
-                <a:schemeClr val="tx1"/>
-              </a:solidFill>
-              <a:latin typeface="Arial" panose="020B0604020202020204" pitchFamily="34" charset="0"/>
-              <a:cs typeface="Arial" panose="020B0604020202020204" pitchFamily="34" charset="0"/>
-            </a:endParaRPr>
-          </a:p>
-          <a:p>
-            <a:pPr lvl="1">
-              <a:buClrTx/>
-              <a:buFont typeface="Arial" panose="020B0604020202020204" pitchFamily="34" charset="0"/>
-              <a:buChar char="•"/>
-            </a:pPr>
-            <a:r>
               <a:rPr lang="en-US" sz="1600" b="1" dirty="0">
                 <a:solidFill>
                   <a:schemeClr val="tx1"/>
@@ -7426,33 +7576,15 @@
                                   </p:childTnLst>
                                 </p:cTn>
                               </p:par>
-                            </p:childTnLst>
-                          </p:cTn>
-                        </p:par>
-                      </p:childTnLst>
-                    </p:cTn>
-                  </p:par>
-                  <p:par>
-                    <p:cTn id="15" fill="hold">
-                      <p:stCondLst>
-                        <p:cond delay="indefinite"/>
-                      </p:stCondLst>
-                      <p:childTnLst>
-                        <p:par>
-                          <p:cTn id="16" fill="hold">
-                            <p:stCondLst>
-                              <p:cond delay="0"/>
-                            </p:stCondLst>
-                            <p:childTnLst>
                               <p:par>
-                                <p:cTn id="17" presetID="2" presetClass="entr" presetSubtype="4" fill="hold" nodeType="clickEffect">
+                                <p:cTn id="15" presetID="2" presetClass="entr" presetSubtype="4" fill="hold" nodeType="withEffect">
                                   <p:stCondLst>
                                     <p:cond delay="0"/>
                                   </p:stCondLst>
                                   <p:childTnLst>
                                     <p:set>
                                       <p:cBhvr>
-                                        <p:cTn id="18" dur="1" fill="hold">
+                                        <p:cTn id="16" dur="1" fill="hold">
                                           <p:stCondLst>
                                             <p:cond delay="0"/>
                                           </p:stCondLst>
@@ -7460,7 +7592,7 @@
                                         <p:tgtEl>
                                           <p:spTgt spid="3">
                                             <p:txEl>
-                                              <p:pRg st="6" end="6"/>
+                                              <p:pRg st="4" end="4"/>
                                             </p:txEl>
                                           </p:spTgt>
                                         </p:tgtEl>
@@ -7474,11 +7606,11 @@
                                     </p:set>
                                     <p:anim calcmode="lin" valueType="num">
                                       <p:cBhvr additive="base">
-                                        <p:cTn id="19" dur="500" fill="hold"/>
+                                        <p:cTn id="17" dur="500" fill="hold"/>
                                         <p:tgtEl>
                                           <p:spTgt spid="3">
                                             <p:txEl>
-                                              <p:pRg st="6" end="6"/>
+                                              <p:pRg st="4" end="4"/>
                                             </p:txEl>
                                           </p:spTgt>
                                         </p:tgtEl>
@@ -7501,96 +7633,11 @@
                                     </p:anim>
                                     <p:anim calcmode="lin" valueType="num">
                                       <p:cBhvr additive="base">
-                                        <p:cTn id="20" dur="500" fill="hold"/>
+                                        <p:cTn id="18" dur="500" fill="hold"/>
                                         <p:tgtEl>
                                           <p:spTgt spid="3">
                                             <p:txEl>
-                                              <p:pRg st="6" end="6"/>
-                                            </p:txEl>
-                                          </p:spTgt>
-                                        </p:tgtEl>
-                                        <p:attrNameLst>
-                                          <p:attrName>ppt_y</p:attrName>
-                                        </p:attrNameLst>
-                                      </p:cBhvr>
-                                      <p:tavLst>
-                                        <p:tav tm="0">
-                                          <p:val>
-                                            <p:strVal val="1+#ppt_h/2"/>
-                                          </p:val>
-                                        </p:tav>
-                                        <p:tav tm="100000">
-                                          <p:val>
-                                            <p:strVal val="#ppt_y"/>
-                                          </p:val>
-                                        </p:tav>
-                                      </p:tavLst>
-                                    </p:anim>
-                                  </p:childTnLst>
-                                </p:cTn>
-                              </p:par>
-                              <p:par>
-                                <p:cTn id="21" presetID="2" presetClass="entr" presetSubtype="4" fill="hold" nodeType="withEffect">
-                                  <p:stCondLst>
-                                    <p:cond delay="0"/>
-                                  </p:stCondLst>
-                                  <p:childTnLst>
-                                    <p:set>
-                                      <p:cBhvr>
-                                        <p:cTn id="22" dur="1" fill="hold">
-                                          <p:stCondLst>
-                                            <p:cond delay="0"/>
-                                          </p:stCondLst>
-                                        </p:cTn>
-                                        <p:tgtEl>
-                                          <p:spTgt spid="3">
-                                            <p:txEl>
-                                              <p:pRg st="7" end="7"/>
-                                            </p:txEl>
-                                          </p:spTgt>
-                                        </p:tgtEl>
-                                        <p:attrNameLst>
-                                          <p:attrName>style.visibility</p:attrName>
-                                        </p:attrNameLst>
-                                      </p:cBhvr>
-                                      <p:to>
-                                        <p:strVal val="visible"/>
-                                      </p:to>
-                                    </p:set>
-                                    <p:anim calcmode="lin" valueType="num">
-                                      <p:cBhvr additive="base">
-                                        <p:cTn id="23" dur="500" fill="hold"/>
-                                        <p:tgtEl>
-                                          <p:spTgt spid="3">
-                                            <p:txEl>
-                                              <p:pRg st="7" end="7"/>
-                                            </p:txEl>
-                                          </p:spTgt>
-                                        </p:tgtEl>
-                                        <p:attrNameLst>
-                                          <p:attrName>ppt_x</p:attrName>
-                                        </p:attrNameLst>
-                                      </p:cBhvr>
-                                      <p:tavLst>
-                                        <p:tav tm="0">
-                                          <p:val>
-                                            <p:strVal val="#ppt_x"/>
-                                          </p:val>
-                                        </p:tav>
-                                        <p:tav tm="100000">
-                                          <p:val>
-                                            <p:strVal val="#ppt_x"/>
-                                          </p:val>
-                                        </p:tav>
-                                      </p:tavLst>
-                                    </p:anim>
-                                    <p:anim calcmode="lin" valueType="num">
-                                      <p:cBhvr additive="base">
-                                        <p:cTn id="24" dur="500" fill="hold"/>
-                                        <p:tgtEl>
-                                          <p:spTgt spid="3">
-                                            <p:txEl>
-                                              <p:pRg st="7" end="7"/>
+                                              <p:pRg st="4" end="4"/>
                                             </p:txEl>
                                           </p:spTgt>
                                         </p:tgtEl>
@@ -7871,7 +7918,7 @@
           <p:nvPr>
             <p:extLst>
               <p:ext uri="{D42A27DB-BD31-4B8C-83A1-F6EECF244321}">
-                <p14:modId xmlns:p14="http://schemas.microsoft.com/office/powerpoint/2010/main" val="1172165124"/>
+                <p14:modId xmlns:p14="http://schemas.microsoft.com/office/powerpoint/2010/main" val="1332127564"/>
               </p:ext>
             </p:extLst>
           </p:nvPr>
@@ -8237,7 +8284,31 @@
                           </a:highlight>
                           <a:latin typeface="Courier New" panose="02070309020205020404" pitchFamily="49" charset="0"/>
                         </a:rPr>
-                        <a:t>'Which city do you live in?’)</a:t>
+                        <a:t>'Which city do you live in?</a:t>
+                      </a:r>
+                      <a:r>
+                        <a:rPr lang="en-US" sz="1600" b="0" dirty="0">
+                          <a:solidFill>
+                            <a:srgbClr val="808080"/>
+                          </a:solidFill>
+                          <a:highlight>
+                            <a:srgbClr val="FFFFFF"/>
+                          </a:highlight>
+                          <a:latin typeface="Courier New" panose="02070309020205020404" pitchFamily="49" charset="0"/>
+                        </a:rPr>
+                        <a:t>'</a:t>
+                      </a:r>
+                      <a:r>
+                        <a:rPr lang="en-US" sz="1600" b="0" dirty="0">
+                          <a:solidFill>
+                            <a:srgbClr val="000000"/>
+                          </a:solidFill>
+                          <a:highlight>
+                            <a:srgbClr val="FFFFFF"/>
+                          </a:highlight>
+                          <a:latin typeface="Courier New" panose="02070309020205020404" pitchFamily="49" charset="0"/>
+                        </a:rPr>
+                        <a:t>)</a:t>
                       </a:r>
                     </a:p>
                     <a:p>
@@ -12348,7 +12419,7 @@
           <p:nvPr>
             <p:extLst>
               <p:ext uri="{D42A27DB-BD31-4B8C-83A1-F6EECF244321}">
-                <p14:modId xmlns:p14="http://schemas.microsoft.com/office/powerpoint/2010/main" val="2575463549"/>
+                <p14:modId xmlns:p14="http://schemas.microsoft.com/office/powerpoint/2010/main" val="3367531035"/>
               </p:ext>
             </p:extLst>
           </p:nvPr>
@@ -12398,7 +12469,7 @@
                     <a:bodyPr/>
                     <a:lstStyle/>
                     <a:p>
-                      <a:pPr marL="292608" lvl="1" indent="0">
+                      <a:pPr marL="0" lvl="0" indent="-164592">
                         <a:lnSpc>
                           <a:spcPct val="100000"/>
                         </a:lnSpc>
@@ -12710,7 +12781,7 @@
           <p:nvPr>
             <p:extLst>
               <p:ext uri="{D42A27DB-BD31-4B8C-83A1-F6EECF244321}">
-                <p14:modId xmlns:p14="http://schemas.microsoft.com/office/powerpoint/2010/main" val="3790341466"/>
+                <p14:modId xmlns:p14="http://schemas.microsoft.com/office/powerpoint/2010/main" val="3925551791"/>
               </p:ext>
             </p:extLst>
           </p:nvPr>
@@ -12760,7 +12831,7 @@
                     <a:bodyPr/>
                     <a:lstStyle/>
                     <a:p>
-                      <a:pPr marL="292608" lvl="1" indent="0" algn="l" defTabSz="914400" rtl="0" eaLnBrk="1" latinLnBrk="0" hangingPunct="1">
+                      <a:pPr marL="0" lvl="0" indent="-164592" algn="l" defTabSz="914400" rtl="0" eaLnBrk="1" latinLnBrk="0" hangingPunct="1">
                         <a:lnSpc>
                           <a:spcPct val="100000"/>
                         </a:lnSpc>
@@ -12791,7 +12862,7 @@
                       </a:r>
                     </a:p>
                     <a:p>
-                      <a:pPr marL="292608" lvl="1" indent="0">
+                      <a:pPr marL="0" lvl="0" indent="-164592">
                         <a:lnSpc>
                           <a:spcPct val="100000"/>
                         </a:lnSpc>
@@ -12804,24 +12875,6 @@
                         <a:buNone/>
                       </a:pPr>
                       <a:r>
-                        <a:rPr lang="en-US" sz="1600" dirty="0">
-                          <a:solidFill>
-                            <a:srgbClr val="000080"/>
-                          </a:solidFill>
-                          <a:latin typeface="Courier New" panose="02070309020205020404" pitchFamily="49" charset="0"/>
-                        </a:rPr>
-                        <a:t>&gt;&gt;&gt;</a:t>
-                      </a:r>
-                      <a:r>
-                        <a:rPr lang="en-US" sz="1600" dirty="0">
-                          <a:solidFill>
-                            <a:srgbClr val="000000"/>
-                          </a:solidFill>
-                          <a:latin typeface="Courier New" panose="02070309020205020404" pitchFamily="49" charset="0"/>
-                        </a:rPr>
-                        <a:t> </a:t>
-                      </a:r>
-                      <a:r>
                         <a:rPr lang="en-US" sz="1600" dirty="0" err="1">
                           <a:solidFill>
                             <a:srgbClr val="000000"/>
@@ -12841,7 +12894,7 @@
                       </a:r>
                     </a:p>
                     <a:p>
-                      <a:pPr marL="292608" lvl="1" indent="0">
+                      <a:pPr marL="0" lvl="0" indent="-164592">
                         <a:lnSpc>
                           <a:spcPct val="100000"/>
                         </a:lnSpc>
@@ -12861,7 +12914,7 @@
                       </a:endParaRPr>
                     </a:p>
                     <a:p>
-                      <a:pPr marL="292608" lvl="1" indent="0">
+                      <a:pPr marL="0" lvl="0" indent="-164592">
                         <a:lnSpc>
                           <a:spcPct val="100000"/>
                         </a:lnSpc>
@@ -12899,7 +12952,7 @@
                       </a:endParaRPr>
                     </a:p>
                     <a:p>
-                      <a:pPr marL="292608" lvl="1" indent="0">
+                      <a:pPr marL="0" lvl="0" indent="-164592">
                         <a:lnSpc>
                           <a:spcPct val="100000"/>
                         </a:lnSpc>
@@ -13027,7 +13080,7 @@
         <p:spPr>
           <a:xfrm>
             <a:off x="1097280" y="1570518"/>
-            <a:ext cx="6378729" cy="584775"/>
+            <a:ext cx="7518083" cy="338554"/>
           </a:xfrm>
           <a:prstGeom prst="rect">
             <a:avLst/>
@@ -13045,16 +13098,7 @@
                 <a:latin typeface="Arial" panose="020B0604020202020204" pitchFamily="34" charset="0"/>
                 <a:cs typeface="Arial" panose="020B0604020202020204" pitchFamily="34" charset="0"/>
               </a:rPr>
-              <a:t>Problem Statement: </a:t>
-            </a:r>
-          </a:p>
-          <a:p>
-            <a:r>
-              <a:rPr lang="en-US" sz="1600" dirty="0">
-                <a:latin typeface="Arial" panose="020B0604020202020204" pitchFamily="34" charset="0"/>
-                <a:cs typeface="Arial" panose="020B0604020202020204" pitchFamily="34" charset="0"/>
-              </a:rPr>
-              <a:t>	Write a function to ask for user’s name and say Hello</a:t>
+              <a:t>The Hello Function: 	This function asks for user’s name and says Hello</a:t>
             </a:r>
           </a:p>
         </p:txBody>
@@ -13515,6 +13559,606 @@
         </p:nvSpPr>
         <p:spPr>
           <a:xfrm>
+            <a:off x="1097280" y="404290"/>
+            <a:ext cx="10058400" cy="807613"/>
+          </a:xfrm>
+        </p:spPr>
+        <p:txBody>
+          <a:bodyPr vert="horz" lIns="91440" tIns="45720" rIns="91440" bIns="45720" rtlCol="0" anchor="b">
+            <a:normAutofit/>
+          </a:bodyPr>
+          <a:lstStyle/>
+          <a:p>
+            <a:r>
+              <a:rPr lang="en-US" sz="4000" b="1" dirty="0">
+                <a:solidFill>
+                  <a:schemeClr val="tx2">
+                    <a:lumMod val="60000"/>
+                    <a:lumOff val="40000"/>
+                  </a:schemeClr>
+                </a:solidFill>
+                <a:latin typeface="+mn-lt"/>
+              </a:rPr>
+              <a:t>Functions - Parameters &amp; Return Statements </a:t>
+            </a:r>
+          </a:p>
+        </p:txBody>
+      </p:sp>
+      <p:sp>
+        <p:nvSpPr>
+          <p:cNvPr id="3" name="Content Placeholder 2">
+            <a:extLst>
+              <a:ext uri="{FF2B5EF4-FFF2-40B4-BE49-F238E27FC236}">
+                <a16:creationId xmlns:a16="http://schemas.microsoft.com/office/drawing/2014/main" id="{AB97492A-3E73-4C32-AB1E-EF4BFD90475A}"/>
+              </a:ext>
+            </a:extLst>
+          </p:cNvPr>
+          <p:cNvSpPr>
+            <a:spLocks noGrp="1"/>
+          </p:cNvSpPr>
+          <p:nvPr>
+            <p:ph idx="1"/>
+          </p:nvPr>
+        </p:nvSpPr>
+        <p:spPr>
+          <a:xfrm>
+            <a:off x="1211580" y="2171700"/>
+            <a:ext cx="7260908" cy="3014663"/>
+          </a:xfrm>
+        </p:spPr>
+        <p:txBody>
+          <a:bodyPr>
+            <a:noAutofit/>
+          </a:bodyPr>
+          <a:lstStyle/>
+          <a:p>
+            <a:pPr marL="201168" lvl="1" indent="0">
+              <a:buClrTx/>
+              <a:buNone/>
+            </a:pPr>
+            <a:r>
+              <a:rPr lang="en-US" b="1" dirty="0">
+                <a:solidFill>
+                  <a:schemeClr val="tx1"/>
+                </a:solidFill>
+                <a:latin typeface="Arial" panose="020B0604020202020204" pitchFamily="34" charset="0"/>
+                <a:cs typeface="Arial" panose="020B0604020202020204" pitchFamily="34" charset="0"/>
+              </a:rPr>
+              <a:t>Parameters</a:t>
+            </a:r>
+          </a:p>
+          <a:p>
+            <a:pPr lvl="1">
+              <a:buClrTx/>
+              <a:buFont typeface="Arial" panose="020B0604020202020204" pitchFamily="34" charset="0"/>
+              <a:buChar char="•"/>
+            </a:pPr>
+            <a:r>
+              <a:rPr lang="en-US" dirty="0">
+                <a:solidFill>
+                  <a:schemeClr val="tx1"/>
+                </a:solidFill>
+                <a:latin typeface="Arial" panose="020B0604020202020204" pitchFamily="34" charset="0"/>
+                <a:cs typeface="Arial" panose="020B0604020202020204" pitchFamily="34" charset="0"/>
+              </a:rPr>
+              <a:t>Input to the function.</a:t>
+            </a:r>
+          </a:p>
+          <a:p>
+            <a:pPr marL="201168" lvl="1" indent="0">
+              <a:buClrTx/>
+              <a:buNone/>
+            </a:pPr>
+            <a:endParaRPr lang="en-US" b="1" dirty="0">
+              <a:solidFill>
+                <a:schemeClr val="tx1"/>
+              </a:solidFill>
+              <a:latin typeface="Arial" panose="020B0604020202020204" pitchFamily="34" charset="0"/>
+              <a:cs typeface="Arial" panose="020B0604020202020204" pitchFamily="34" charset="0"/>
+            </a:endParaRPr>
+          </a:p>
+          <a:p>
+            <a:pPr marL="201168" lvl="1" indent="0">
+              <a:buClrTx/>
+              <a:buNone/>
+            </a:pPr>
+            <a:endParaRPr lang="en-US" b="1" dirty="0">
+              <a:solidFill>
+                <a:schemeClr val="tx1"/>
+              </a:solidFill>
+              <a:latin typeface="Arial" panose="020B0604020202020204" pitchFamily="34" charset="0"/>
+              <a:cs typeface="Arial" panose="020B0604020202020204" pitchFamily="34" charset="0"/>
+            </a:endParaRPr>
+          </a:p>
+          <a:p>
+            <a:pPr marL="201168" lvl="1" indent="0">
+              <a:buClrTx/>
+              <a:buNone/>
+            </a:pPr>
+            <a:r>
+              <a:rPr lang="en-US" b="1" dirty="0">
+                <a:solidFill>
+                  <a:schemeClr val="tx1"/>
+                </a:solidFill>
+                <a:latin typeface="Arial" panose="020B0604020202020204" pitchFamily="34" charset="0"/>
+                <a:cs typeface="Arial" panose="020B0604020202020204" pitchFamily="34" charset="0"/>
+              </a:rPr>
+              <a:t>The return statement</a:t>
+            </a:r>
+          </a:p>
+          <a:p>
+            <a:pPr lvl="1">
+              <a:buClrTx/>
+              <a:buFont typeface="Arial" panose="020B0604020202020204" pitchFamily="34" charset="0"/>
+              <a:buChar char="•"/>
+            </a:pPr>
+            <a:r>
+              <a:rPr lang="en-US" dirty="0">
+                <a:solidFill>
+                  <a:schemeClr val="tx1"/>
+                </a:solidFill>
+                <a:latin typeface="Arial" panose="020B0604020202020204" pitchFamily="34" charset="0"/>
+                <a:cs typeface="Arial" panose="020B0604020202020204" pitchFamily="34" charset="0"/>
+              </a:rPr>
+              <a:t>Value returned by the function.</a:t>
+            </a:r>
+          </a:p>
+        </p:txBody>
+      </p:sp>
+    </p:spTree>
+    <p:extLst>
+      <p:ext uri="{BB962C8B-B14F-4D97-AF65-F5344CB8AC3E}">
+        <p14:creationId xmlns:p14="http://schemas.microsoft.com/office/powerpoint/2010/main" val="123492031"/>
+      </p:ext>
+    </p:extLst>
+  </p:cSld>
+  <p:clrMapOvr>
+    <a:masterClrMapping/>
+  </p:clrMapOvr>
+  <p:timing>
+    <p:tnLst>
+      <p:par>
+        <p:cTn id="1" dur="indefinite" restart="never" nodeType="tmRoot">
+          <p:childTnLst>
+            <p:seq concurrent="1" nextAc="seek">
+              <p:cTn id="2" dur="indefinite" nodeType="mainSeq">
+                <p:childTnLst>
+                  <p:par>
+                    <p:cTn id="3" fill="hold">
+                      <p:stCondLst>
+                        <p:cond delay="indefinite"/>
+                      </p:stCondLst>
+                      <p:childTnLst>
+                        <p:par>
+                          <p:cTn id="4" fill="hold">
+                            <p:stCondLst>
+                              <p:cond delay="0"/>
+                            </p:stCondLst>
+                            <p:childTnLst>
+                              <p:par>
+                                <p:cTn id="5" presetID="2" presetClass="entr" presetSubtype="4" fill="hold" nodeType="clickEffect">
+                                  <p:stCondLst>
+                                    <p:cond delay="0"/>
+                                  </p:stCondLst>
+                                  <p:childTnLst>
+                                    <p:set>
+                                      <p:cBhvr>
+                                        <p:cTn id="6" dur="1" fill="hold">
+                                          <p:stCondLst>
+                                            <p:cond delay="0"/>
+                                          </p:stCondLst>
+                                        </p:cTn>
+                                        <p:tgtEl>
+                                          <p:spTgt spid="3">
+                                            <p:txEl>
+                                              <p:pRg st="0" end="0"/>
+                                            </p:txEl>
+                                          </p:spTgt>
+                                        </p:tgtEl>
+                                        <p:attrNameLst>
+                                          <p:attrName>style.visibility</p:attrName>
+                                        </p:attrNameLst>
+                                      </p:cBhvr>
+                                      <p:to>
+                                        <p:strVal val="visible"/>
+                                      </p:to>
+                                    </p:set>
+                                    <p:anim calcmode="lin" valueType="num">
+                                      <p:cBhvr additive="base">
+                                        <p:cTn id="7" dur="500" fill="hold"/>
+                                        <p:tgtEl>
+                                          <p:spTgt spid="3">
+                                            <p:txEl>
+                                              <p:pRg st="0" end="0"/>
+                                            </p:txEl>
+                                          </p:spTgt>
+                                        </p:tgtEl>
+                                        <p:attrNameLst>
+                                          <p:attrName>ppt_x</p:attrName>
+                                        </p:attrNameLst>
+                                      </p:cBhvr>
+                                      <p:tavLst>
+                                        <p:tav tm="0">
+                                          <p:val>
+                                            <p:strVal val="#ppt_x"/>
+                                          </p:val>
+                                        </p:tav>
+                                        <p:tav tm="100000">
+                                          <p:val>
+                                            <p:strVal val="#ppt_x"/>
+                                          </p:val>
+                                        </p:tav>
+                                      </p:tavLst>
+                                    </p:anim>
+                                    <p:anim calcmode="lin" valueType="num">
+                                      <p:cBhvr additive="base">
+                                        <p:cTn id="8" dur="500" fill="hold"/>
+                                        <p:tgtEl>
+                                          <p:spTgt spid="3">
+                                            <p:txEl>
+                                              <p:pRg st="0" end="0"/>
+                                            </p:txEl>
+                                          </p:spTgt>
+                                        </p:tgtEl>
+                                        <p:attrNameLst>
+                                          <p:attrName>ppt_y</p:attrName>
+                                        </p:attrNameLst>
+                                      </p:cBhvr>
+                                      <p:tavLst>
+                                        <p:tav tm="0">
+                                          <p:val>
+                                            <p:strVal val="1+#ppt_h/2"/>
+                                          </p:val>
+                                        </p:tav>
+                                        <p:tav tm="100000">
+                                          <p:val>
+                                            <p:strVal val="#ppt_y"/>
+                                          </p:val>
+                                        </p:tav>
+                                      </p:tavLst>
+                                    </p:anim>
+                                  </p:childTnLst>
+                                </p:cTn>
+                              </p:par>
+                              <p:par>
+                                <p:cTn id="9" presetID="2" presetClass="entr" presetSubtype="4" fill="hold" nodeType="withEffect">
+                                  <p:stCondLst>
+                                    <p:cond delay="0"/>
+                                  </p:stCondLst>
+                                  <p:childTnLst>
+                                    <p:set>
+                                      <p:cBhvr>
+                                        <p:cTn id="10" dur="1" fill="hold">
+                                          <p:stCondLst>
+                                            <p:cond delay="0"/>
+                                          </p:stCondLst>
+                                        </p:cTn>
+                                        <p:tgtEl>
+                                          <p:spTgt spid="3">
+                                            <p:txEl>
+                                              <p:pRg st="1" end="1"/>
+                                            </p:txEl>
+                                          </p:spTgt>
+                                        </p:tgtEl>
+                                        <p:attrNameLst>
+                                          <p:attrName>style.visibility</p:attrName>
+                                        </p:attrNameLst>
+                                      </p:cBhvr>
+                                      <p:to>
+                                        <p:strVal val="visible"/>
+                                      </p:to>
+                                    </p:set>
+                                    <p:anim calcmode="lin" valueType="num">
+                                      <p:cBhvr additive="base">
+                                        <p:cTn id="11" dur="500" fill="hold"/>
+                                        <p:tgtEl>
+                                          <p:spTgt spid="3">
+                                            <p:txEl>
+                                              <p:pRg st="1" end="1"/>
+                                            </p:txEl>
+                                          </p:spTgt>
+                                        </p:tgtEl>
+                                        <p:attrNameLst>
+                                          <p:attrName>ppt_x</p:attrName>
+                                        </p:attrNameLst>
+                                      </p:cBhvr>
+                                      <p:tavLst>
+                                        <p:tav tm="0">
+                                          <p:val>
+                                            <p:strVal val="#ppt_x"/>
+                                          </p:val>
+                                        </p:tav>
+                                        <p:tav tm="100000">
+                                          <p:val>
+                                            <p:strVal val="#ppt_x"/>
+                                          </p:val>
+                                        </p:tav>
+                                      </p:tavLst>
+                                    </p:anim>
+                                    <p:anim calcmode="lin" valueType="num">
+                                      <p:cBhvr additive="base">
+                                        <p:cTn id="12" dur="500" fill="hold"/>
+                                        <p:tgtEl>
+                                          <p:spTgt spid="3">
+                                            <p:txEl>
+                                              <p:pRg st="1" end="1"/>
+                                            </p:txEl>
+                                          </p:spTgt>
+                                        </p:tgtEl>
+                                        <p:attrNameLst>
+                                          <p:attrName>ppt_y</p:attrName>
+                                        </p:attrNameLst>
+                                      </p:cBhvr>
+                                      <p:tavLst>
+                                        <p:tav tm="0">
+                                          <p:val>
+                                            <p:strVal val="1+#ppt_h/2"/>
+                                          </p:val>
+                                        </p:tav>
+                                        <p:tav tm="100000">
+                                          <p:val>
+                                            <p:strVal val="#ppt_y"/>
+                                          </p:val>
+                                        </p:tav>
+                                      </p:tavLst>
+                                    </p:anim>
+                                  </p:childTnLst>
+                                </p:cTn>
+                              </p:par>
+                            </p:childTnLst>
+                          </p:cTn>
+                        </p:par>
+                      </p:childTnLst>
+                    </p:cTn>
+                  </p:par>
+                  <p:par>
+                    <p:cTn id="13" fill="hold">
+                      <p:stCondLst>
+                        <p:cond delay="indefinite"/>
+                      </p:stCondLst>
+                      <p:childTnLst>
+                        <p:par>
+                          <p:cTn id="14" fill="hold">
+                            <p:stCondLst>
+                              <p:cond delay="0"/>
+                            </p:stCondLst>
+                            <p:childTnLst>
+                              <p:par>
+                                <p:cTn id="15" presetID="2" presetClass="entr" presetSubtype="4" fill="hold" nodeType="clickEffect">
+                                  <p:stCondLst>
+                                    <p:cond delay="0"/>
+                                  </p:stCondLst>
+                                  <p:childTnLst>
+                                    <p:set>
+                                      <p:cBhvr>
+                                        <p:cTn id="16" dur="1" fill="hold">
+                                          <p:stCondLst>
+                                            <p:cond delay="0"/>
+                                          </p:stCondLst>
+                                        </p:cTn>
+                                        <p:tgtEl>
+                                          <p:spTgt spid="3">
+                                            <p:txEl>
+                                              <p:pRg st="4" end="4"/>
+                                            </p:txEl>
+                                          </p:spTgt>
+                                        </p:tgtEl>
+                                        <p:attrNameLst>
+                                          <p:attrName>style.visibility</p:attrName>
+                                        </p:attrNameLst>
+                                      </p:cBhvr>
+                                      <p:to>
+                                        <p:strVal val="visible"/>
+                                      </p:to>
+                                    </p:set>
+                                    <p:anim calcmode="lin" valueType="num">
+                                      <p:cBhvr additive="base">
+                                        <p:cTn id="17" dur="500" fill="hold"/>
+                                        <p:tgtEl>
+                                          <p:spTgt spid="3">
+                                            <p:txEl>
+                                              <p:pRg st="4" end="4"/>
+                                            </p:txEl>
+                                          </p:spTgt>
+                                        </p:tgtEl>
+                                        <p:attrNameLst>
+                                          <p:attrName>ppt_x</p:attrName>
+                                        </p:attrNameLst>
+                                      </p:cBhvr>
+                                      <p:tavLst>
+                                        <p:tav tm="0">
+                                          <p:val>
+                                            <p:strVal val="#ppt_x"/>
+                                          </p:val>
+                                        </p:tav>
+                                        <p:tav tm="100000">
+                                          <p:val>
+                                            <p:strVal val="#ppt_x"/>
+                                          </p:val>
+                                        </p:tav>
+                                      </p:tavLst>
+                                    </p:anim>
+                                    <p:anim calcmode="lin" valueType="num">
+                                      <p:cBhvr additive="base">
+                                        <p:cTn id="18" dur="500" fill="hold"/>
+                                        <p:tgtEl>
+                                          <p:spTgt spid="3">
+                                            <p:txEl>
+                                              <p:pRg st="4" end="4"/>
+                                            </p:txEl>
+                                          </p:spTgt>
+                                        </p:tgtEl>
+                                        <p:attrNameLst>
+                                          <p:attrName>ppt_y</p:attrName>
+                                        </p:attrNameLst>
+                                      </p:cBhvr>
+                                      <p:tavLst>
+                                        <p:tav tm="0">
+                                          <p:val>
+                                            <p:strVal val="1+#ppt_h/2"/>
+                                          </p:val>
+                                        </p:tav>
+                                        <p:tav tm="100000">
+                                          <p:val>
+                                            <p:strVal val="#ppt_y"/>
+                                          </p:val>
+                                        </p:tav>
+                                      </p:tavLst>
+                                    </p:anim>
+                                  </p:childTnLst>
+                                </p:cTn>
+                              </p:par>
+                              <p:par>
+                                <p:cTn id="19" presetID="2" presetClass="entr" presetSubtype="4" fill="hold" nodeType="withEffect">
+                                  <p:stCondLst>
+                                    <p:cond delay="0"/>
+                                  </p:stCondLst>
+                                  <p:childTnLst>
+                                    <p:set>
+                                      <p:cBhvr>
+                                        <p:cTn id="20" dur="1" fill="hold">
+                                          <p:stCondLst>
+                                            <p:cond delay="0"/>
+                                          </p:stCondLst>
+                                        </p:cTn>
+                                        <p:tgtEl>
+                                          <p:spTgt spid="3">
+                                            <p:txEl>
+                                              <p:pRg st="5" end="5"/>
+                                            </p:txEl>
+                                          </p:spTgt>
+                                        </p:tgtEl>
+                                        <p:attrNameLst>
+                                          <p:attrName>style.visibility</p:attrName>
+                                        </p:attrNameLst>
+                                      </p:cBhvr>
+                                      <p:to>
+                                        <p:strVal val="visible"/>
+                                      </p:to>
+                                    </p:set>
+                                    <p:anim calcmode="lin" valueType="num">
+                                      <p:cBhvr additive="base">
+                                        <p:cTn id="21" dur="500" fill="hold"/>
+                                        <p:tgtEl>
+                                          <p:spTgt spid="3">
+                                            <p:txEl>
+                                              <p:pRg st="5" end="5"/>
+                                            </p:txEl>
+                                          </p:spTgt>
+                                        </p:tgtEl>
+                                        <p:attrNameLst>
+                                          <p:attrName>ppt_x</p:attrName>
+                                        </p:attrNameLst>
+                                      </p:cBhvr>
+                                      <p:tavLst>
+                                        <p:tav tm="0">
+                                          <p:val>
+                                            <p:strVal val="#ppt_x"/>
+                                          </p:val>
+                                        </p:tav>
+                                        <p:tav tm="100000">
+                                          <p:val>
+                                            <p:strVal val="#ppt_x"/>
+                                          </p:val>
+                                        </p:tav>
+                                      </p:tavLst>
+                                    </p:anim>
+                                    <p:anim calcmode="lin" valueType="num">
+                                      <p:cBhvr additive="base">
+                                        <p:cTn id="22" dur="500" fill="hold"/>
+                                        <p:tgtEl>
+                                          <p:spTgt spid="3">
+                                            <p:txEl>
+                                              <p:pRg st="5" end="5"/>
+                                            </p:txEl>
+                                          </p:spTgt>
+                                        </p:tgtEl>
+                                        <p:attrNameLst>
+                                          <p:attrName>ppt_y</p:attrName>
+                                        </p:attrNameLst>
+                                      </p:cBhvr>
+                                      <p:tavLst>
+                                        <p:tav tm="0">
+                                          <p:val>
+                                            <p:strVal val="1+#ppt_h/2"/>
+                                          </p:val>
+                                        </p:tav>
+                                        <p:tav tm="100000">
+                                          <p:val>
+                                            <p:strVal val="#ppt_y"/>
+                                          </p:val>
+                                        </p:tav>
+                                      </p:tavLst>
+                                    </p:anim>
+                                  </p:childTnLst>
+                                </p:cTn>
+                              </p:par>
+                            </p:childTnLst>
+                          </p:cTn>
+                        </p:par>
+                      </p:childTnLst>
+                    </p:cTn>
+                  </p:par>
+                </p:childTnLst>
+              </p:cTn>
+              <p:prevCondLst>
+                <p:cond evt="onPrev" delay="0">
+                  <p:tgtEl>
+                    <p:sldTgt/>
+                  </p:tgtEl>
+                </p:cond>
+              </p:prevCondLst>
+              <p:nextCondLst>
+                <p:cond evt="onNext" delay="0">
+                  <p:tgtEl>
+                    <p:sldTgt/>
+                  </p:tgtEl>
+                </p:cond>
+              </p:nextCondLst>
+            </p:seq>
+          </p:childTnLst>
+        </p:cTn>
+      </p:par>
+    </p:tnLst>
+  </p:timing>
+</p:sld>
+</file>
+
+<file path=ppt/slides/slide19.xml><?xml version="1.0" encoding="utf-8"?>
+<p:sld xmlns:a="http://schemas.openxmlformats.org/drawingml/2006/main" xmlns:r="http://schemas.openxmlformats.org/officeDocument/2006/relationships" xmlns:p="http://schemas.openxmlformats.org/presentationml/2006/main">
+  <p:cSld>
+    <p:spTree>
+      <p:nvGrpSpPr>
+        <p:cNvPr id="1" name=""/>
+        <p:cNvGrpSpPr/>
+        <p:nvPr/>
+      </p:nvGrpSpPr>
+      <p:grpSpPr>
+        <a:xfrm>
+          <a:off x="0" y="0"/>
+          <a:ext cx="0" cy="0"/>
+          <a:chOff x="0" y="0"/>
+          <a:chExt cx="0" cy="0"/>
+        </a:xfrm>
+      </p:grpSpPr>
+      <p:sp>
+        <p:nvSpPr>
+          <p:cNvPr id="2" name="Title 1">
+            <a:extLst>
+              <a:ext uri="{FF2B5EF4-FFF2-40B4-BE49-F238E27FC236}">
+                <a16:creationId xmlns:a16="http://schemas.microsoft.com/office/drawing/2014/main" id="{A02B07D5-5547-474A-8BF8-3DE2D80F896A}"/>
+              </a:ext>
+            </a:extLst>
+          </p:cNvPr>
+          <p:cNvSpPr>
+            <a:spLocks noGrp="1"/>
+          </p:cNvSpPr>
+          <p:nvPr>
+            <p:ph type="title"/>
+          </p:nvPr>
+        </p:nvSpPr>
+        <p:spPr>
+          <a:xfrm>
             <a:off x="1097280" y="412854"/>
             <a:ext cx="10058400" cy="807613"/>
           </a:xfrm>
@@ -13555,7 +14199,7 @@
           <p:nvPr>
             <p:extLst>
               <p:ext uri="{D42A27DB-BD31-4B8C-83A1-F6EECF244321}">
-                <p14:modId xmlns:p14="http://schemas.microsoft.com/office/powerpoint/2010/main" val="2408639379"/>
+                <p14:modId xmlns:p14="http://schemas.microsoft.com/office/powerpoint/2010/main" val="1798127427"/>
               </p:ext>
             </p:extLst>
           </p:nvPr>
@@ -13605,398 +14249,432 @@
                     <a:bodyPr/>
                     <a:lstStyle/>
                     <a:p>
-                      <a:pPr marL="292608" lvl="1" indent="0">
-                        <a:lnSpc>
-                          <a:spcPct val="100000"/>
-                        </a:lnSpc>
-                        <a:spcBef>
-                          <a:spcPts val="0"/>
-                        </a:spcBef>
-                        <a:spcAft>
-                          <a:spcPts val="0"/>
-                        </a:spcAft>
-                        <a:buNone/>
-                      </a:pPr>
-                      <a:r>
-                        <a:rPr kumimoji="0" lang="en-US" sz="1600" b="0" i="0" u="none" strike="noStrike" kern="1200" cap="none" spc="0" normalizeH="0" baseline="0" dirty="0">
-                          <a:ln>
-                            <a:noFill/>
-                          </a:ln>
+                      <a:r>
+                        <a:rPr lang="en-US" sz="1600" dirty="0">
                           <a:solidFill>
                             <a:srgbClr val="008000"/>
                           </a:solidFill>
-                          <a:effectLst/>
-                          <a:uLnTx/>
-                          <a:uFillTx/>
-                          <a:latin typeface="Courier New" panose="02070309020205020404" pitchFamily="49" charset="0"/>
-                          <a:ea typeface="+mn-ea"/>
-                          <a:cs typeface="+mn-cs"/>
+                          <a:highlight>
+                            <a:srgbClr val="FFFFFF"/>
+                          </a:highlight>
+                          <a:latin typeface="Courier New" panose="02070309020205020404" pitchFamily="49" charset="0"/>
                         </a:rPr>
                         <a:t># Function Declaration</a:t>
-                      </a:r>
-                    </a:p>
-                    <a:p>
-                      <a:pPr marL="292608" lvl="1" indent="0">
-                        <a:lnSpc>
-                          <a:spcPct val="100000"/>
-                        </a:lnSpc>
-                        <a:spcBef>
-                          <a:spcPts val="0"/>
-                        </a:spcBef>
-                        <a:spcAft>
-                          <a:spcPts val="0"/>
-                        </a:spcAft>
-                        <a:buNone/>
-                      </a:pPr>
-                      <a:r>
-                        <a:rPr lang="en-US" sz="1600" dirty="0">
-                          <a:solidFill>
-                            <a:srgbClr val="0000FF"/>
-                          </a:solidFill>
-                          <a:latin typeface="Courier New" panose="02070309020205020404" pitchFamily="49" charset="0"/>
-                        </a:rPr>
-                        <a:t>def</a:t>
-                      </a:r>
-                      <a:r>
-                        <a:rPr lang="en-US" sz="1600" dirty="0">
-                          <a:solidFill>
-                            <a:srgbClr val="000000"/>
-                          </a:solidFill>
-                          <a:latin typeface="Courier New" panose="02070309020205020404" pitchFamily="49" charset="0"/>
-                        </a:rPr>
-                        <a:t> </a:t>
-                      </a:r>
-                      <a:r>
-                        <a:rPr lang="en-US" sz="1600" dirty="0" err="1">
-                          <a:solidFill>
-                            <a:srgbClr val="FF00FF"/>
-                          </a:solidFill>
-                          <a:latin typeface="Courier New" panose="02070309020205020404" pitchFamily="49" charset="0"/>
-                        </a:rPr>
-                        <a:t>isOddNumber</a:t>
-                      </a:r>
-                      <a:r>
-                        <a:rPr lang="en-US" sz="1600" dirty="0">
-                          <a:solidFill>
-                            <a:srgbClr val="000080"/>
-                          </a:solidFill>
-                          <a:latin typeface="Courier New" panose="02070309020205020404" pitchFamily="49" charset="0"/>
-                        </a:rPr>
-                        <a:t>(</a:t>
-                      </a:r>
-                      <a:r>
-                        <a:rPr lang="en-US" sz="1600" dirty="0">
-                          <a:solidFill>
-                            <a:srgbClr val="000000"/>
-                          </a:solidFill>
-                          <a:latin typeface="Courier New" panose="02070309020205020404" pitchFamily="49" charset="0"/>
-                        </a:rPr>
-                        <a:t>n</a:t>
-                      </a:r>
-                      <a:r>
-                        <a:rPr lang="en-US" sz="1600" dirty="0">
-                          <a:solidFill>
-                            <a:srgbClr val="000080"/>
-                          </a:solidFill>
-                          <a:latin typeface="Courier New" panose="02070309020205020404" pitchFamily="49" charset="0"/>
-                        </a:rPr>
-                        <a:t>):</a:t>
                       </a:r>
                       <a:endParaRPr lang="en-US" sz="1600" dirty="0">
                         <a:solidFill>
                           <a:srgbClr val="000000"/>
                         </a:solidFill>
+                        <a:highlight>
+                          <a:srgbClr val="FFFFFF"/>
+                        </a:highlight>
                         <a:latin typeface="Courier New" panose="02070309020205020404" pitchFamily="49" charset="0"/>
                       </a:endParaRPr>
                     </a:p>
                     <a:p>
-                      <a:pPr marL="292608" lvl="1" indent="0">
-                        <a:lnSpc>
-                          <a:spcPct val="100000"/>
-                        </a:lnSpc>
-                        <a:spcBef>
-                          <a:spcPts val="0"/>
-                        </a:spcBef>
-                        <a:spcAft>
-                          <a:spcPts val="0"/>
-                        </a:spcAft>
-                        <a:buNone/>
-                      </a:pPr>
-                      <a:r>
-                        <a:rPr lang="en-US" sz="1600" dirty="0">
+                      <a:r>
+                        <a:rPr lang="en-US" sz="1600" b="1" dirty="0">
+                          <a:solidFill>
+                            <a:srgbClr val="0000FF"/>
+                          </a:solidFill>
+                          <a:highlight>
+                            <a:srgbClr val="FFFFFF"/>
+                          </a:highlight>
+                          <a:latin typeface="Courier New" panose="02070309020205020404" pitchFamily="49" charset="0"/>
+                        </a:rPr>
+                        <a:t>def</a:t>
+                      </a:r>
+                      <a:r>
+                        <a:rPr lang="en-US" sz="1600" b="0" dirty="0">
                           <a:solidFill>
                             <a:srgbClr val="000000"/>
                           </a:solidFill>
-                          <a:latin typeface="Courier New" panose="02070309020205020404" pitchFamily="49" charset="0"/>
-                        </a:rPr>
-                        <a:t>	</a:t>
-                      </a:r>
-                      <a:r>
-                        <a:rPr lang="en-US" sz="1600" dirty="0">
-                          <a:solidFill>
-                            <a:srgbClr val="0000FF"/>
-                          </a:solidFill>
-                          <a:latin typeface="Courier New" panose="02070309020205020404" pitchFamily="49" charset="0"/>
-                        </a:rPr>
-                        <a:t>if</a:t>
-                      </a:r>
-                      <a:r>
-                        <a:rPr lang="en-US" sz="1600" dirty="0">
+                          <a:highlight>
+                            <a:srgbClr val="FFFFFF"/>
+                          </a:highlight>
+                          <a:latin typeface="Courier New" panose="02070309020205020404" pitchFamily="49" charset="0"/>
+                        </a:rPr>
+                        <a:t> </a:t>
+                      </a:r>
+                      <a:r>
+                        <a:rPr lang="en-US" sz="1600" b="0" dirty="0" err="1">
+                          <a:solidFill>
+                            <a:srgbClr val="FF00FF"/>
+                          </a:solidFill>
+                          <a:highlight>
+                            <a:srgbClr val="FFFFFF"/>
+                          </a:highlight>
+                          <a:latin typeface="Courier New" panose="02070309020205020404" pitchFamily="49" charset="0"/>
+                        </a:rPr>
+                        <a:t>isEvenOrOdd</a:t>
+                      </a:r>
+                      <a:r>
+                        <a:rPr lang="en-US" sz="1600" b="1" dirty="0">
+                          <a:solidFill>
+                            <a:srgbClr val="000080"/>
+                          </a:solidFill>
+                          <a:highlight>
+                            <a:srgbClr val="FFFFFF"/>
+                          </a:highlight>
+                          <a:latin typeface="Courier New" panose="02070309020205020404" pitchFamily="49" charset="0"/>
+                        </a:rPr>
+                        <a:t>(</a:t>
+                      </a:r>
+                      <a:r>
+                        <a:rPr lang="en-US" sz="1600" b="0" dirty="0">
                           <a:solidFill>
                             <a:srgbClr val="000000"/>
                           </a:solidFill>
-                          <a:latin typeface="Courier New" panose="02070309020205020404" pitchFamily="49" charset="0"/>
-                        </a:rPr>
-                        <a:t> </a:t>
-                      </a:r>
-                      <a:r>
-                        <a:rPr lang="en-US" sz="1600" dirty="0">
+                          <a:highlight>
+                            <a:srgbClr val="FFFFFF"/>
+                          </a:highlight>
+                          <a:latin typeface="Courier New" panose="02070309020205020404" pitchFamily="49" charset="0"/>
+                        </a:rPr>
+                        <a:t>n</a:t>
+                      </a:r>
+                      <a:r>
+                        <a:rPr lang="en-US" sz="1600" b="1" dirty="0">
                           <a:solidFill>
                             <a:srgbClr val="000080"/>
                           </a:solidFill>
-                          <a:latin typeface="Courier New" panose="02070309020205020404" pitchFamily="49" charset="0"/>
-                        </a:rPr>
-                        <a:t>(</a:t>
-                      </a:r>
-                      <a:r>
-                        <a:rPr lang="en-US" sz="1600" dirty="0">
-                          <a:solidFill>
-                            <a:srgbClr val="000000"/>
-                          </a:solidFill>
-                          <a:latin typeface="Courier New" panose="02070309020205020404" pitchFamily="49" charset="0"/>
-                        </a:rPr>
-                        <a:t>n </a:t>
-                      </a:r>
-                      <a:r>
-                        <a:rPr lang="en-US" sz="1600" dirty="0">
-                          <a:solidFill>
-                            <a:srgbClr val="000080"/>
-                          </a:solidFill>
-                          <a:latin typeface="Courier New" panose="02070309020205020404" pitchFamily="49" charset="0"/>
-                        </a:rPr>
-                        <a:t>%</a:t>
-                      </a:r>
-                      <a:r>
-                        <a:rPr lang="en-US" sz="1600" dirty="0">
-                          <a:solidFill>
-                            <a:srgbClr val="000000"/>
-                          </a:solidFill>
-                          <a:latin typeface="Courier New" panose="02070309020205020404" pitchFamily="49" charset="0"/>
-                        </a:rPr>
-                        <a:t> </a:t>
-                      </a:r>
-                      <a:r>
-                        <a:rPr lang="en-US" sz="1600" dirty="0">
-                          <a:solidFill>
-                            <a:srgbClr val="FF0000"/>
-                          </a:solidFill>
-                          <a:latin typeface="Courier New" panose="02070309020205020404" pitchFamily="49" charset="0"/>
-                        </a:rPr>
-                        <a:t>2</a:t>
-                      </a:r>
-                      <a:r>
-                        <a:rPr lang="en-US" sz="1600" dirty="0">
-                          <a:solidFill>
-                            <a:srgbClr val="000000"/>
-                          </a:solidFill>
-                          <a:latin typeface="Courier New" panose="02070309020205020404" pitchFamily="49" charset="0"/>
-                        </a:rPr>
-                        <a:t> </a:t>
-                      </a:r>
-                      <a:r>
-                        <a:rPr lang="en-US" sz="1600" dirty="0">
-                          <a:solidFill>
-                            <a:srgbClr val="000080"/>
-                          </a:solidFill>
-                          <a:latin typeface="Courier New" panose="02070309020205020404" pitchFamily="49" charset="0"/>
-                        </a:rPr>
-                        <a:t>!=</a:t>
-                      </a:r>
-                      <a:r>
-                        <a:rPr lang="en-US" sz="1600" dirty="0">
-                          <a:solidFill>
-                            <a:srgbClr val="000000"/>
-                          </a:solidFill>
-                          <a:latin typeface="Courier New" panose="02070309020205020404" pitchFamily="49" charset="0"/>
-                        </a:rPr>
-                        <a:t> </a:t>
-                      </a:r>
-                      <a:r>
-                        <a:rPr lang="en-US" sz="1600" dirty="0">
-                          <a:solidFill>
-                            <a:srgbClr val="FF0000"/>
-                          </a:solidFill>
-                          <a:latin typeface="Courier New" panose="02070309020205020404" pitchFamily="49" charset="0"/>
-                        </a:rPr>
-                        <a:t>0</a:t>
-                      </a:r>
-                      <a:r>
-                        <a:rPr lang="en-US" sz="1600" dirty="0">
-                          <a:solidFill>
-                            <a:srgbClr val="000080"/>
-                          </a:solidFill>
+                          <a:highlight>
+                            <a:srgbClr val="FFFFFF"/>
+                          </a:highlight>
                           <a:latin typeface="Courier New" panose="02070309020205020404" pitchFamily="49" charset="0"/>
                         </a:rPr>
                         <a:t>):</a:t>
                       </a:r>
-                      <a:endParaRPr lang="en-US" sz="1600" dirty="0">
+                      <a:endParaRPr lang="en-US" sz="1600" b="0" dirty="0">
                         <a:solidFill>
                           <a:srgbClr val="000000"/>
                         </a:solidFill>
+                        <a:highlight>
+                          <a:srgbClr val="FFFFFF"/>
+                        </a:highlight>
                         <a:latin typeface="Courier New" panose="02070309020205020404" pitchFamily="49" charset="0"/>
                       </a:endParaRPr>
                     </a:p>
                     <a:p>
-                      <a:pPr marL="292608" lvl="1" indent="0">
-                        <a:lnSpc>
-                          <a:spcPct val="100000"/>
-                        </a:lnSpc>
-                        <a:spcBef>
-                          <a:spcPts val="0"/>
-                        </a:spcBef>
-                        <a:spcAft>
-                          <a:spcPts val="0"/>
-                        </a:spcAft>
-                        <a:buNone/>
-                      </a:pPr>
-                      <a:r>
-                        <a:rPr lang="en-US" sz="1600" dirty="0">
+                      <a:r>
+                        <a:rPr lang="en-US" sz="1600" b="0" dirty="0">
                           <a:solidFill>
                             <a:srgbClr val="000000"/>
                           </a:solidFill>
-                          <a:latin typeface="Courier New" panose="02070309020205020404" pitchFamily="49" charset="0"/>
-                        </a:rPr>
-                        <a:t>		</a:t>
-                      </a:r>
-                      <a:r>
-                        <a:rPr lang="en-US" sz="1600" dirty="0">
+                          <a:highlight>
+                            <a:srgbClr val="FFFFFF"/>
+                          </a:highlight>
+                          <a:latin typeface="Courier New" panose="02070309020205020404" pitchFamily="49" charset="0"/>
+                        </a:rPr>
+                        <a:t>	</a:t>
+                      </a:r>
+                      <a:r>
+                        <a:rPr lang="en-US" sz="1600" b="1" dirty="0">
                           <a:solidFill>
                             <a:srgbClr val="0000FF"/>
                           </a:solidFill>
-                          <a:latin typeface="Courier New" panose="02070309020205020404" pitchFamily="49" charset="0"/>
-                        </a:rPr>
-                        <a:t>return</a:t>
-                      </a:r>
-                      <a:r>
-                        <a:rPr lang="en-US" sz="1600" dirty="0">
+                          <a:highlight>
+                            <a:srgbClr val="FFFFFF"/>
+                          </a:highlight>
+                          <a:latin typeface="Courier New" panose="02070309020205020404" pitchFamily="49" charset="0"/>
+                        </a:rPr>
+                        <a:t>if</a:t>
+                      </a:r>
+                      <a:r>
+                        <a:rPr lang="en-US" sz="1600" b="0" dirty="0">
                           <a:solidFill>
                             <a:srgbClr val="000000"/>
                           </a:solidFill>
+                          <a:highlight>
+                            <a:srgbClr val="FFFFFF"/>
+                          </a:highlight>
                           <a:latin typeface="Courier New" panose="02070309020205020404" pitchFamily="49" charset="0"/>
                         </a:rPr>
                         <a:t> </a:t>
                       </a:r>
                       <a:r>
-                        <a:rPr lang="en-US" sz="1600" dirty="0">
-                          <a:solidFill>
-                            <a:srgbClr val="0000FF"/>
-                          </a:solidFill>
-                          <a:latin typeface="Courier New" panose="02070309020205020404" pitchFamily="49" charset="0"/>
-                        </a:rPr>
-                        <a:t>True</a:t>
-                      </a:r>
-                      <a:endParaRPr lang="en-US" sz="1600" dirty="0">
+                        <a:rPr lang="en-US" sz="1600" b="1" dirty="0">
+                          <a:solidFill>
+                            <a:srgbClr val="000080"/>
+                          </a:solidFill>
+                          <a:highlight>
+                            <a:srgbClr val="FFFFFF"/>
+                          </a:highlight>
+                          <a:latin typeface="Courier New" panose="02070309020205020404" pitchFamily="49" charset="0"/>
+                        </a:rPr>
+                        <a:t>(</a:t>
+                      </a:r>
+                      <a:r>
+                        <a:rPr lang="en-US" sz="1600" b="0" dirty="0">
+                          <a:solidFill>
+                            <a:srgbClr val="000000"/>
+                          </a:solidFill>
+                          <a:highlight>
+                            <a:srgbClr val="FFFFFF"/>
+                          </a:highlight>
+                          <a:latin typeface="Courier New" panose="02070309020205020404" pitchFamily="49" charset="0"/>
+                        </a:rPr>
+                        <a:t>n </a:t>
+                      </a:r>
+                      <a:r>
+                        <a:rPr lang="en-US" sz="1600" b="1" dirty="0">
+                          <a:solidFill>
+                            <a:srgbClr val="000080"/>
+                          </a:solidFill>
+                          <a:highlight>
+                            <a:srgbClr val="FFFFFF"/>
+                          </a:highlight>
+                          <a:latin typeface="Courier New" panose="02070309020205020404" pitchFamily="49" charset="0"/>
+                        </a:rPr>
+                        <a:t>%</a:t>
+                      </a:r>
+                      <a:r>
+                        <a:rPr lang="en-US" sz="1600" b="0" dirty="0">
+                          <a:solidFill>
+                            <a:srgbClr val="000000"/>
+                          </a:solidFill>
+                          <a:highlight>
+                            <a:srgbClr val="FFFFFF"/>
+                          </a:highlight>
+                          <a:latin typeface="Courier New" panose="02070309020205020404" pitchFamily="49" charset="0"/>
+                        </a:rPr>
+                        <a:t> </a:t>
+                      </a:r>
+                      <a:r>
+                        <a:rPr lang="en-US" sz="1600" b="0" dirty="0">
+                          <a:solidFill>
+                            <a:srgbClr val="FF0000"/>
+                          </a:solidFill>
+                          <a:highlight>
+                            <a:srgbClr val="FFFFFF"/>
+                          </a:highlight>
+                          <a:latin typeface="Courier New" panose="02070309020205020404" pitchFamily="49" charset="0"/>
+                        </a:rPr>
+                        <a:t>2</a:t>
+                      </a:r>
+                      <a:r>
+                        <a:rPr lang="en-US" sz="1600" b="0" dirty="0">
+                          <a:solidFill>
+                            <a:srgbClr val="000000"/>
+                          </a:solidFill>
+                          <a:highlight>
+                            <a:srgbClr val="FFFFFF"/>
+                          </a:highlight>
+                          <a:latin typeface="Courier New" panose="02070309020205020404" pitchFamily="49" charset="0"/>
+                        </a:rPr>
+                        <a:t> </a:t>
+                      </a:r>
+                      <a:r>
+                        <a:rPr lang="en-US" sz="1600" b="1" dirty="0">
+                          <a:solidFill>
+                            <a:srgbClr val="000080"/>
+                          </a:solidFill>
+                          <a:highlight>
+                            <a:srgbClr val="FFFFFF"/>
+                          </a:highlight>
+                          <a:latin typeface="Courier New" panose="02070309020205020404" pitchFamily="49" charset="0"/>
+                        </a:rPr>
+                        <a:t>==</a:t>
+                      </a:r>
+                      <a:r>
+                        <a:rPr lang="en-US" sz="1600" b="0" dirty="0">
+                          <a:solidFill>
+                            <a:srgbClr val="000000"/>
+                          </a:solidFill>
+                          <a:highlight>
+                            <a:srgbClr val="FFFFFF"/>
+                          </a:highlight>
+                          <a:latin typeface="Courier New" panose="02070309020205020404" pitchFamily="49" charset="0"/>
+                        </a:rPr>
+                        <a:t> </a:t>
+                      </a:r>
+                      <a:r>
+                        <a:rPr lang="en-US" sz="1600" b="0" dirty="0">
+                          <a:solidFill>
+                            <a:srgbClr val="FF0000"/>
+                          </a:solidFill>
+                          <a:highlight>
+                            <a:srgbClr val="FFFFFF"/>
+                          </a:highlight>
+                          <a:latin typeface="Courier New" panose="02070309020205020404" pitchFamily="49" charset="0"/>
+                        </a:rPr>
+                        <a:t>0</a:t>
+                      </a:r>
+                      <a:r>
+                        <a:rPr lang="en-US" sz="1600" b="1" dirty="0">
+                          <a:solidFill>
+                            <a:srgbClr val="000080"/>
+                          </a:solidFill>
+                          <a:highlight>
+                            <a:srgbClr val="FFFFFF"/>
+                          </a:highlight>
+                          <a:latin typeface="Courier New" panose="02070309020205020404" pitchFamily="49" charset="0"/>
+                        </a:rPr>
+                        <a:t>):</a:t>
+                      </a:r>
+                      <a:endParaRPr lang="en-US" sz="1600" b="0" dirty="0">
                         <a:solidFill>
                           <a:srgbClr val="000000"/>
                         </a:solidFill>
+                        <a:highlight>
+                          <a:srgbClr val="FFFFFF"/>
+                        </a:highlight>
                         <a:latin typeface="Courier New" panose="02070309020205020404" pitchFamily="49" charset="0"/>
                       </a:endParaRPr>
                     </a:p>
                     <a:p>
-                      <a:pPr marL="292608" lvl="1" indent="0">
-                        <a:lnSpc>
-                          <a:spcPct val="100000"/>
-                        </a:lnSpc>
-                        <a:spcBef>
-                          <a:spcPts val="0"/>
-                        </a:spcBef>
-                        <a:spcAft>
-                          <a:spcPts val="0"/>
-                        </a:spcAft>
-                        <a:buNone/>
-                      </a:pPr>
-                      <a:r>
-                        <a:rPr lang="en-US" sz="1600" dirty="0">
+                      <a:r>
+                        <a:rPr lang="en-US" sz="1600" b="0" dirty="0">
                           <a:solidFill>
                             <a:srgbClr val="000000"/>
                           </a:solidFill>
-                          <a:latin typeface="Courier New" panose="02070309020205020404" pitchFamily="49" charset="0"/>
-                        </a:rPr>
-                        <a:t>	</a:t>
-                      </a:r>
-                      <a:r>
-                        <a:rPr lang="en-US" sz="1600" dirty="0">
+                          <a:highlight>
+                            <a:srgbClr val="FFFFFF"/>
+                          </a:highlight>
+                          <a:latin typeface="Courier New" panose="02070309020205020404" pitchFamily="49" charset="0"/>
+                        </a:rPr>
+                        <a:t>		</a:t>
+                      </a:r>
+                      <a:r>
+                        <a:rPr lang="en-US" sz="1600" b="1" dirty="0">
                           <a:solidFill>
                             <a:srgbClr val="0000FF"/>
                           </a:solidFill>
-                          <a:latin typeface="Courier New" panose="02070309020205020404" pitchFamily="49" charset="0"/>
-                        </a:rPr>
-                        <a:t>else</a:t>
-                      </a:r>
-                      <a:r>
-                        <a:rPr lang="en-US" sz="1600" dirty="0">
-                          <a:solidFill>
-                            <a:srgbClr val="000080"/>
-                          </a:solidFill>
-                          <a:latin typeface="Courier New" panose="02070309020205020404" pitchFamily="49" charset="0"/>
-                        </a:rPr>
-                        <a:t>:</a:t>
-                      </a:r>
-                      <a:endParaRPr lang="en-US" sz="1600" dirty="0">
+                          <a:highlight>
+                            <a:srgbClr val="FFFFFF"/>
+                          </a:highlight>
+                          <a:latin typeface="Courier New" panose="02070309020205020404" pitchFamily="49" charset="0"/>
+                        </a:rPr>
+                        <a:t>return</a:t>
+                      </a:r>
+                      <a:r>
+                        <a:rPr lang="en-US" sz="1600" b="0" dirty="0">
+                          <a:solidFill>
+                            <a:srgbClr val="000000"/>
+                          </a:solidFill>
+                          <a:highlight>
+                            <a:srgbClr val="FFFFFF"/>
+                          </a:highlight>
+                          <a:latin typeface="Courier New" panose="02070309020205020404" pitchFamily="49" charset="0"/>
+                        </a:rPr>
+                        <a:t> </a:t>
+                      </a:r>
+                      <a:r>
+                        <a:rPr lang="en-US" sz="1600" b="0" dirty="0">
+                          <a:solidFill>
+                            <a:srgbClr val="808080"/>
+                          </a:solidFill>
+                          <a:highlight>
+                            <a:srgbClr val="FFFFFF"/>
+                          </a:highlight>
+                          <a:latin typeface="Courier New" panose="02070309020205020404" pitchFamily="49" charset="0"/>
+                        </a:rPr>
+                        <a:t>'Even'</a:t>
+                      </a:r>
+                      <a:endParaRPr lang="en-US" sz="1600" b="0" dirty="0">
                         <a:solidFill>
                           <a:srgbClr val="000000"/>
                         </a:solidFill>
+                        <a:highlight>
+                          <a:srgbClr val="FFFFFF"/>
+                        </a:highlight>
                         <a:latin typeface="Courier New" panose="02070309020205020404" pitchFamily="49" charset="0"/>
                       </a:endParaRPr>
                     </a:p>
                     <a:p>
-                      <a:pPr marL="292608" lvl="1" indent="0">
-                        <a:lnSpc>
-                          <a:spcPct val="100000"/>
-                        </a:lnSpc>
-                        <a:spcBef>
-                          <a:spcPts val="0"/>
-                        </a:spcBef>
-                        <a:spcAft>
-                          <a:spcPts val="0"/>
-                        </a:spcAft>
-                        <a:buNone/>
-                      </a:pPr>
-                      <a:r>
-                        <a:rPr lang="en-US" sz="1600" dirty="0">
+                      <a:r>
+                        <a:rPr lang="en-US" sz="1600" b="0" dirty="0">
                           <a:solidFill>
                             <a:srgbClr val="000000"/>
                           </a:solidFill>
+                          <a:highlight>
+                            <a:srgbClr val="FFFFFF"/>
+                          </a:highlight>
+                          <a:latin typeface="Courier New" panose="02070309020205020404" pitchFamily="49" charset="0"/>
+                        </a:rPr>
+                        <a:t>	</a:t>
+                      </a:r>
+                      <a:r>
+                        <a:rPr lang="en-US" sz="1600" b="1" dirty="0">
+                          <a:solidFill>
+                            <a:srgbClr val="0000FF"/>
+                          </a:solidFill>
+                          <a:highlight>
+                            <a:srgbClr val="FFFFFF"/>
+                          </a:highlight>
+                          <a:latin typeface="Courier New" panose="02070309020205020404" pitchFamily="49" charset="0"/>
+                        </a:rPr>
+                        <a:t>else</a:t>
+                      </a:r>
+                      <a:r>
+                        <a:rPr lang="en-US" sz="1600" b="1" dirty="0">
+                          <a:solidFill>
+                            <a:srgbClr val="000080"/>
+                          </a:solidFill>
+                          <a:highlight>
+                            <a:srgbClr val="FFFFFF"/>
+                          </a:highlight>
+                          <a:latin typeface="Courier New" panose="02070309020205020404" pitchFamily="49" charset="0"/>
+                        </a:rPr>
+                        <a:t>:</a:t>
+                      </a:r>
+                      <a:endParaRPr lang="en-US" sz="1600" b="0" dirty="0">
+                        <a:solidFill>
+                          <a:srgbClr val="000000"/>
+                        </a:solidFill>
+                        <a:highlight>
+                          <a:srgbClr val="FFFFFF"/>
+                        </a:highlight>
+                        <a:latin typeface="Courier New" panose="02070309020205020404" pitchFamily="49" charset="0"/>
+                      </a:endParaRPr>
+                    </a:p>
+                    <a:p>
+                      <a:r>
+                        <a:rPr lang="en-US" sz="1600" b="0" dirty="0">
+                          <a:solidFill>
+                            <a:srgbClr val="000000"/>
+                          </a:solidFill>
+                          <a:highlight>
+                            <a:srgbClr val="FFFFFF"/>
+                          </a:highlight>
                           <a:latin typeface="Courier New" panose="02070309020205020404" pitchFamily="49" charset="0"/>
                         </a:rPr>
                         <a:t>		</a:t>
                       </a:r>
                       <a:r>
-                        <a:rPr lang="en-US" sz="1600" dirty="0">
+                        <a:rPr lang="en-US" sz="1600" b="1" dirty="0">
                           <a:solidFill>
                             <a:srgbClr val="0000FF"/>
                           </a:solidFill>
+                          <a:highlight>
+                            <a:srgbClr val="FFFFFF"/>
+                          </a:highlight>
                           <a:latin typeface="Courier New" panose="02070309020205020404" pitchFamily="49" charset="0"/>
                         </a:rPr>
                         <a:t>return</a:t>
                       </a:r>
                       <a:r>
-                        <a:rPr lang="en-US" sz="1600" dirty="0">
+                        <a:rPr lang="en-US" sz="1600" b="0" dirty="0">
                           <a:solidFill>
                             <a:srgbClr val="000000"/>
                           </a:solidFill>
+                          <a:highlight>
+                            <a:srgbClr val="FFFFFF"/>
+                          </a:highlight>
                           <a:latin typeface="Courier New" panose="02070309020205020404" pitchFamily="49" charset="0"/>
                         </a:rPr>
                         <a:t> </a:t>
                       </a:r>
                       <a:r>
-                        <a:rPr lang="en-US" sz="1600" dirty="0">
-                          <a:solidFill>
-                            <a:srgbClr val="0000FF"/>
-                          </a:solidFill>
-                          <a:latin typeface="Courier New" panose="02070309020205020404" pitchFamily="49" charset="0"/>
-                        </a:rPr>
-                        <a:t>False</a:t>
+                        <a:rPr lang="en-US" sz="1600" b="0" dirty="0">
+                          <a:solidFill>
+                            <a:srgbClr val="808080"/>
+                          </a:solidFill>
+                          <a:highlight>
+                            <a:srgbClr val="FFFFFF"/>
+                          </a:highlight>
+                          <a:latin typeface="Courier New" panose="02070309020205020404" pitchFamily="49" charset="0"/>
+                        </a:rPr>
+                        <a:t>'Odd'</a:t>
                       </a:r>
                       <a:endParaRPr lang="en-US" sz="1600" dirty="0">
                         <a:solidFill>
@@ -14033,14 +14711,14 @@
           <p:nvPr>
             <p:extLst>
               <p:ext uri="{D42A27DB-BD31-4B8C-83A1-F6EECF244321}">
-                <p14:modId xmlns:p14="http://schemas.microsoft.com/office/powerpoint/2010/main" val="3804107750"/>
+                <p14:modId xmlns:p14="http://schemas.microsoft.com/office/powerpoint/2010/main" val="1423186299"/>
               </p:ext>
             </p:extLst>
           </p:nvPr>
         </p:nvGraphicFramePr>
         <p:xfrm>
           <a:off x="6859905" y="3578027"/>
-          <a:ext cx="4295775" cy="1925320"/>
+          <a:ext cx="4295775" cy="2145949"/>
         </p:xfrm>
         <a:graphic>
           <a:graphicData uri="http://schemas.openxmlformats.org/drawingml/2006/table">
@@ -14057,7 +14735,7 @@
                   </a:extLst>
                 </a:gridCol>
               </a:tblGrid>
-              <a:tr h="370840">
+              <a:tr h="269154">
                 <a:tc>
                   <a:txBody>
                     <a:bodyPr/>
@@ -14077,13 +14755,13 @@
                   </a:ext>
                 </a:extLst>
               </a:tr>
-              <a:tr h="370840">
+              <a:tr h="1810669">
                 <a:tc>
                   <a:txBody>
                     <a:bodyPr/>
                     <a:lstStyle/>
                     <a:p>
-                      <a:pPr marL="292608" lvl="1" indent="0" algn="l" defTabSz="914400" rtl="0" eaLnBrk="1" latinLnBrk="0" hangingPunct="1">
+                      <a:pPr marL="0" lvl="0" indent="-164592" algn="l" defTabSz="914400" rtl="0" eaLnBrk="1" latinLnBrk="0" hangingPunct="1">
                         <a:lnSpc>
                           <a:spcPct val="100000"/>
                         </a:lnSpc>
@@ -14114,220 +14792,277 @@
                       </a:r>
                     </a:p>
                     <a:p>
-                      <a:pPr marL="292608" lvl="1" indent="0">
-                        <a:lnSpc>
-                          <a:spcPct val="100000"/>
-                        </a:lnSpc>
-                        <a:spcBef>
-                          <a:spcPts val="0"/>
-                        </a:spcBef>
-                        <a:spcAft>
-                          <a:spcPts val="0"/>
-                        </a:spcAft>
-                        <a:buNone/>
-                      </a:pPr>
-                      <a:r>
-                        <a:rPr lang="en-US" sz="1600" dirty="0">
+                      <a:r>
+                        <a:rPr lang="en-US" sz="1800" b="1" dirty="0">
+                          <a:solidFill>
+                            <a:srgbClr val="0000FF"/>
+                          </a:solidFill>
+                          <a:highlight>
+                            <a:srgbClr val="FFFFFF"/>
+                          </a:highlight>
+                          <a:latin typeface="Courier New" panose="02070309020205020404" pitchFamily="49" charset="0"/>
+                        </a:rPr>
+                        <a:t>print</a:t>
+                      </a:r>
+                      <a:r>
+                        <a:rPr lang="en-US" sz="1800" b="1" dirty="0">
                           <a:solidFill>
                             <a:srgbClr val="000080"/>
                           </a:solidFill>
-                          <a:latin typeface="Courier New" panose="02070309020205020404" pitchFamily="49" charset="0"/>
-                        </a:rPr>
-                        <a:t>&gt;&gt;&gt;</a:t>
-                      </a:r>
-                      <a:r>
-                        <a:rPr lang="en-US" sz="1600" dirty="0">
+                          <a:highlight>
+                            <a:srgbClr val="FFFFFF"/>
+                          </a:highlight>
+                          <a:latin typeface="Courier New" panose="02070309020205020404" pitchFamily="49" charset="0"/>
+                        </a:rPr>
+                        <a:t>(</a:t>
+                      </a:r>
+                      <a:r>
+                        <a:rPr lang="en-US" sz="1800" b="0" dirty="0">
+                          <a:solidFill>
+                            <a:srgbClr val="808080"/>
+                          </a:solidFill>
+                          <a:highlight>
+                            <a:srgbClr val="FFFFFF"/>
+                          </a:highlight>
+                          <a:latin typeface="Courier New" panose="02070309020205020404" pitchFamily="49" charset="0"/>
+                        </a:rPr>
+                        <a:t>"5 is "</a:t>
+                      </a:r>
+                      <a:r>
+                        <a:rPr lang="en-US" sz="1800" b="1" dirty="0">
+                          <a:solidFill>
+                            <a:srgbClr val="000080"/>
+                          </a:solidFill>
+                          <a:highlight>
+                            <a:srgbClr val="FFFFFF"/>
+                          </a:highlight>
+                          <a:latin typeface="Courier New" panose="02070309020205020404" pitchFamily="49" charset="0"/>
+                        </a:rPr>
+                        <a:t>,</a:t>
+                      </a:r>
+                      <a:r>
+                        <a:rPr lang="en-US" sz="1800" b="0" dirty="0">
                           <a:solidFill>
                             <a:srgbClr val="000000"/>
                           </a:solidFill>
+                          <a:highlight>
+                            <a:srgbClr val="FFFFFF"/>
+                          </a:highlight>
                           <a:latin typeface="Courier New" panose="02070309020205020404" pitchFamily="49" charset="0"/>
                         </a:rPr>
                         <a:t> </a:t>
                       </a:r>
                       <a:r>
-                        <a:rPr lang="en-US" sz="1600" dirty="0" err="1">
+                        <a:rPr lang="en-US" sz="1800" b="0" dirty="0" err="1">
                           <a:solidFill>
                             <a:srgbClr val="000000"/>
                           </a:solidFill>
-                          <a:latin typeface="Courier New" panose="02070309020205020404" pitchFamily="49" charset="0"/>
-                        </a:rPr>
-                        <a:t>isOddNumber</a:t>
-                      </a:r>
-                      <a:r>
-                        <a:rPr lang="en-US" sz="1600" dirty="0">
+                          <a:highlight>
+                            <a:srgbClr val="FFFFFF"/>
+                          </a:highlight>
+                          <a:latin typeface="Courier New" panose="02070309020205020404" pitchFamily="49" charset="0"/>
+                        </a:rPr>
+                        <a:t>isEvenOrOdd</a:t>
+                      </a:r>
+                      <a:r>
+                        <a:rPr lang="en-US" sz="1800" b="1" dirty="0">
                           <a:solidFill>
                             <a:srgbClr val="000080"/>
                           </a:solidFill>
+                          <a:highlight>
+                            <a:srgbClr val="FFFFFF"/>
+                          </a:highlight>
                           <a:latin typeface="Courier New" panose="02070309020205020404" pitchFamily="49" charset="0"/>
                         </a:rPr>
                         <a:t>(</a:t>
                       </a:r>
                       <a:r>
-                        <a:rPr lang="en-US" sz="1600" dirty="0">
+                        <a:rPr lang="en-US" sz="1800" b="0" dirty="0">
                           <a:solidFill>
                             <a:srgbClr val="FF0000"/>
                           </a:solidFill>
+                          <a:highlight>
+                            <a:srgbClr val="FFFFFF"/>
+                          </a:highlight>
                           <a:latin typeface="Courier New" panose="02070309020205020404" pitchFamily="49" charset="0"/>
                         </a:rPr>
                         <a:t>5</a:t>
                       </a:r>
                       <a:r>
-                        <a:rPr lang="en-US" sz="1600" dirty="0">
+                        <a:rPr lang="en-US" sz="1800" b="1" dirty="0">
                           <a:solidFill>
                             <a:srgbClr val="000080"/>
                           </a:solidFill>
-                          <a:latin typeface="Courier New" panose="02070309020205020404" pitchFamily="49" charset="0"/>
-                        </a:rPr>
-                        <a:t>)</a:t>
-                      </a:r>
-                      <a:endParaRPr lang="en-US" sz="1600" dirty="0">
+                          <a:highlight>
+                            <a:srgbClr val="FFFFFF"/>
+                          </a:highlight>
+                          <a:latin typeface="Courier New" panose="02070309020205020404" pitchFamily="49" charset="0"/>
+                        </a:rPr>
+                        <a:t>))</a:t>
+                      </a:r>
+                      <a:endParaRPr lang="en-US" sz="1800" b="0" dirty="0">
                         <a:solidFill>
                           <a:srgbClr val="000000"/>
                         </a:solidFill>
+                        <a:highlight>
+                          <a:srgbClr val="FFFFFF"/>
+                        </a:highlight>
                         <a:latin typeface="Courier New" panose="02070309020205020404" pitchFamily="49" charset="0"/>
                       </a:endParaRPr>
                     </a:p>
                     <a:p>
-                      <a:pPr marL="292608" lvl="1" indent="0">
-                        <a:lnSpc>
-                          <a:spcPct val="100000"/>
-                        </a:lnSpc>
-                        <a:spcBef>
-                          <a:spcPts val="0"/>
-                        </a:spcBef>
-                        <a:spcAft>
-                          <a:spcPts val="0"/>
-                        </a:spcAft>
-                        <a:buNone/>
-                      </a:pPr>
-                      <a:r>
-                        <a:rPr lang="en-US" sz="1600" dirty="0">
+                      <a:r>
+                        <a:rPr lang="en-US" sz="1800" b="1" dirty="0">
                           <a:solidFill>
                             <a:srgbClr val="0000FF"/>
                           </a:solidFill>
-                          <a:latin typeface="Courier New" panose="02070309020205020404" pitchFamily="49" charset="0"/>
-                        </a:rPr>
-                        <a:t>True</a:t>
-                      </a:r>
-                      <a:endParaRPr lang="en-US" sz="1600" dirty="0">
+                          <a:highlight>
+                            <a:srgbClr val="FFFFFF"/>
+                          </a:highlight>
+                          <a:latin typeface="Courier New" panose="02070309020205020404" pitchFamily="49" charset="0"/>
+                        </a:rPr>
+                        <a:t>print</a:t>
+                      </a:r>
+                      <a:r>
+                        <a:rPr lang="en-US" sz="1800" b="1" dirty="0">
+                          <a:solidFill>
+                            <a:srgbClr val="000080"/>
+                          </a:solidFill>
+                          <a:highlight>
+                            <a:srgbClr val="FFFFFF"/>
+                          </a:highlight>
+                          <a:latin typeface="Courier New" panose="02070309020205020404" pitchFamily="49" charset="0"/>
+                        </a:rPr>
+                        <a:t>(</a:t>
+                      </a:r>
+                      <a:r>
+                        <a:rPr lang="en-US" sz="1800" b="0" dirty="0">
+                          <a:solidFill>
+                            <a:srgbClr val="808080"/>
+                          </a:solidFill>
+                          <a:highlight>
+                            <a:srgbClr val="FFFFFF"/>
+                          </a:highlight>
+                          <a:latin typeface="Courier New" panose="02070309020205020404" pitchFamily="49" charset="0"/>
+                        </a:rPr>
+                        <a:t>"6 is "</a:t>
+                      </a:r>
+                      <a:r>
+                        <a:rPr lang="en-US" sz="1800" b="1" dirty="0">
+                          <a:solidFill>
+                            <a:srgbClr val="000080"/>
+                          </a:solidFill>
+                          <a:highlight>
+                            <a:srgbClr val="FFFFFF"/>
+                          </a:highlight>
+                          <a:latin typeface="Courier New" panose="02070309020205020404" pitchFamily="49" charset="0"/>
+                        </a:rPr>
+                        <a:t>,</a:t>
+                      </a:r>
+                      <a:r>
+                        <a:rPr lang="en-US" sz="1800" b="0" dirty="0">
+                          <a:solidFill>
+                            <a:srgbClr val="000000"/>
+                          </a:solidFill>
+                          <a:highlight>
+                            <a:srgbClr val="FFFFFF"/>
+                          </a:highlight>
+                          <a:latin typeface="Courier New" panose="02070309020205020404" pitchFamily="49" charset="0"/>
+                        </a:rPr>
+                        <a:t> </a:t>
+                      </a:r>
+                      <a:r>
+                        <a:rPr lang="en-US" sz="1800" b="0" dirty="0" err="1">
+                          <a:solidFill>
+                            <a:srgbClr val="000000"/>
+                          </a:solidFill>
+                          <a:highlight>
+                            <a:srgbClr val="FFFFFF"/>
+                          </a:highlight>
+                          <a:latin typeface="Courier New" panose="02070309020205020404" pitchFamily="49" charset="0"/>
+                        </a:rPr>
+                        <a:t>isEvenOrOdd</a:t>
+                      </a:r>
+                      <a:r>
+                        <a:rPr lang="en-US" sz="1800" b="1" dirty="0">
+                          <a:solidFill>
+                            <a:srgbClr val="000080"/>
+                          </a:solidFill>
+                          <a:highlight>
+                            <a:srgbClr val="FFFFFF"/>
+                          </a:highlight>
+                          <a:latin typeface="Courier New" panose="02070309020205020404" pitchFamily="49" charset="0"/>
+                        </a:rPr>
+                        <a:t>(</a:t>
+                      </a:r>
+                      <a:r>
+                        <a:rPr lang="en-US" sz="1800" b="0" dirty="0">
+                          <a:solidFill>
+                            <a:srgbClr val="FF0000"/>
+                          </a:solidFill>
+                          <a:highlight>
+                            <a:srgbClr val="FFFFFF"/>
+                          </a:highlight>
+                          <a:latin typeface="Courier New" panose="02070309020205020404" pitchFamily="49" charset="0"/>
+                        </a:rPr>
+                        <a:t>6</a:t>
+                      </a:r>
+                      <a:r>
+                        <a:rPr lang="en-US" sz="1800" b="1" dirty="0">
+                          <a:solidFill>
+                            <a:srgbClr val="000080"/>
+                          </a:solidFill>
+                          <a:highlight>
+                            <a:srgbClr val="FFFFFF"/>
+                          </a:highlight>
+                          <a:latin typeface="Courier New" panose="02070309020205020404" pitchFamily="49" charset="0"/>
+                        </a:rPr>
+                        <a:t>))</a:t>
+                      </a:r>
+                    </a:p>
+                    <a:p>
+                      <a:endParaRPr lang="en-US" sz="1800" b="1" dirty="0">
                         <a:solidFill>
-                          <a:srgbClr val="000000"/>
+                          <a:srgbClr val="000080"/>
                         </a:solidFill>
+                        <a:highlight>
+                          <a:srgbClr val="FFFFFF"/>
+                        </a:highlight>
                         <a:latin typeface="Courier New" panose="02070309020205020404" pitchFamily="49" charset="0"/>
                       </a:endParaRPr>
                     </a:p>
                     <a:p>
-                      <a:pPr marL="292608" lvl="1" indent="0">
-                        <a:lnSpc>
-                          <a:spcPct val="100000"/>
-                        </a:lnSpc>
-                        <a:spcBef>
-                          <a:spcPts val="0"/>
-                        </a:spcBef>
-                        <a:spcAft>
-                          <a:spcPts val="0"/>
-                        </a:spcAft>
-                        <a:buNone/>
-                      </a:pPr>
-                      <a:r>
-                        <a:rPr lang="en-US" sz="1600" dirty="0">
-                          <a:solidFill>
-                            <a:srgbClr val="000080"/>
-                          </a:solidFill>
-                          <a:latin typeface="Courier New" panose="02070309020205020404" pitchFamily="49" charset="0"/>
-                        </a:rPr>
-                        <a:t>&gt;&gt;&gt;</a:t>
-                      </a:r>
-                      <a:r>
-                        <a:rPr lang="en-US" sz="1600" dirty="0">
+                      <a:r>
+                        <a:rPr lang="en-US" sz="1800" b="0" kern="1200" dirty="0">
                           <a:solidFill>
                             <a:srgbClr val="000000"/>
                           </a:solidFill>
-                          <a:latin typeface="Courier New" panose="02070309020205020404" pitchFamily="49" charset="0"/>
-                        </a:rPr>
-                        <a:t> </a:t>
-                      </a:r>
-                      <a:r>
-                        <a:rPr lang="en-US" sz="1600" dirty="0" err="1">
-                          <a:solidFill>
-                            <a:srgbClr val="000000"/>
-                          </a:solidFill>
-                          <a:latin typeface="Courier New" panose="02070309020205020404" pitchFamily="49" charset="0"/>
-                        </a:rPr>
-                        <a:t>isOddNumber</a:t>
-                      </a:r>
-                      <a:r>
-                        <a:rPr lang="en-US" sz="1600" dirty="0">
-                          <a:solidFill>
-                            <a:srgbClr val="000080"/>
-                          </a:solidFill>
-                          <a:latin typeface="Courier New" panose="02070309020205020404" pitchFamily="49" charset="0"/>
-                        </a:rPr>
-                        <a:t>(</a:t>
-                      </a:r>
-                      <a:r>
-                        <a:rPr lang="en-US" sz="1600" dirty="0">
-                          <a:solidFill>
-                            <a:srgbClr val="FF0000"/>
-                          </a:solidFill>
-                          <a:latin typeface="Courier New" panose="02070309020205020404" pitchFamily="49" charset="0"/>
-                        </a:rPr>
-                        <a:t>6</a:t>
-                      </a:r>
-                      <a:r>
-                        <a:rPr lang="en-US" sz="1600" dirty="0">
-                          <a:solidFill>
-                            <a:srgbClr val="000080"/>
-                          </a:solidFill>
-                          <a:latin typeface="Courier New" panose="02070309020205020404" pitchFamily="49" charset="0"/>
-                        </a:rPr>
-                        <a:t>)</a:t>
-                      </a:r>
-                      <a:endParaRPr lang="en-US" sz="1600" dirty="0">
-                        <a:solidFill>
-                          <a:srgbClr val="000000"/>
-                        </a:solidFill>
-                        <a:latin typeface="Courier New" panose="02070309020205020404" pitchFamily="49" charset="0"/>
-                      </a:endParaRPr>
+                          <a:highlight>
+                            <a:srgbClr val="FFFFFF"/>
+                          </a:highlight>
+                          <a:latin typeface="Courier New" panose="02070309020205020404" pitchFamily="49" charset="0"/>
+                          <a:ea typeface="+mn-ea"/>
+                          <a:cs typeface="+mn-cs"/>
+                        </a:rPr>
+                        <a:t>&gt;&gt;5 is Odd </a:t>
+                      </a:r>
                     </a:p>
                     <a:p>
-                      <a:pPr marL="292608" lvl="1" indent="0">
-                        <a:lnSpc>
-                          <a:spcPct val="100000"/>
-                        </a:lnSpc>
-                        <a:spcBef>
-                          <a:spcPts val="0"/>
-                        </a:spcBef>
-                        <a:spcAft>
-                          <a:spcPts val="0"/>
-                        </a:spcAft>
-                        <a:buNone/>
-                      </a:pPr>
-                      <a:r>
-                        <a:rPr lang="en-US" sz="1600" dirty="0">
-                          <a:solidFill>
-                            <a:srgbClr val="0000FF"/>
-                          </a:solidFill>
-                          <a:latin typeface="Courier New" panose="02070309020205020404" pitchFamily="49" charset="0"/>
-                        </a:rPr>
-                        <a:t>False</a:t>
-                      </a:r>
-                      <a:endParaRPr lang="en-US" sz="1600" dirty="0"/>
-                    </a:p>
-                    <a:p>
-                      <a:pPr marL="292608" lvl="1" indent="0">
-                        <a:lnSpc>
-                          <a:spcPct val="100000"/>
-                        </a:lnSpc>
-                        <a:spcBef>
-                          <a:spcPts val="0"/>
-                        </a:spcBef>
-                        <a:spcAft>
-                          <a:spcPts val="0"/>
-                        </a:spcAft>
-                        <a:buNone/>
-                      </a:pPr>
-                      <a:endParaRPr lang="en-US" sz="1600" dirty="0"/>
+                      <a:r>
+                        <a:rPr lang="en-US" sz="1800" b="0" kern="1200" dirty="0">
+                          <a:solidFill>
+                            <a:srgbClr val="000000"/>
+                          </a:solidFill>
+                          <a:highlight>
+                            <a:srgbClr val="FFFFFF"/>
+                          </a:highlight>
+                          <a:latin typeface="Courier New" panose="02070309020205020404" pitchFamily="49" charset="0"/>
+                          <a:ea typeface="+mn-ea"/>
+                          <a:cs typeface="+mn-cs"/>
+                        </a:rPr>
+                        <a:t>&gt;&gt;6 is Even </a:t>
+                      </a:r>
+                      <a:endParaRPr lang="en-US" sz="3600" dirty="0"/>
                     </a:p>
                   </a:txBody>
                   <a:tcPr/>
@@ -14433,7 +15168,7 @@
         <p:spPr>
           <a:xfrm>
             <a:off x="1097280" y="1570518"/>
-            <a:ext cx="6378729" cy="830997"/>
+            <a:ext cx="8789670" cy="338554"/>
           </a:xfrm>
           <a:prstGeom prst="rect">
             <a:avLst/>
@@ -14451,67 +15186,7 @@
                 <a:latin typeface="Arial" panose="020B0604020202020204" pitchFamily="34" charset="0"/>
                 <a:cs typeface="Arial" panose="020B0604020202020204" pitchFamily="34" charset="0"/>
               </a:rPr>
-              <a:t>Problem Statement: </a:t>
-            </a:r>
-          </a:p>
-          <a:p>
-            <a:r>
-              <a:rPr lang="en-US" sz="1600" dirty="0">
-                <a:latin typeface="Arial" panose="020B0604020202020204" pitchFamily="34" charset="0"/>
-                <a:cs typeface="Arial" panose="020B0604020202020204" pitchFamily="34" charset="0"/>
-              </a:rPr>
-              <a:t>	Write a function to check if a number n is </a:t>
-            </a:r>
-            <a:r>
-              <a:rPr lang="en-US" sz="1600" b="1" dirty="0">
-                <a:latin typeface="Arial" panose="020B0604020202020204" pitchFamily="34" charset="0"/>
-                <a:cs typeface="Arial" panose="020B0604020202020204" pitchFamily="34" charset="0"/>
-              </a:rPr>
-              <a:t>odd</a:t>
-            </a:r>
-            <a:r>
-              <a:rPr lang="en-US" sz="1600" dirty="0">
-                <a:latin typeface="Arial" panose="020B0604020202020204" pitchFamily="34" charset="0"/>
-                <a:cs typeface="Arial" panose="020B0604020202020204" pitchFamily="34" charset="0"/>
-              </a:rPr>
-              <a:t> or not. </a:t>
-            </a:r>
-          </a:p>
-          <a:p>
-            <a:r>
-              <a:rPr lang="en-US" sz="1600" dirty="0">
-                <a:latin typeface="Arial" panose="020B0604020202020204" pitchFamily="34" charset="0"/>
-                <a:cs typeface="Arial" panose="020B0604020202020204" pitchFamily="34" charset="0"/>
-              </a:rPr>
-              <a:t>	If it is odd </a:t>
-            </a:r>
-            <a:r>
-              <a:rPr lang="en-US" sz="1600" b="1" dirty="0">
-                <a:latin typeface="Arial" panose="020B0604020202020204" pitchFamily="34" charset="0"/>
-                <a:cs typeface="Arial" panose="020B0604020202020204" pitchFamily="34" charset="0"/>
-              </a:rPr>
-              <a:t>return True </a:t>
-            </a:r>
-            <a:r>
-              <a:rPr lang="en-US" sz="1600" dirty="0">
-                <a:latin typeface="Arial" panose="020B0604020202020204" pitchFamily="34" charset="0"/>
-                <a:cs typeface="Arial" panose="020B0604020202020204" pitchFamily="34" charset="0"/>
-              </a:rPr>
-              <a:t>if it is not odd </a:t>
-            </a:r>
-            <a:r>
-              <a:rPr lang="en-US" sz="1600" b="1" dirty="0">
-                <a:latin typeface="Arial" panose="020B0604020202020204" pitchFamily="34" charset="0"/>
-                <a:cs typeface="Arial" panose="020B0604020202020204" pitchFamily="34" charset="0"/>
-              </a:rPr>
-              <a:t>return False</a:t>
-            </a:r>
-            <a:r>
-              <a:rPr lang="en-US" sz="1600" dirty="0">
-                <a:latin typeface="Arial" panose="020B0604020202020204" pitchFamily="34" charset="0"/>
-                <a:cs typeface="Arial" panose="020B0604020202020204" pitchFamily="34" charset="0"/>
-              </a:rPr>
-              <a:t>.</a:t>
+              <a:t>The Even Odd Function: Given a number, n, this function tells if the number is even or odd.</a:t>
             </a:r>
           </a:p>
         </p:txBody>
@@ -15075,606 +15750,6 @@
 </p:sld>
 </file>
 
-<file path=ppt/slides/slide19.xml><?xml version="1.0" encoding="utf-8"?>
-<p:sld xmlns:a="http://schemas.openxmlformats.org/drawingml/2006/main" xmlns:r="http://schemas.openxmlformats.org/officeDocument/2006/relationships" xmlns:p="http://schemas.openxmlformats.org/presentationml/2006/main">
-  <p:cSld>
-    <p:spTree>
-      <p:nvGrpSpPr>
-        <p:cNvPr id="1" name=""/>
-        <p:cNvGrpSpPr/>
-        <p:nvPr/>
-      </p:nvGrpSpPr>
-      <p:grpSpPr>
-        <a:xfrm>
-          <a:off x="0" y="0"/>
-          <a:ext cx="0" cy="0"/>
-          <a:chOff x="0" y="0"/>
-          <a:chExt cx="0" cy="0"/>
-        </a:xfrm>
-      </p:grpSpPr>
-      <p:sp>
-        <p:nvSpPr>
-          <p:cNvPr id="2" name="Title 1">
-            <a:extLst>
-              <a:ext uri="{FF2B5EF4-FFF2-40B4-BE49-F238E27FC236}">
-                <a16:creationId xmlns:a16="http://schemas.microsoft.com/office/drawing/2014/main" id="{A02B07D5-5547-474A-8BF8-3DE2D80F896A}"/>
-              </a:ext>
-            </a:extLst>
-          </p:cNvPr>
-          <p:cNvSpPr>
-            <a:spLocks noGrp="1"/>
-          </p:cNvSpPr>
-          <p:nvPr>
-            <p:ph type="title"/>
-          </p:nvPr>
-        </p:nvSpPr>
-        <p:spPr>
-          <a:xfrm>
-            <a:off x="1097280" y="404290"/>
-            <a:ext cx="10058400" cy="807613"/>
-          </a:xfrm>
-        </p:spPr>
-        <p:txBody>
-          <a:bodyPr vert="horz" lIns="91440" tIns="45720" rIns="91440" bIns="45720" rtlCol="0" anchor="b">
-            <a:normAutofit/>
-          </a:bodyPr>
-          <a:lstStyle/>
-          <a:p>
-            <a:r>
-              <a:rPr lang="en-US" sz="4000" b="1" dirty="0">
-                <a:solidFill>
-                  <a:schemeClr val="tx2">
-                    <a:lumMod val="60000"/>
-                    <a:lumOff val="40000"/>
-                  </a:schemeClr>
-                </a:solidFill>
-                <a:latin typeface="+mn-lt"/>
-              </a:rPr>
-              <a:t>Functions - Parameters &amp; Return Statements </a:t>
-            </a:r>
-          </a:p>
-        </p:txBody>
-      </p:sp>
-      <p:sp>
-        <p:nvSpPr>
-          <p:cNvPr id="3" name="Content Placeholder 2">
-            <a:extLst>
-              <a:ext uri="{FF2B5EF4-FFF2-40B4-BE49-F238E27FC236}">
-                <a16:creationId xmlns:a16="http://schemas.microsoft.com/office/drawing/2014/main" id="{AB97492A-3E73-4C32-AB1E-EF4BFD90475A}"/>
-              </a:ext>
-            </a:extLst>
-          </p:cNvPr>
-          <p:cNvSpPr>
-            <a:spLocks noGrp="1"/>
-          </p:cNvSpPr>
-          <p:nvPr>
-            <p:ph idx="1"/>
-          </p:nvPr>
-        </p:nvSpPr>
-        <p:spPr>
-          <a:xfrm>
-            <a:off x="1211580" y="2171700"/>
-            <a:ext cx="7260908" cy="3014663"/>
-          </a:xfrm>
-        </p:spPr>
-        <p:txBody>
-          <a:bodyPr>
-            <a:noAutofit/>
-          </a:bodyPr>
-          <a:lstStyle/>
-          <a:p>
-            <a:pPr marL="201168" lvl="1" indent="0">
-              <a:buClrTx/>
-              <a:buNone/>
-            </a:pPr>
-            <a:r>
-              <a:rPr lang="en-US" b="1" dirty="0">
-                <a:solidFill>
-                  <a:schemeClr val="tx1"/>
-                </a:solidFill>
-                <a:latin typeface="Arial" panose="020B0604020202020204" pitchFamily="34" charset="0"/>
-                <a:cs typeface="Arial" panose="020B0604020202020204" pitchFamily="34" charset="0"/>
-              </a:rPr>
-              <a:t>Parameters</a:t>
-            </a:r>
-          </a:p>
-          <a:p>
-            <a:pPr lvl="1">
-              <a:buClrTx/>
-              <a:buFont typeface="Arial" panose="020B0604020202020204" pitchFamily="34" charset="0"/>
-              <a:buChar char="•"/>
-            </a:pPr>
-            <a:r>
-              <a:rPr lang="en-US" dirty="0">
-                <a:solidFill>
-                  <a:schemeClr val="tx1"/>
-                </a:solidFill>
-                <a:latin typeface="Arial" panose="020B0604020202020204" pitchFamily="34" charset="0"/>
-                <a:cs typeface="Arial" panose="020B0604020202020204" pitchFamily="34" charset="0"/>
-              </a:rPr>
-              <a:t>Input to the function.</a:t>
-            </a:r>
-          </a:p>
-          <a:p>
-            <a:pPr marL="201168" lvl="1" indent="0">
-              <a:buClrTx/>
-              <a:buNone/>
-            </a:pPr>
-            <a:endParaRPr lang="en-US" b="1" dirty="0">
-              <a:solidFill>
-                <a:schemeClr val="tx1"/>
-              </a:solidFill>
-              <a:latin typeface="Arial" panose="020B0604020202020204" pitchFamily="34" charset="0"/>
-              <a:cs typeface="Arial" panose="020B0604020202020204" pitchFamily="34" charset="0"/>
-            </a:endParaRPr>
-          </a:p>
-          <a:p>
-            <a:pPr marL="201168" lvl="1" indent="0">
-              <a:buClrTx/>
-              <a:buNone/>
-            </a:pPr>
-            <a:endParaRPr lang="en-US" b="1" dirty="0">
-              <a:solidFill>
-                <a:schemeClr val="tx1"/>
-              </a:solidFill>
-              <a:latin typeface="Arial" panose="020B0604020202020204" pitchFamily="34" charset="0"/>
-              <a:cs typeface="Arial" panose="020B0604020202020204" pitchFamily="34" charset="0"/>
-            </a:endParaRPr>
-          </a:p>
-          <a:p>
-            <a:pPr marL="201168" lvl="1" indent="0">
-              <a:buClrTx/>
-              <a:buNone/>
-            </a:pPr>
-            <a:r>
-              <a:rPr lang="en-US" b="1" dirty="0">
-                <a:solidFill>
-                  <a:schemeClr val="tx1"/>
-                </a:solidFill>
-                <a:latin typeface="Arial" panose="020B0604020202020204" pitchFamily="34" charset="0"/>
-                <a:cs typeface="Arial" panose="020B0604020202020204" pitchFamily="34" charset="0"/>
-              </a:rPr>
-              <a:t>The return statement</a:t>
-            </a:r>
-          </a:p>
-          <a:p>
-            <a:pPr lvl="1">
-              <a:buClrTx/>
-              <a:buFont typeface="Arial" panose="020B0604020202020204" pitchFamily="34" charset="0"/>
-              <a:buChar char="•"/>
-            </a:pPr>
-            <a:r>
-              <a:rPr lang="en-US" dirty="0">
-                <a:solidFill>
-                  <a:schemeClr val="tx1"/>
-                </a:solidFill>
-                <a:latin typeface="Arial" panose="020B0604020202020204" pitchFamily="34" charset="0"/>
-                <a:cs typeface="Arial" panose="020B0604020202020204" pitchFamily="34" charset="0"/>
-              </a:rPr>
-              <a:t>Value returned by the function.</a:t>
-            </a:r>
-          </a:p>
-        </p:txBody>
-      </p:sp>
-    </p:spTree>
-    <p:extLst>
-      <p:ext uri="{BB962C8B-B14F-4D97-AF65-F5344CB8AC3E}">
-        <p14:creationId xmlns:p14="http://schemas.microsoft.com/office/powerpoint/2010/main" val="123492031"/>
-      </p:ext>
-    </p:extLst>
-  </p:cSld>
-  <p:clrMapOvr>
-    <a:masterClrMapping/>
-  </p:clrMapOvr>
-  <p:timing>
-    <p:tnLst>
-      <p:par>
-        <p:cTn id="1" dur="indefinite" restart="never" nodeType="tmRoot">
-          <p:childTnLst>
-            <p:seq concurrent="1" nextAc="seek">
-              <p:cTn id="2" dur="indefinite" nodeType="mainSeq">
-                <p:childTnLst>
-                  <p:par>
-                    <p:cTn id="3" fill="hold">
-                      <p:stCondLst>
-                        <p:cond delay="indefinite"/>
-                      </p:stCondLst>
-                      <p:childTnLst>
-                        <p:par>
-                          <p:cTn id="4" fill="hold">
-                            <p:stCondLst>
-                              <p:cond delay="0"/>
-                            </p:stCondLst>
-                            <p:childTnLst>
-                              <p:par>
-                                <p:cTn id="5" presetID="2" presetClass="entr" presetSubtype="4" fill="hold" nodeType="clickEffect">
-                                  <p:stCondLst>
-                                    <p:cond delay="0"/>
-                                  </p:stCondLst>
-                                  <p:childTnLst>
-                                    <p:set>
-                                      <p:cBhvr>
-                                        <p:cTn id="6" dur="1" fill="hold">
-                                          <p:stCondLst>
-                                            <p:cond delay="0"/>
-                                          </p:stCondLst>
-                                        </p:cTn>
-                                        <p:tgtEl>
-                                          <p:spTgt spid="3">
-                                            <p:txEl>
-                                              <p:pRg st="0" end="0"/>
-                                            </p:txEl>
-                                          </p:spTgt>
-                                        </p:tgtEl>
-                                        <p:attrNameLst>
-                                          <p:attrName>style.visibility</p:attrName>
-                                        </p:attrNameLst>
-                                      </p:cBhvr>
-                                      <p:to>
-                                        <p:strVal val="visible"/>
-                                      </p:to>
-                                    </p:set>
-                                    <p:anim calcmode="lin" valueType="num">
-                                      <p:cBhvr additive="base">
-                                        <p:cTn id="7" dur="500" fill="hold"/>
-                                        <p:tgtEl>
-                                          <p:spTgt spid="3">
-                                            <p:txEl>
-                                              <p:pRg st="0" end="0"/>
-                                            </p:txEl>
-                                          </p:spTgt>
-                                        </p:tgtEl>
-                                        <p:attrNameLst>
-                                          <p:attrName>ppt_x</p:attrName>
-                                        </p:attrNameLst>
-                                      </p:cBhvr>
-                                      <p:tavLst>
-                                        <p:tav tm="0">
-                                          <p:val>
-                                            <p:strVal val="#ppt_x"/>
-                                          </p:val>
-                                        </p:tav>
-                                        <p:tav tm="100000">
-                                          <p:val>
-                                            <p:strVal val="#ppt_x"/>
-                                          </p:val>
-                                        </p:tav>
-                                      </p:tavLst>
-                                    </p:anim>
-                                    <p:anim calcmode="lin" valueType="num">
-                                      <p:cBhvr additive="base">
-                                        <p:cTn id="8" dur="500" fill="hold"/>
-                                        <p:tgtEl>
-                                          <p:spTgt spid="3">
-                                            <p:txEl>
-                                              <p:pRg st="0" end="0"/>
-                                            </p:txEl>
-                                          </p:spTgt>
-                                        </p:tgtEl>
-                                        <p:attrNameLst>
-                                          <p:attrName>ppt_y</p:attrName>
-                                        </p:attrNameLst>
-                                      </p:cBhvr>
-                                      <p:tavLst>
-                                        <p:tav tm="0">
-                                          <p:val>
-                                            <p:strVal val="1+#ppt_h/2"/>
-                                          </p:val>
-                                        </p:tav>
-                                        <p:tav tm="100000">
-                                          <p:val>
-                                            <p:strVal val="#ppt_y"/>
-                                          </p:val>
-                                        </p:tav>
-                                      </p:tavLst>
-                                    </p:anim>
-                                  </p:childTnLst>
-                                </p:cTn>
-                              </p:par>
-                              <p:par>
-                                <p:cTn id="9" presetID="2" presetClass="entr" presetSubtype="4" fill="hold" nodeType="withEffect">
-                                  <p:stCondLst>
-                                    <p:cond delay="0"/>
-                                  </p:stCondLst>
-                                  <p:childTnLst>
-                                    <p:set>
-                                      <p:cBhvr>
-                                        <p:cTn id="10" dur="1" fill="hold">
-                                          <p:stCondLst>
-                                            <p:cond delay="0"/>
-                                          </p:stCondLst>
-                                        </p:cTn>
-                                        <p:tgtEl>
-                                          <p:spTgt spid="3">
-                                            <p:txEl>
-                                              <p:pRg st="1" end="1"/>
-                                            </p:txEl>
-                                          </p:spTgt>
-                                        </p:tgtEl>
-                                        <p:attrNameLst>
-                                          <p:attrName>style.visibility</p:attrName>
-                                        </p:attrNameLst>
-                                      </p:cBhvr>
-                                      <p:to>
-                                        <p:strVal val="visible"/>
-                                      </p:to>
-                                    </p:set>
-                                    <p:anim calcmode="lin" valueType="num">
-                                      <p:cBhvr additive="base">
-                                        <p:cTn id="11" dur="500" fill="hold"/>
-                                        <p:tgtEl>
-                                          <p:spTgt spid="3">
-                                            <p:txEl>
-                                              <p:pRg st="1" end="1"/>
-                                            </p:txEl>
-                                          </p:spTgt>
-                                        </p:tgtEl>
-                                        <p:attrNameLst>
-                                          <p:attrName>ppt_x</p:attrName>
-                                        </p:attrNameLst>
-                                      </p:cBhvr>
-                                      <p:tavLst>
-                                        <p:tav tm="0">
-                                          <p:val>
-                                            <p:strVal val="#ppt_x"/>
-                                          </p:val>
-                                        </p:tav>
-                                        <p:tav tm="100000">
-                                          <p:val>
-                                            <p:strVal val="#ppt_x"/>
-                                          </p:val>
-                                        </p:tav>
-                                      </p:tavLst>
-                                    </p:anim>
-                                    <p:anim calcmode="lin" valueType="num">
-                                      <p:cBhvr additive="base">
-                                        <p:cTn id="12" dur="500" fill="hold"/>
-                                        <p:tgtEl>
-                                          <p:spTgt spid="3">
-                                            <p:txEl>
-                                              <p:pRg st="1" end="1"/>
-                                            </p:txEl>
-                                          </p:spTgt>
-                                        </p:tgtEl>
-                                        <p:attrNameLst>
-                                          <p:attrName>ppt_y</p:attrName>
-                                        </p:attrNameLst>
-                                      </p:cBhvr>
-                                      <p:tavLst>
-                                        <p:tav tm="0">
-                                          <p:val>
-                                            <p:strVal val="1+#ppt_h/2"/>
-                                          </p:val>
-                                        </p:tav>
-                                        <p:tav tm="100000">
-                                          <p:val>
-                                            <p:strVal val="#ppt_y"/>
-                                          </p:val>
-                                        </p:tav>
-                                      </p:tavLst>
-                                    </p:anim>
-                                  </p:childTnLst>
-                                </p:cTn>
-                              </p:par>
-                            </p:childTnLst>
-                          </p:cTn>
-                        </p:par>
-                      </p:childTnLst>
-                    </p:cTn>
-                  </p:par>
-                  <p:par>
-                    <p:cTn id="13" fill="hold">
-                      <p:stCondLst>
-                        <p:cond delay="indefinite"/>
-                      </p:stCondLst>
-                      <p:childTnLst>
-                        <p:par>
-                          <p:cTn id="14" fill="hold">
-                            <p:stCondLst>
-                              <p:cond delay="0"/>
-                            </p:stCondLst>
-                            <p:childTnLst>
-                              <p:par>
-                                <p:cTn id="15" presetID="2" presetClass="entr" presetSubtype="4" fill="hold" nodeType="clickEffect">
-                                  <p:stCondLst>
-                                    <p:cond delay="0"/>
-                                  </p:stCondLst>
-                                  <p:childTnLst>
-                                    <p:set>
-                                      <p:cBhvr>
-                                        <p:cTn id="16" dur="1" fill="hold">
-                                          <p:stCondLst>
-                                            <p:cond delay="0"/>
-                                          </p:stCondLst>
-                                        </p:cTn>
-                                        <p:tgtEl>
-                                          <p:spTgt spid="3">
-                                            <p:txEl>
-                                              <p:pRg st="4" end="4"/>
-                                            </p:txEl>
-                                          </p:spTgt>
-                                        </p:tgtEl>
-                                        <p:attrNameLst>
-                                          <p:attrName>style.visibility</p:attrName>
-                                        </p:attrNameLst>
-                                      </p:cBhvr>
-                                      <p:to>
-                                        <p:strVal val="visible"/>
-                                      </p:to>
-                                    </p:set>
-                                    <p:anim calcmode="lin" valueType="num">
-                                      <p:cBhvr additive="base">
-                                        <p:cTn id="17" dur="500" fill="hold"/>
-                                        <p:tgtEl>
-                                          <p:spTgt spid="3">
-                                            <p:txEl>
-                                              <p:pRg st="4" end="4"/>
-                                            </p:txEl>
-                                          </p:spTgt>
-                                        </p:tgtEl>
-                                        <p:attrNameLst>
-                                          <p:attrName>ppt_x</p:attrName>
-                                        </p:attrNameLst>
-                                      </p:cBhvr>
-                                      <p:tavLst>
-                                        <p:tav tm="0">
-                                          <p:val>
-                                            <p:strVal val="#ppt_x"/>
-                                          </p:val>
-                                        </p:tav>
-                                        <p:tav tm="100000">
-                                          <p:val>
-                                            <p:strVal val="#ppt_x"/>
-                                          </p:val>
-                                        </p:tav>
-                                      </p:tavLst>
-                                    </p:anim>
-                                    <p:anim calcmode="lin" valueType="num">
-                                      <p:cBhvr additive="base">
-                                        <p:cTn id="18" dur="500" fill="hold"/>
-                                        <p:tgtEl>
-                                          <p:spTgt spid="3">
-                                            <p:txEl>
-                                              <p:pRg st="4" end="4"/>
-                                            </p:txEl>
-                                          </p:spTgt>
-                                        </p:tgtEl>
-                                        <p:attrNameLst>
-                                          <p:attrName>ppt_y</p:attrName>
-                                        </p:attrNameLst>
-                                      </p:cBhvr>
-                                      <p:tavLst>
-                                        <p:tav tm="0">
-                                          <p:val>
-                                            <p:strVal val="1+#ppt_h/2"/>
-                                          </p:val>
-                                        </p:tav>
-                                        <p:tav tm="100000">
-                                          <p:val>
-                                            <p:strVal val="#ppt_y"/>
-                                          </p:val>
-                                        </p:tav>
-                                      </p:tavLst>
-                                    </p:anim>
-                                  </p:childTnLst>
-                                </p:cTn>
-                              </p:par>
-                              <p:par>
-                                <p:cTn id="19" presetID="2" presetClass="entr" presetSubtype="4" fill="hold" nodeType="withEffect">
-                                  <p:stCondLst>
-                                    <p:cond delay="0"/>
-                                  </p:stCondLst>
-                                  <p:childTnLst>
-                                    <p:set>
-                                      <p:cBhvr>
-                                        <p:cTn id="20" dur="1" fill="hold">
-                                          <p:stCondLst>
-                                            <p:cond delay="0"/>
-                                          </p:stCondLst>
-                                        </p:cTn>
-                                        <p:tgtEl>
-                                          <p:spTgt spid="3">
-                                            <p:txEl>
-                                              <p:pRg st="5" end="5"/>
-                                            </p:txEl>
-                                          </p:spTgt>
-                                        </p:tgtEl>
-                                        <p:attrNameLst>
-                                          <p:attrName>style.visibility</p:attrName>
-                                        </p:attrNameLst>
-                                      </p:cBhvr>
-                                      <p:to>
-                                        <p:strVal val="visible"/>
-                                      </p:to>
-                                    </p:set>
-                                    <p:anim calcmode="lin" valueType="num">
-                                      <p:cBhvr additive="base">
-                                        <p:cTn id="21" dur="500" fill="hold"/>
-                                        <p:tgtEl>
-                                          <p:spTgt spid="3">
-                                            <p:txEl>
-                                              <p:pRg st="5" end="5"/>
-                                            </p:txEl>
-                                          </p:spTgt>
-                                        </p:tgtEl>
-                                        <p:attrNameLst>
-                                          <p:attrName>ppt_x</p:attrName>
-                                        </p:attrNameLst>
-                                      </p:cBhvr>
-                                      <p:tavLst>
-                                        <p:tav tm="0">
-                                          <p:val>
-                                            <p:strVal val="#ppt_x"/>
-                                          </p:val>
-                                        </p:tav>
-                                        <p:tav tm="100000">
-                                          <p:val>
-                                            <p:strVal val="#ppt_x"/>
-                                          </p:val>
-                                        </p:tav>
-                                      </p:tavLst>
-                                    </p:anim>
-                                    <p:anim calcmode="lin" valueType="num">
-                                      <p:cBhvr additive="base">
-                                        <p:cTn id="22" dur="500" fill="hold"/>
-                                        <p:tgtEl>
-                                          <p:spTgt spid="3">
-                                            <p:txEl>
-                                              <p:pRg st="5" end="5"/>
-                                            </p:txEl>
-                                          </p:spTgt>
-                                        </p:tgtEl>
-                                        <p:attrNameLst>
-                                          <p:attrName>ppt_y</p:attrName>
-                                        </p:attrNameLst>
-                                      </p:cBhvr>
-                                      <p:tavLst>
-                                        <p:tav tm="0">
-                                          <p:val>
-                                            <p:strVal val="1+#ppt_h/2"/>
-                                          </p:val>
-                                        </p:tav>
-                                        <p:tav tm="100000">
-                                          <p:val>
-                                            <p:strVal val="#ppt_y"/>
-                                          </p:val>
-                                        </p:tav>
-                                      </p:tavLst>
-                                    </p:anim>
-                                  </p:childTnLst>
-                                </p:cTn>
-                              </p:par>
-                            </p:childTnLst>
-                          </p:cTn>
-                        </p:par>
-                      </p:childTnLst>
-                    </p:cTn>
-                  </p:par>
-                </p:childTnLst>
-              </p:cTn>
-              <p:prevCondLst>
-                <p:cond evt="onPrev" delay="0">
-                  <p:tgtEl>
-                    <p:sldTgt/>
-                  </p:tgtEl>
-                </p:cond>
-              </p:prevCondLst>
-              <p:nextCondLst>
-                <p:cond evt="onNext" delay="0">
-                  <p:tgtEl>
-                    <p:sldTgt/>
-                  </p:tgtEl>
-                </p:cond>
-              </p:nextCondLst>
-            </p:seq>
-          </p:childTnLst>
-        </p:cTn>
-      </p:par>
-    </p:tnLst>
-  </p:timing>
-</p:sld>
-</file>
-
 <file path=ppt/slides/slide2.xml><?xml version="1.0" encoding="utf-8"?>
 <p:sld xmlns:a="http://schemas.openxmlformats.org/drawingml/2006/main" xmlns:r="http://schemas.openxmlformats.org/officeDocument/2006/relationships" xmlns:p="http://schemas.openxmlformats.org/presentationml/2006/main">
   <p:cSld>
@@ -16376,7 +16451,7 @@
         <p:spPr>
           <a:xfrm>
             <a:off x="1510919" y="3268333"/>
-            <a:ext cx="2890535" cy="369332"/>
+            <a:ext cx="3005951" cy="369332"/>
           </a:xfrm>
           <a:prstGeom prst="rect">
             <a:avLst/>
@@ -16394,7 +16469,7 @@
                 <a:latin typeface="Arial" panose="020B0604020202020204" pitchFamily="34" charset="0"/>
                 <a:cs typeface="Arial" panose="020B0604020202020204" pitchFamily="34" charset="0"/>
               </a:rPr>
-              <a:t>Controlled vs Sequential</a:t>
+              <a:t>Conditional vs Sequential</a:t>
             </a:r>
           </a:p>
         </p:txBody>
@@ -16472,7 +16547,7 @@
                 </a:solidFill>
                 <a:latin typeface="+mn-lt"/>
               </a:rPr>
-              <a:t>Conditional Control Flow: The </a:t>
+              <a:t>Conditional Flow: The </a:t>
             </a:r>
             <a:r>
               <a:rPr lang="en-US" sz="4000" b="1" dirty="0">
@@ -16550,7 +16625,7 @@
       </p:sp>
       <p:pic>
         <p:nvPicPr>
-          <p:cNvPr id="12" name="Picture 11" descr="A close up of a map&#10;&#10;Description generated with high confidence">
+          <p:cNvPr id="12" name="Picture 11">
             <a:extLst>
               <a:ext uri="{FF2B5EF4-FFF2-40B4-BE49-F238E27FC236}">
                 <a16:creationId xmlns:a16="http://schemas.microsoft.com/office/drawing/2014/main" id="{697C9331-D808-4ACB-8754-94D7F2E86203}"/>
@@ -16570,8 +16645,8 @@
         </p:blipFill>
         <p:spPr>
           <a:xfrm>
-            <a:off x="6492311" y="2185152"/>
-            <a:ext cx="5343525" cy="3819525"/>
+            <a:off x="6537450" y="2185152"/>
+            <a:ext cx="5253246" cy="3819525"/>
           </a:xfrm>
           <a:prstGeom prst="rect">
             <a:avLst/>
@@ -17383,7 +17458,7 @@
                 </a:solidFill>
                 <a:latin typeface="+mn-lt"/>
               </a:rPr>
-              <a:t>Conditional Control Flow: The </a:t>
+              <a:t>Conditional Flow: The </a:t>
             </a:r>
             <a:r>
               <a:rPr lang="en-US" sz="4000" b="1" dirty="0">
@@ -17809,36 +17884,6 @@
           </a:graphicData>
         </a:graphic>
       </p:graphicFrame>
-      <p:pic>
-        <p:nvPicPr>
-          <p:cNvPr id="6" name="Picture 5" descr="A close up of text on a white background&#10;&#10;Description generated with very high confidence">
-            <a:extLst>
-              <a:ext uri="{FF2B5EF4-FFF2-40B4-BE49-F238E27FC236}">
-                <a16:creationId xmlns:a16="http://schemas.microsoft.com/office/drawing/2014/main" id="{62092E13-74DA-4493-AB9B-9E245D8B0E26}"/>
-              </a:ext>
-            </a:extLst>
-          </p:cNvPr>
-          <p:cNvPicPr>
-            <a:picLocks noChangeAspect="1"/>
-          </p:cNvPicPr>
-          <p:nvPr/>
-        </p:nvPicPr>
-        <p:blipFill>
-          <a:blip r:embed="rId4"/>
-          <a:stretch>
-            <a:fillRect/>
-          </a:stretch>
-        </p:blipFill>
-        <p:spPr>
-          <a:xfrm>
-            <a:off x="7073758" y="2493689"/>
-            <a:ext cx="2914650" cy="3838575"/>
-          </a:xfrm>
-          <a:prstGeom prst="rect">
-            <a:avLst/>
-          </a:prstGeom>
-        </p:spPr>
-      </p:pic>
       <p:sp>
         <p:nvSpPr>
           <p:cNvPr id="5" name="TextBox 4">
@@ -17883,6 +17928,36 @@
           </a:p>
         </p:txBody>
       </p:sp>
+      <p:pic>
+        <p:nvPicPr>
+          <p:cNvPr id="8" name="Picture 7" descr="A close up of a piece of paper&#10;&#10;Description generated with high confidence">
+            <a:extLst>
+              <a:ext uri="{FF2B5EF4-FFF2-40B4-BE49-F238E27FC236}">
+                <a16:creationId xmlns:a16="http://schemas.microsoft.com/office/drawing/2014/main" id="{A7834298-72D1-4350-AF30-FBE479B68B17}"/>
+              </a:ext>
+            </a:extLst>
+          </p:cNvPr>
+          <p:cNvPicPr>
+            <a:picLocks noChangeAspect="1"/>
+          </p:cNvPicPr>
+          <p:nvPr/>
+        </p:nvPicPr>
+        <p:blipFill>
+          <a:blip r:embed="rId4"/>
+          <a:stretch>
+            <a:fillRect/>
+          </a:stretch>
+        </p:blipFill>
+        <p:spPr>
+          <a:xfrm>
+            <a:off x="7662862" y="1836565"/>
+            <a:ext cx="2524125" cy="4196153"/>
+          </a:xfrm>
+          <a:prstGeom prst="rect">
+            <a:avLst/>
+          </a:prstGeom>
+        </p:spPr>
+      </p:pic>
     </p:spTree>
     <p:extLst>
       <p:ext uri="{BB962C8B-B14F-4D97-AF65-F5344CB8AC3E}">
@@ -17976,7 +18051,7 @@
                                           </p:stCondLst>
                                         </p:cTn>
                                         <p:tgtEl>
-                                          <p:spTgt spid="6"/>
+                                          <p:spTgt spid="4"/>
                                         </p:tgtEl>
                                         <p:attrNameLst>
                                           <p:attrName>style.visibility</p:attrName>
@@ -18008,7 +18083,7 @@
                             </p:stCondLst>
                             <p:childTnLst>
                               <p:par>
-                                <p:cTn id="13" presetID="1" presetClass="entr" presetSubtype="0" fill="hold" nodeType="clickEffect">
+                                <p:cTn id="13" presetID="1" presetClass="entr" presetSubtype="0" fill="hold" grpId="0" nodeType="clickEffect">
                                   <p:stCondLst>
                                     <p:cond delay="0"/>
                                   </p:stCondLst>
@@ -18016,51 +18091,6 @@
                                     <p:set>
                                       <p:cBhvr>
                                         <p:cTn id="14" dur="1" fill="hold">
-                                          <p:stCondLst>
-                                            <p:cond delay="0"/>
-                                          </p:stCondLst>
-                                        </p:cTn>
-                                        <p:tgtEl>
-                                          <p:spTgt spid="4"/>
-                                        </p:tgtEl>
-                                        <p:attrNameLst>
-                                          <p:attrName>style.visibility</p:attrName>
-                                        </p:attrNameLst>
-                                      </p:cBhvr>
-                                      <p:to>
-                                        <p:strVal val="visible"/>
-                                      </p:to>
-                                    </p:set>
-                                  </p:childTnLst>
-                                </p:cTn>
-                              </p:par>
-                            </p:childTnLst>
-                          </p:cTn>
-                        </p:par>
-                      </p:childTnLst>
-                    </p:cTn>
-                  </p:par>
-                  <p:par>
-                    <p:cTn id="15" fill="hold">
-                      <p:stCondLst>
-                        <p:cond delay="indefinite"/>
-                      </p:stCondLst>
-                      <p:childTnLst>
-                        <p:par>
-                          <p:cTn id="16" fill="hold">
-                            <p:stCondLst>
-                              <p:cond delay="0"/>
-                            </p:stCondLst>
-                            <p:childTnLst>
-                              <p:par>
-                                <p:cTn id="17" presetID="1" presetClass="entr" presetSubtype="0" fill="hold" grpId="0" nodeType="clickEffect">
-                                  <p:stCondLst>
-                                    <p:cond delay="0"/>
-                                  </p:stCondLst>
-                                  <p:childTnLst>
-                                    <p:set>
-                                      <p:cBhvr>
-                                        <p:cTn id="18" dur="1" fill="hold">
                                           <p:stCondLst>
                                             <p:cond delay="0"/>
                                           </p:stCondLst>
@@ -18169,7 +18199,7 @@
                 </a:solidFill>
                 <a:latin typeface="+mn-lt"/>
               </a:rPr>
-              <a:t>Conditional Control Flow: The </a:t>
+              <a:t>Conditional Flow: The </a:t>
             </a:r>
             <a:r>
               <a:rPr lang="en-US" sz="4000" b="1" dirty="0">
@@ -19073,7 +19103,7 @@
                 <a:latin typeface="Arial" panose="020B0604020202020204" pitchFamily="34" charset="0"/>
                 <a:cs typeface="Arial" panose="020B0604020202020204" pitchFamily="34" charset="0"/>
               </a:rPr>
-              <a:t>It describes how to make something. </a:t>
+              <a:t>It describes what something is. </a:t>
             </a:r>
           </a:p>
           <a:p>
@@ -19492,14 +19522,14 @@
           <p:nvPr>
             <p:extLst>
               <p:ext uri="{D42A27DB-BD31-4B8C-83A1-F6EECF244321}">
-                <p14:modId xmlns:p14="http://schemas.microsoft.com/office/powerpoint/2010/main" val="3461079179"/>
+                <p14:modId xmlns:p14="http://schemas.microsoft.com/office/powerpoint/2010/main" val="2292740612"/>
               </p:ext>
             </p:extLst>
           </p:nvPr>
         </p:nvGraphicFramePr>
         <p:xfrm>
-          <a:off x="5733100" y="2234879"/>
-          <a:ext cx="5842000" cy="3832949"/>
+          <a:off x="5733100" y="2062493"/>
+          <a:ext cx="6268400" cy="3832949"/>
         </p:xfrm>
         <a:graphic>
           <a:graphicData uri="http://schemas.openxmlformats.org/drawingml/2006/table">
@@ -19508,7 +19538,7 @@
                 <a:tableStyleId>{5A111915-BE36-4E01-A7E5-04B1672EAD32}</a:tableStyleId>
               </a:tblPr>
               <a:tblGrid>
-                <a:gridCol w="5842000">
+                <a:gridCol w="6268400">
                   <a:extLst>
                     <a:ext uri="{9D8B030D-6E8A-4147-A177-3AD203B41FA5}">
                       <a16:colId xmlns:a16="http://schemas.microsoft.com/office/drawing/2014/main" val="1402622584"/>
@@ -19576,7 +19606,7 @@
                           </a:highlight>
                           <a:latin typeface="Courier New" panose="02070309020205020404" pitchFamily="49" charset="0"/>
                         </a:rPr>
-                        <a:t>Point</a:t>
+                        <a:t>Person</a:t>
                       </a:r>
                       <a:r>
                         <a:rPr lang="en-US" sz="1400" b="1" dirty="0">
@@ -19765,7 +19795,7 @@
                           </a:highlight>
                           <a:latin typeface="Courier New" panose="02070309020205020404" pitchFamily="49" charset="0"/>
                         </a:rPr>
-                        <a:t> x</a:t>
+                        <a:t> name</a:t>
                       </a:r>
                       <a:r>
                         <a:rPr lang="en-US" sz="1400" b="1" dirty="0">
@@ -19789,7 +19819,7 @@
                           </a:highlight>
                           <a:latin typeface="Courier New" panose="02070309020205020404" pitchFamily="49" charset="0"/>
                         </a:rPr>
-                        <a:t> y</a:t>
+                        <a:t> height</a:t>
                       </a:r>
                       <a:r>
                         <a:rPr lang="en-US" sz="1400" b="1" dirty="0">
@@ -19848,43 +19878,43 @@
                           </a:highlight>
                           <a:latin typeface="Courier New" panose="02070309020205020404" pitchFamily="49" charset="0"/>
                         </a:rPr>
-                        <a:t>        </a:t>
-                      </a:r>
-                      <a:r>
-                        <a:rPr lang="en-US" sz="1400" b="0" dirty="0" err="1">
-                          <a:solidFill>
-                            <a:srgbClr val="000000"/>
+                        <a:t>        self</a:t>
+                      </a:r>
+                      <a:r>
+                        <a:rPr lang="en-US" sz="1400" b="1" dirty="0">
+                          <a:solidFill>
+                            <a:srgbClr val="000080"/>
                           </a:solidFill>
                           <a:highlight>
                             <a:srgbClr val="FFFFFF"/>
                           </a:highlight>
                           <a:latin typeface="Courier New" panose="02070309020205020404" pitchFamily="49" charset="0"/>
                         </a:rPr>
-                        <a:t>self</a:t>
-                      </a:r>
-                      <a:r>
-                        <a:rPr lang="en-US" sz="1400" b="1" dirty="0" err="1">
-                          <a:solidFill>
-                            <a:srgbClr val="000080"/>
+                        <a:t>.</a:t>
+                      </a:r>
+                      <a:r>
+                        <a:rPr lang="en-US" sz="1400" b="0" dirty="0">
+                          <a:solidFill>
+                            <a:srgbClr val="000000"/>
                           </a:solidFill>
                           <a:highlight>
                             <a:srgbClr val="FFFFFF"/>
                           </a:highlight>
                           <a:latin typeface="Courier New" panose="02070309020205020404" pitchFamily="49" charset="0"/>
                         </a:rPr>
-                        <a:t>.</a:t>
-                      </a:r>
-                      <a:r>
-                        <a:rPr lang="en-US" sz="1400" b="0" dirty="0" err="1">
-                          <a:solidFill>
-                            <a:srgbClr val="000000"/>
+                        <a:t>name </a:t>
+                      </a:r>
+                      <a:r>
+                        <a:rPr lang="en-US" sz="1400" b="1" dirty="0">
+                          <a:solidFill>
+                            <a:srgbClr val="000080"/>
                           </a:solidFill>
                           <a:highlight>
                             <a:srgbClr val="FFFFFF"/>
                           </a:highlight>
                           <a:latin typeface="Courier New" panose="02070309020205020404" pitchFamily="49" charset="0"/>
                         </a:rPr>
-                        <a:t>x</a:t>
+                        <a:t>=</a:t>
                       </a:r>
                       <a:r>
                         <a:rPr lang="en-US" sz="1400" b="0" dirty="0">
@@ -19896,43 +19926,19 @@
                           </a:highlight>
                           <a:latin typeface="Courier New" panose="02070309020205020404" pitchFamily="49" charset="0"/>
                         </a:rPr>
-                        <a:t> </a:t>
-                      </a:r>
-                      <a:r>
-                        <a:rPr lang="en-US" sz="1400" b="1" dirty="0">
-                          <a:solidFill>
-                            <a:srgbClr val="000080"/>
+                        <a:t> name	</a:t>
+                      </a:r>
+                      <a:r>
+                        <a:rPr lang="en-US" sz="1400" b="0" dirty="0">
+                          <a:solidFill>
+                            <a:srgbClr val="008000"/>
                           </a:solidFill>
                           <a:highlight>
                             <a:srgbClr val="FFFFFF"/>
                           </a:highlight>
                           <a:latin typeface="Courier New" panose="02070309020205020404" pitchFamily="49" charset="0"/>
                         </a:rPr>
-                        <a:t>=</a:t>
-                      </a:r>
-                      <a:r>
-                        <a:rPr lang="en-US" sz="1400" b="0" dirty="0">
-                          <a:solidFill>
-                            <a:srgbClr val="000000"/>
-                          </a:solidFill>
-                          <a:highlight>
-                            <a:srgbClr val="FFFFFF"/>
-                          </a:highlight>
-                          <a:latin typeface="Courier New" panose="02070309020205020404" pitchFamily="49" charset="0"/>
-                        </a:rPr>
-                        <a:t> x	</a:t>
-                      </a:r>
-                      <a:r>
-                        <a:rPr lang="en-US" sz="1400" b="0" dirty="0">
-                          <a:solidFill>
-                            <a:srgbClr val="008000"/>
-                          </a:solidFill>
-                          <a:highlight>
-                            <a:srgbClr val="FFFFFF"/>
-                          </a:highlight>
-                          <a:latin typeface="Courier New" panose="02070309020205020404" pitchFamily="49" charset="0"/>
-                        </a:rPr>
-                        <a:t># variable (or state) 'x'</a:t>
+                        <a:t># variable (or state)</a:t>
                       </a:r>
                       <a:endParaRPr lang="en-US" sz="1400" b="0" dirty="0">
                         <a:solidFill>
@@ -19991,7 +19997,7 @@
                           </a:highlight>
                           <a:latin typeface="Courier New" panose="02070309020205020404" pitchFamily="49" charset="0"/>
                         </a:rPr>
-                        <a:t>y</a:t>
+                        <a:t>height</a:t>
                       </a:r>
                       <a:r>
                         <a:rPr lang="en-US" sz="1400" b="0" dirty="0">
@@ -20027,7 +20033,7 @@
                           </a:highlight>
                           <a:latin typeface="Courier New" panose="02070309020205020404" pitchFamily="49" charset="0"/>
                         </a:rPr>
-                        <a:t> y	</a:t>
+                        <a:t> height </a:t>
                       </a:r>
                       <a:r>
                         <a:rPr lang="en-US" sz="1400" b="0" dirty="0">
@@ -20039,7 +20045,7 @@
                           </a:highlight>
                           <a:latin typeface="Courier New" panose="02070309020205020404" pitchFamily="49" charset="0"/>
                         </a:rPr>
-                        <a:t># variable (or state) 'y’</a:t>
+                        <a:t># variable (or state)</a:t>
                       </a:r>
                       <a:endParaRPr lang="en-US" sz="1400" b="0" dirty="0">
                         <a:solidFill>
@@ -20228,55 +20234,55 @@
                           </a:highlight>
                           <a:latin typeface="Courier New" panose="02070309020205020404" pitchFamily="49" charset="0"/>
                         </a:rPr>
-                        <a:t>'(%</a:t>
-                      </a:r>
-                      <a:r>
-                        <a:rPr lang="en-US" sz="1400" b="0" dirty="0" err="1">
-                          <a:solidFill>
-                            <a:srgbClr val="808080"/>
+                        <a:t>'(Name=%s, Height=%s)'</a:t>
+                      </a:r>
+                      <a:r>
+                        <a:rPr lang="en-US" sz="1400" b="0" dirty="0">
+                          <a:solidFill>
+                            <a:srgbClr val="000000"/>
                           </a:solidFill>
                           <a:highlight>
                             <a:srgbClr val="FFFFFF"/>
                           </a:highlight>
                           <a:latin typeface="Courier New" panose="02070309020205020404" pitchFamily="49" charset="0"/>
                         </a:rPr>
-                        <a:t>i</a:t>
-                      </a:r>
-                      <a:r>
-                        <a:rPr lang="en-US" sz="1400" b="0" dirty="0">
-                          <a:solidFill>
-                            <a:srgbClr val="808080"/>
+                        <a:t> </a:t>
+                      </a:r>
+                      <a:r>
+                        <a:rPr lang="en-US" sz="1400" b="1" dirty="0">
+                          <a:solidFill>
+                            <a:srgbClr val="000080"/>
                           </a:solidFill>
                           <a:highlight>
                             <a:srgbClr val="FFFFFF"/>
                           </a:highlight>
                           <a:latin typeface="Courier New" panose="02070309020205020404" pitchFamily="49" charset="0"/>
                         </a:rPr>
-                        <a:t>, %</a:t>
-                      </a:r>
-                      <a:r>
-                        <a:rPr lang="en-US" sz="1400" b="0" dirty="0" err="1">
-                          <a:solidFill>
-                            <a:srgbClr val="808080"/>
+                        <a:t>%(</a:t>
+                      </a:r>
+                      <a:r>
+                        <a:rPr lang="en-US" sz="1400" b="0" dirty="0">
+                          <a:solidFill>
+                            <a:srgbClr val="000000"/>
                           </a:solidFill>
                           <a:highlight>
                             <a:srgbClr val="FFFFFF"/>
                           </a:highlight>
                           <a:latin typeface="Courier New" panose="02070309020205020404" pitchFamily="49" charset="0"/>
                         </a:rPr>
-                        <a:t>i</a:t>
-                      </a:r>
-                      <a:r>
-                        <a:rPr lang="en-US" sz="1400" b="0" dirty="0">
-                          <a:solidFill>
-                            <a:srgbClr val="808080"/>
+                        <a:t>self</a:t>
+                      </a:r>
+                      <a:r>
+                        <a:rPr lang="en-US" sz="1400" b="1" dirty="0">
+                          <a:solidFill>
+                            <a:srgbClr val="000080"/>
                           </a:solidFill>
                           <a:highlight>
                             <a:srgbClr val="FFFFFF"/>
                           </a:highlight>
                           <a:latin typeface="Courier New" panose="02070309020205020404" pitchFamily="49" charset="0"/>
                         </a:rPr>
-                        <a:t>)'</a:t>
+                        <a:t>.</a:t>
                       </a:r>
                       <a:r>
                         <a:rPr lang="en-US" sz="1400" b="0" dirty="0">
@@ -20288,7 +20294,7 @@
                           </a:highlight>
                           <a:latin typeface="Courier New" panose="02070309020205020404" pitchFamily="49" charset="0"/>
                         </a:rPr>
-                        <a:t> </a:t>
+                        <a:t>name</a:t>
                       </a:r>
                       <a:r>
                         <a:rPr lang="en-US" sz="1400" b="1" dirty="0">
@@ -20300,10 +20306,10 @@
                           </a:highlight>
                           <a:latin typeface="Courier New" panose="02070309020205020404" pitchFamily="49" charset="0"/>
                         </a:rPr>
-                        <a:t>%(</a:t>
-                      </a:r>
-                      <a:r>
-                        <a:rPr lang="en-US" sz="1400" b="0" dirty="0" err="1">
+                        <a:t>,</a:t>
+                      </a:r>
+                      <a:r>
+                        <a:rPr lang="en-US" sz="1400" b="0" dirty="0">
                           <a:solidFill>
                             <a:srgbClr val="000000"/>
                           </a:solidFill>
@@ -20312,91 +20318,43 @@
                           </a:highlight>
                           <a:latin typeface="Courier New" panose="02070309020205020404" pitchFamily="49" charset="0"/>
                         </a:rPr>
-                        <a:t>self</a:t>
-                      </a:r>
-                      <a:r>
-                        <a:rPr lang="en-US" sz="1400" b="1" dirty="0" err="1">
-                          <a:solidFill>
-                            <a:srgbClr val="000080"/>
+                        <a:t> </a:t>
+                      </a:r>
+                      <a:r>
+                        <a:rPr lang="en-US" sz="1400" b="0" dirty="0" err="1">
+                          <a:solidFill>
+                            <a:srgbClr val="000000"/>
                           </a:solidFill>
                           <a:highlight>
                             <a:srgbClr val="FFFFFF"/>
                           </a:highlight>
                           <a:latin typeface="Courier New" panose="02070309020205020404" pitchFamily="49" charset="0"/>
                         </a:rPr>
-                        <a:t>.</a:t>
-                      </a:r>
-                      <a:r>
-                        <a:rPr lang="en-US" sz="1400" b="0" dirty="0" err="1">
-                          <a:solidFill>
-                            <a:srgbClr val="000000"/>
+                        <a:t>self</a:t>
+                      </a:r>
+                      <a:r>
+                        <a:rPr lang="en-US" sz="1400" b="1" dirty="0" err="1">
+                          <a:solidFill>
+                            <a:srgbClr val="000080"/>
                           </a:solidFill>
                           <a:highlight>
                             <a:srgbClr val="FFFFFF"/>
                           </a:highlight>
                           <a:latin typeface="Courier New" panose="02070309020205020404" pitchFamily="49" charset="0"/>
                         </a:rPr>
-                        <a:t>x</a:t>
-                      </a:r>
-                      <a:r>
-                        <a:rPr lang="en-US" sz="1400" b="1" dirty="0">
-                          <a:solidFill>
-                            <a:srgbClr val="000080"/>
+                        <a:t>.</a:t>
+                      </a:r>
+                      <a:r>
+                        <a:rPr lang="en-US" sz="1400" b="0" dirty="0" err="1">
+                          <a:solidFill>
+                            <a:srgbClr val="000000"/>
                           </a:solidFill>
                           <a:highlight>
                             <a:srgbClr val="FFFFFF"/>
                           </a:highlight>
                           <a:latin typeface="Courier New" panose="02070309020205020404" pitchFamily="49" charset="0"/>
                         </a:rPr>
-                        <a:t>,</a:t>
-                      </a:r>
-                      <a:r>
-                        <a:rPr lang="en-US" sz="1400" b="0" dirty="0">
-                          <a:solidFill>
-                            <a:srgbClr val="000000"/>
-                          </a:solidFill>
-                          <a:highlight>
-                            <a:srgbClr val="FFFFFF"/>
-                          </a:highlight>
-                          <a:latin typeface="Courier New" panose="02070309020205020404" pitchFamily="49" charset="0"/>
-                        </a:rPr>
-                        <a:t> </a:t>
-                      </a:r>
-                      <a:r>
-                        <a:rPr lang="en-US" sz="1400" b="0" dirty="0" err="1">
-                          <a:solidFill>
-                            <a:srgbClr val="000000"/>
-                          </a:solidFill>
-                          <a:highlight>
-                            <a:srgbClr val="FFFFFF"/>
-                          </a:highlight>
-                          <a:latin typeface="Courier New" panose="02070309020205020404" pitchFamily="49" charset="0"/>
-                        </a:rPr>
-                        <a:t>self</a:t>
-                      </a:r>
-                      <a:r>
-                        <a:rPr lang="en-US" sz="1400" b="1" dirty="0" err="1">
-                          <a:solidFill>
-                            <a:srgbClr val="000080"/>
-                          </a:solidFill>
-                          <a:highlight>
-                            <a:srgbClr val="FFFFFF"/>
-                          </a:highlight>
-                          <a:latin typeface="Courier New" panose="02070309020205020404" pitchFamily="49" charset="0"/>
-                        </a:rPr>
-                        <a:t>.</a:t>
-                      </a:r>
-                      <a:r>
-                        <a:rPr lang="en-US" sz="1400" b="0" dirty="0" err="1">
-                          <a:solidFill>
-                            <a:srgbClr val="000000"/>
-                          </a:solidFill>
-                          <a:highlight>
-                            <a:srgbClr val="FFFFFF"/>
-                          </a:highlight>
-                          <a:latin typeface="Courier New" panose="02070309020205020404" pitchFamily="49" charset="0"/>
-                        </a:rPr>
-                        <a:t>y</a:t>
+                        <a:t>height</a:t>
                       </a:r>
                       <a:r>
                         <a:rPr lang="en-US" sz="1400" b="1" dirty="0">
@@ -20469,7 +20427,7 @@
                         <a:t> </a:t>
                       </a:r>
                       <a:r>
-                        <a:rPr lang="en-US" sz="1400" b="0" dirty="0" err="1">
+                        <a:rPr lang="en-US" sz="1400" b="0" dirty="0">
                           <a:solidFill>
                             <a:srgbClr val="FF00FF"/>
                           </a:solidFill>
@@ -20478,7 +20436,7 @@
                           </a:highlight>
                           <a:latin typeface="Courier New" panose="02070309020205020404" pitchFamily="49" charset="0"/>
                         </a:rPr>
-                        <a:t>getX</a:t>
+                        <a:t>eat</a:t>
                       </a:r>
                       <a:r>
                         <a:rPr lang="en-US" sz="1400" b="1" dirty="0">
@@ -20573,55 +20531,7 @@
                           </a:highlight>
                           <a:latin typeface="Courier New" panose="02070309020205020404" pitchFamily="49" charset="0"/>
                         </a:rPr>
-                        <a:t>return</a:t>
-                      </a:r>
-                      <a:r>
-                        <a:rPr lang="en-US" sz="1400" b="0" dirty="0">
-                          <a:solidFill>
-                            <a:srgbClr val="000000"/>
-                          </a:solidFill>
-                          <a:highlight>
-                            <a:srgbClr val="FFFFFF"/>
-                          </a:highlight>
-                          <a:latin typeface="Courier New" panose="02070309020205020404" pitchFamily="49" charset="0"/>
-                        </a:rPr>
-                        <a:t> </a:t>
-                      </a:r>
-                      <a:r>
-                        <a:rPr lang="en-US" sz="1400" b="0" dirty="0" err="1">
-                          <a:solidFill>
-                            <a:srgbClr val="000000"/>
-                          </a:solidFill>
-                          <a:highlight>
-                            <a:srgbClr val="FFFFFF"/>
-                          </a:highlight>
-                          <a:latin typeface="Courier New" panose="02070309020205020404" pitchFamily="49" charset="0"/>
-                        </a:rPr>
-                        <a:t>self</a:t>
-                      </a:r>
-                      <a:r>
-                        <a:rPr lang="en-US" sz="1400" b="1" dirty="0" err="1">
-                          <a:solidFill>
-                            <a:srgbClr val="000080"/>
-                          </a:solidFill>
-                          <a:highlight>
-                            <a:srgbClr val="FFFFFF"/>
-                          </a:highlight>
-                          <a:latin typeface="Courier New" panose="02070309020205020404" pitchFamily="49" charset="0"/>
-                        </a:rPr>
-                        <a:t>.</a:t>
-                      </a:r>
-                      <a:r>
-                        <a:rPr lang="en-US" sz="1400" b="0" dirty="0" err="1">
-                          <a:solidFill>
-                            <a:srgbClr val="000000"/>
-                          </a:solidFill>
-                          <a:highlight>
-                            <a:srgbClr val="FFFFFF"/>
-                          </a:highlight>
-                          <a:latin typeface="Courier New" panose="02070309020205020404" pitchFamily="49" charset="0"/>
-                        </a:rPr>
-                        <a:t>x</a:t>
+                        <a:t>pass</a:t>
                       </a:r>
                       <a:endParaRPr lang="en-US" sz="1400" b="0" dirty="0">
                         <a:solidFill>
@@ -20682,7 +20592,7 @@
                         <a:t> </a:t>
                       </a:r>
                       <a:r>
-                        <a:rPr lang="en-US" sz="1400" b="0" dirty="0" err="1">
+                        <a:rPr lang="en-US" sz="1400" b="0" dirty="0">
                           <a:solidFill>
                             <a:srgbClr val="FF00FF"/>
                           </a:solidFill>
@@ -20691,7 +20601,7 @@
                           </a:highlight>
                           <a:latin typeface="Courier New" panose="02070309020205020404" pitchFamily="49" charset="0"/>
                         </a:rPr>
-                        <a:t>getY</a:t>
+                        <a:t>sleep</a:t>
                       </a:r>
                       <a:r>
                         <a:rPr lang="en-US" sz="1400" b="1" dirty="0">
@@ -20786,65 +20696,8 @@
                           </a:highlight>
                           <a:latin typeface="Courier New" panose="02070309020205020404" pitchFamily="49" charset="0"/>
                         </a:rPr>
-                        <a:t>return</a:t>
-                      </a:r>
-                      <a:r>
-                        <a:rPr lang="en-US" sz="1400" b="0" dirty="0">
-                          <a:solidFill>
-                            <a:srgbClr val="000000"/>
-                          </a:solidFill>
-                          <a:highlight>
-                            <a:srgbClr val="FFFFFF"/>
-                          </a:highlight>
-                          <a:latin typeface="Courier New" panose="02070309020205020404" pitchFamily="49" charset="0"/>
-                        </a:rPr>
-                        <a:t> </a:t>
-                      </a:r>
-                      <a:r>
-                        <a:rPr lang="en-US" sz="1400" b="0" dirty="0" err="1">
-                          <a:solidFill>
-                            <a:srgbClr val="000000"/>
-                          </a:solidFill>
-                          <a:highlight>
-                            <a:srgbClr val="FFFFFF"/>
-                          </a:highlight>
-                          <a:latin typeface="Courier New" panose="02070309020205020404" pitchFamily="49" charset="0"/>
-                        </a:rPr>
-                        <a:t>self</a:t>
-                      </a:r>
-                      <a:r>
-                        <a:rPr lang="en-US" sz="1400" b="1" dirty="0" err="1">
-                          <a:solidFill>
-                            <a:srgbClr val="000080"/>
-                          </a:solidFill>
-                          <a:highlight>
-                            <a:srgbClr val="FFFFFF"/>
-                          </a:highlight>
-                          <a:latin typeface="Courier New" panose="02070309020205020404" pitchFamily="49" charset="0"/>
-                        </a:rPr>
-                        <a:t>.</a:t>
-                      </a:r>
-                      <a:r>
-                        <a:rPr lang="en-US" sz="1400" b="0" dirty="0" err="1">
-                          <a:solidFill>
-                            <a:srgbClr val="000000"/>
-                          </a:solidFill>
-                          <a:highlight>
-                            <a:srgbClr val="FFFFFF"/>
-                          </a:highlight>
-                          <a:latin typeface="Courier New" panose="02070309020205020404" pitchFamily="49" charset="0"/>
-                        </a:rPr>
-                        <a:t>y</a:t>
-                      </a:r>
-                      <a:endParaRPr lang="en-US" sz="1400" b="1" dirty="0">
-                        <a:solidFill>
-                          <a:srgbClr val="0000FF"/>
-                        </a:solidFill>
-                        <a:highlight>
-                          <a:srgbClr val="FFFFFF"/>
-                        </a:highlight>
-                        <a:latin typeface="Courier New" panose="02070309020205020404" pitchFamily="49" charset="0"/>
-                      </a:endParaRPr>
+                        <a:t>pass</a:t>
+                      </a:r>
                     </a:p>
                   </a:txBody>
                   <a:tcPr/>
@@ -21317,7 +21170,7 @@
           <p:nvPr>
             <p:extLst>
               <p:ext uri="{D42A27DB-BD31-4B8C-83A1-F6EECF244321}">
-                <p14:modId xmlns:p14="http://schemas.microsoft.com/office/powerpoint/2010/main" val="3536558756"/>
+                <p14:modId xmlns:p14="http://schemas.microsoft.com/office/powerpoint/2010/main" val="3635034990"/>
               </p:ext>
             </p:extLst>
           </p:nvPr>
@@ -21413,15 +21266,6 @@
                         </a:rPr>
                         <a:t># Create objects</a:t>
                       </a:r>
-                      <a:endParaRPr lang="en-US" sz="1400" dirty="0">
-                        <a:solidFill>
-                          <a:srgbClr val="000000"/>
-                        </a:solidFill>
-                        <a:highlight>
-                          <a:srgbClr val="FFFFFF"/>
-                        </a:highlight>
-                        <a:latin typeface="Courier New" panose="02070309020205020404" pitchFamily="49" charset="0"/>
-                      </a:endParaRPr>
                     </a:p>
                     <a:p>
                       <a:r>
@@ -21434,7 +21278,7 @@
                           </a:highlight>
                           <a:latin typeface="Courier New" panose="02070309020205020404" pitchFamily="49" charset="0"/>
                         </a:rPr>
-                        <a:t>point1 </a:t>
+                        <a:t>person1 </a:t>
                       </a:r>
                       <a:r>
                         <a:rPr lang="en-US" sz="1400" b="1" dirty="0">
@@ -21458,7 +21302,7 @@
                           </a:highlight>
                           <a:latin typeface="Courier New" panose="02070309020205020404" pitchFamily="49" charset="0"/>
                         </a:rPr>
-                        <a:t> Point</a:t>
+                        <a:t> Person</a:t>
                       </a:r>
                       <a:r>
                         <a:rPr lang="en-US" sz="1400" b="1" dirty="0">
@@ -21475,14 +21319,14 @@
                       <a:r>
                         <a:rPr lang="en-US" sz="1400" b="0" dirty="0">
                           <a:solidFill>
-                            <a:srgbClr val="FF0000"/>
+                            <a:srgbClr val="808080"/>
                           </a:solidFill>
                           <a:highlight>
                             <a:srgbClr val="FFFFFF"/>
                           </a:highlight>
                           <a:latin typeface="Courier New" panose="02070309020205020404" pitchFamily="49" charset="0"/>
                         </a:rPr>
-                        <a:t>4</a:t>
+                        <a:t>"John"</a:t>
                       </a:r>
                       <a:r>
                         <a:rPr lang="en-US" sz="1400" b="1" dirty="0">
@@ -21499,50 +21343,62 @@
                       <a:r>
                         <a:rPr lang="en-US" sz="1400" b="0" dirty="0">
                           <a:solidFill>
-                            <a:srgbClr val="FF0000"/>
+                            <a:srgbClr val="000000"/>
                           </a:solidFill>
                           <a:highlight>
                             <a:srgbClr val="FFFFFF"/>
                           </a:highlight>
                           <a:latin typeface="Courier New" panose="02070309020205020404" pitchFamily="49" charset="0"/>
                         </a:rPr>
-                        <a:t>4</a:t>
-                      </a:r>
-                      <a:r>
-                        <a:rPr lang="en-US" sz="1400" b="1" dirty="0">
-                          <a:solidFill>
-                            <a:srgbClr val="000080"/>
+                        <a:t> </a:t>
+                      </a:r>
+                      <a:r>
+                        <a:rPr lang="en-US" sz="1400" b="0" dirty="0">
+                          <a:solidFill>
+                            <a:srgbClr val="808080"/>
                           </a:solidFill>
                           <a:highlight>
                             <a:srgbClr val="FFFFFF"/>
                           </a:highlight>
                           <a:latin typeface="Courier New" panose="02070309020205020404" pitchFamily="49" charset="0"/>
                         </a:rPr>
-                        <a:t>)</a:t>
-                      </a:r>
-                      <a:r>
-                        <a:rPr lang="en-US" sz="1400" b="0" dirty="0">
-                          <a:solidFill>
-                            <a:srgbClr val="000000"/>
+                        <a:t>"5.7"</a:t>
+                      </a:r>
+                      <a:r>
+                        <a:rPr lang="en-US" sz="1400" b="1" dirty="0">
+                          <a:solidFill>
+                            <a:srgbClr val="000080"/>
                           </a:solidFill>
                           <a:highlight>
                             <a:srgbClr val="FFFFFF"/>
                           </a:highlight>
                           <a:latin typeface="Courier New" panose="02070309020205020404" pitchFamily="49" charset="0"/>
                         </a:rPr>
-                        <a:t> </a:t>
+                        <a:t>)</a:t>
                       </a:r>
                       <a:r>
                         <a:rPr lang="en-US" sz="1400" b="0" dirty="0">
                           <a:solidFill>
-                            <a:srgbClr val="008000"/>
+                            <a:srgbClr val="000000"/>
                           </a:solidFill>
                           <a:highlight>
                             <a:srgbClr val="FFFFFF"/>
                           </a:highlight>
                           <a:latin typeface="Courier New" panose="02070309020205020404" pitchFamily="49" charset="0"/>
                         </a:rPr>
-                        <a:t># point1 is an object</a:t>
+                        <a:t> </a:t>
+                      </a:r>
+                      <a:r>
+                        <a:rPr lang="en-US" sz="1400" b="0" dirty="0">
+                          <a:solidFill>
+                            <a:srgbClr val="008000"/>
+                          </a:solidFill>
+                          <a:highlight>
+                            <a:srgbClr val="FFFFFF"/>
+                          </a:highlight>
+                          <a:latin typeface="Courier New" panose="02070309020205020404" pitchFamily="49" charset="0"/>
+                        </a:rPr>
+                        <a:t># person1 is an object</a:t>
                       </a:r>
                       <a:endParaRPr lang="en-US" sz="1400" b="0" dirty="0">
                         <a:solidFill>
@@ -21565,7 +21421,7 @@
                           </a:highlight>
                           <a:latin typeface="Courier New" panose="02070309020205020404" pitchFamily="49" charset="0"/>
                         </a:rPr>
-                        <a:t>point2 </a:t>
+                        <a:t>person2 </a:t>
                       </a:r>
                       <a:r>
                         <a:rPr lang="en-US" sz="1400" b="1" dirty="0">
@@ -21589,7 +21445,7 @@
                           </a:highlight>
                           <a:latin typeface="Courier New" panose="02070309020205020404" pitchFamily="49" charset="0"/>
                         </a:rPr>
-                        <a:t> Point</a:t>
+                        <a:t> Person</a:t>
                       </a:r>
                       <a:r>
                         <a:rPr lang="en-US" sz="1400" b="1" dirty="0">
@@ -21606,14 +21462,14 @@
                       <a:r>
                         <a:rPr lang="en-US" sz="1400" b="0" dirty="0">
                           <a:solidFill>
-                            <a:srgbClr val="FF0000"/>
+                            <a:srgbClr val="808080"/>
                           </a:solidFill>
                           <a:highlight>
                             <a:srgbClr val="FFFFFF"/>
                           </a:highlight>
                           <a:latin typeface="Courier New" panose="02070309020205020404" pitchFamily="49" charset="0"/>
                         </a:rPr>
-                        <a:t>2</a:t>
+                        <a:t>"Jane"</a:t>
                       </a:r>
                       <a:r>
                         <a:rPr lang="en-US" sz="1400" b="1" dirty="0">
@@ -21630,50 +21486,62 @@
                       <a:r>
                         <a:rPr lang="en-US" sz="1400" b="0" dirty="0">
                           <a:solidFill>
-                            <a:srgbClr val="FF0000"/>
+                            <a:srgbClr val="000000"/>
                           </a:solidFill>
                           <a:highlight>
                             <a:srgbClr val="FFFFFF"/>
                           </a:highlight>
                           <a:latin typeface="Courier New" panose="02070309020205020404" pitchFamily="49" charset="0"/>
                         </a:rPr>
-                        <a:t>3</a:t>
-                      </a:r>
-                      <a:r>
-                        <a:rPr lang="en-US" sz="1400" b="1" dirty="0">
-                          <a:solidFill>
-                            <a:srgbClr val="000080"/>
+                        <a:t> </a:t>
+                      </a:r>
+                      <a:r>
+                        <a:rPr lang="en-US" sz="1400" b="0" dirty="0">
+                          <a:solidFill>
+                            <a:srgbClr val="808080"/>
                           </a:solidFill>
                           <a:highlight>
                             <a:srgbClr val="FFFFFF"/>
                           </a:highlight>
                           <a:latin typeface="Courier New" panose="02070309020205020404" pitchFamily="49" charset="0"/>
                         </a:rPr>
-                        <a:t>)</a:t>
-                      </a:r>
-                      <a:r>
-                        <a:rPr lang="en-US" sz="1400" b="0" dirty="0">
-                          <a:solidFill>
-                            <a:srgbClr val="000000"/>
+                        <a:t>"5.7"</a:t>
+                      </a:r>
+                      <a:r>
+                        <a:rPr lang="en-US" sz="1400" b="1" dirty="0">
+                          <a:solidFill>
+                            <a:srgbClr val="000080"/>
                           </a:solidFill>
                           <a:highlight>
                             <a:srgbClr val="FFFFFF"/>
                           </a:highlight>
                           <a:latin typeface="Courier New" panose="02070309020205020404" pitchFamily="49" charset="0"/>
                         </a:rPr>
-                        <a:t> </a:t>
+                        <a:t>)</a:t>
                       </a:r>
                       <a:r>
                         <a:rPr lang="en-US" sz="1400" b="0" dirty="0">
                           <a:solidFill>
-                            <a:srgbClr val="008000"/>
+                            <a:srgbClr val="000000"/>
                           </a:solidFill>
                           <a:highlight>
                             <a:srgbClr val="FFFFFF"/>
                           </a:highlight>
                           <a:latin typeface="Courier New" panose="02070309020205020404" pitchFamily="49" charset="0"/>
                         </a:rPr>
-                        <a:t># point2 is an object</a:t>
+                        <a:t> </a:t>
+                      </a:r>
+                      <a:r>
+                        <a:rPr lang="en-US" sz="1400" b="0" dirty="0">
+                          <a:solidFill>
+                            <a:srgbClr val="008000"/>
+                          </a:solidFill>
+                          <a:highlight>
+                            <a:srgbClr val="FFFFFF"/>
+                          </a:highlight>
+                          <a:latin typeface="Courier New" panose="02070309020205020404" pitchFamily="49" charset="0"/>
+                        </a:rPr>
+                        <a:t># person2 is an object</a:t>
                       </a:r>
                       <a:endParaRPr lang="en-US" sz="1400" b="0" dirty="0">
                         <a:solidFill>
@@ -21697,6 +21565,18 @@
                       </a:endParaRPr>
                     </a:p>
                     <a:p>
+                      <a:r>
+                        <a:rPr lang="en-US" sz="1400" b="0" dirty="0">
+                          <a:solidFill>
+                            <a:srgbClr val="008000"/>
+                          </a:solidFill>
+                          <a:highlight>
+                            <a:srgbClr val="FFFFFF"/>
+                          </a:highlight>
+                          <a:latin typeface="Courier New" panose="02070309020205020404" pitchFamily="49" charset="0"/>
+                        </a:rPr>
+                        <a:t># Call the methods</a:t>
+                      </a:r>
                       <a:endParaRPr lang="en-US" sz="1400" b="0" dirty="0">
                         <a:solidFill>
                           <a:srgbClr val="000000"/>
@@ -21711,74 +21591,65 @@
                       <a:r>
                         <a:rPr lang="en-US" sz="1400" b="0" dirty="0">
                           <a:solidFill>
-                            <a:srgbClr val="008000"/>
+                            <a:srgbClr val="000000"/>
                           </a:solidFill>
                           <a:highlight>
                             <a:srgbClr val="FFFFFF"/>
                           </a:highlight>
                           <a:latin typeface="Courier New" panose="02070309020205020404" pitchFamily="49" charset="0"/>
                         </a:rPr>
-                        <a:t># Call the methods</a:t>
-                      </a:r>
-                      <a:endParaRPr lang="en-US" sz="1400" b="0" dirty="0">
-                        <a:solidFill>
-                          <a:srgbClr val="000000"/>
-                        </a:solidFill>
-                        <a:highlight>
-                          <a:srgbClr val="FFFFFF"/>
-                        </a:highlight>
-                        <a:latin typeface="Courier New" panose="02070309020205020404" pitchFamily="49" charset="0"/>
-                      </a:endParaRPr>
-                    </a:p>
-                    <a:p>
-                      <a:r>
-                        <a:rPr lang="en-US" sz="1400" b="0" dirty="0">
-                          <a:solidFill>
-                            <a:srgbClr val="000000"/>
+                        <a:t>person1</a:t>
+                      </a:r>
+                      <a:r>
+                        <a:rPr lang="en-US" sz="1400" b="1" dirty="0">
+                          <a:solidFill>
+                            <a:srgbClr val="000080"/>
                           </a:solidFill>
                           <a:highlight>
                             <a:srgbClr val="FFFFFF"/>
                           </a:highlight>
                           <a:latin typeface="Courier New" panose="02070309020205020404" pitchFamily="49" charset="0"/>
                         </a:rPr>
-                        <a:t>point1</a:t>
-                      </a:r>
-                      <a:r>
-                        <a:rPr lang="en-US" sz="1400" b="1" dirty="0">
-                          <a:solidFill>
-                            <a:srgbClr val="000080"/>
+                        <a:t>.</a:t>
+                      </a:r>
+                      <a:r>
+                        <a:rPr lang="en-US" sz="1400" b="0" dirty="0">
+                          <a:solidFill>
+                            <a:srgbClr val="000000"/>
                           </a:solidFill>
                           <a:highlight>
                             <a:srgbClr val="FFFFFF"/>
                           </a:highlight>
                           <a:latin typeface="Courier New" panose="02070309020205020404" pitchFamily="49" charset="0"/>
                         </a:rPr>
-                        <a:t>.</a:t>
-                      </a:r>
-                      <a:r>
-                        <a:rPr lang="en-US" sz="1400" b="0" dirty="0">
-                          <a:solidFill>
-                            <a:srgbClr val="000000"/>
+                        <a:t>display</a:t>
+                      </a:r>
+                      <a:r>
+                        <a:rPr lang="en-US" sz="1400" b="1" dirty="0">
+                          <a:solidFill>
+                            <a:srgbClr val="000080"/>
                           </a:solidFill>
                           <a:highlight>
                             <a:srgbClr val="FFFFFF"/>
                           </a:highlight>
                           <a:latin typeface="Courier New" panose="02070309020205020404" pitchFamily="49" charset="0"/>
                         </a:rPr>
-                        <a:t>display</a:t>
-                      </a:r>
-                      <a:r>
-                        <a:rPr lang="en-US" sz="1400" b="1" dirty="0">
-                          <a:solidFill>
-                            <a:srgbClr val="000080"/>
+                        <a:t>()</a:t>
+                      </a:r>
+                      <a:r>
+                        <a:rPr lang="en-US" sz="1400" b="0" dirty="0">
+                          <a:solidFill>
+                            <a:srgbClr val="000000"/>
                           </a:solidFill>
                           <a:highlight>
                             <a:srgbClr val="FFFFFF"/>
                           </a:highlight>
                           <a:latin typeface="Courier New" panose="02070309020205020404" pitchFamily="49" charset="0"/>
                         </a:rPr>
-                        <a:t>()</a:t>
-                      </a:r>
+                        <a:t> </a:t>
+                      </a:r>
+                    </a:p>
+                    <a:p>
                       <a:r>
                         <a:rPr lang="en-US" sz="1400" b="0" dirty="0">
                           <a:solidFill>
@@ -21789,21 +21660,7 @@
                           </a:highlight>
                           <a:latin typeface="Courier New" panose="02070309020205020404" pitchFamily="49" charset="0"/>
                         </a:rPr>
-                        <a:t> </a:t>
-                      </a:r>
-                    </a:p>
-                    <a:p>
-                      <a:r>
-                        <a:rPr lang="en-US" sz="1400" b="0" dirty="0">
-                          <a:solidFill>
-                            <a:srgbClr val="000000"/>
-                          </a:solidFill>
-                          <a:highlight>
-                            <a:srgbClr val="FFFFFF"/>
-                          </a:highlight>
-                          <a:latin typeface="Courier New" panose="02070309020205020404" pitchFamily="49" charset="0"/>
-                        </a:rPr>
-                        <a:t>point2</a:t>
+                        <a:t>person2</a:t>
                       </a:r>
                       <a:r>
                         <a:rPr lang="en-US" sz="1400" b="1" dirty="0">
@@ -22620,7 +22477,7 @@
                 <a:latin typeface="Arial" panose="020B0604020202020204" pitchFamily="34" charset="0"/>
                 <a:cs typeface="Arial" panose="020B0604020202020204" pitchFamily="34" charset="0"/>
               </a:rPr>
-              <a:t>What is Object </a:t>
+              <a:t>Object </a:t>
             </a:r>
             <a:r>
               <a:rPr lang="en-US" sz="2000" b="1" dirty="0">
@@ -22632,13 +22489,10 @@
               </a:rPr>
               <a:t>state</a:t>
             </a:r>
-            <a:r>
-              <a:rPr lang="en-US" sz="2000" b="1" dirty="0">
-                <a:latin typeface="Arial" panose="020B0604020202020204" pitchFamily="34" charset="0"/>
-                <a:cs typeface="Arial" panose="020B0604020202020204" pitchFamily="34" charset="0"/>
-              </a:rPr>
-              <a:t>?</a:t>
-            </a:r>
+            <a:endParaRPr lang="en-US" sz="2000" b="1" dirty="0">
+              <a:latin typeface="Arial" panose="020B0604020202020204" pitchFamily="34" charset="0"/>
+              <a:cs typeface="Arial" panose="020B0604020202020204" pitchFamily="34" charset="0"/>
+            </a:endParaRPr>
           </a:p>
           <a:p>
             <a:pPr lvl="1">
@@ -22722,14 +22576,14 @@
           <p:nvPr>
             <p:extLst>
               <p:ext uri="{D42A27DB-BD31-4B8C-83A1-F6EECF244321}">
-                <p14:modId xmlns:p14="http://schemas.microsoft.com/office/powerpoint/2010/main" val="322925679"/>
+                <p14:modId xmlns:p14="http://schemas.microsoft.com/office/powerpoint/2010/main" val="1469417603"/>
               </p:ext>
             </p:extLst>
           </p:nvPr>
         </p:nvGraphicFramePr>
         <p:xfrm>
-          <a:off x="5733100" y="2234879"/>
-          <a:ext cx="5842000" cy="3832949"/>
+          <a:off x="5214937" y="1903097"/>
+          <a:ext cx="6360163" cy="3832949"/>
         </p:xfrm>
         <a:graphic>
           <a:graphicData uri="http://schemas.openxmlformats.org/drawingml/2006/table">
@@ -22738,7 +22592,7 @@
                 <a:tableStyleId>{5A111915-BE36-4E01-A7E5-04B1672EAD32}</a:tableStyleId>
               </a:tblPr>
               <a:tblGrid>
-                <a:gridCol w="5842000">
+                <a:gridCol w="6360163">
                   <a:extLst>
                     <a:ext uri="{9D8B030D-6E8A-4147-A177-3AD203B41FA5}">
                       <a16:colId xmlns:a16="http://schemas.microsoft.com/office/drawing/2014/main" val="1402622584"/>
@@ -22806,7 +22660,7 @@
                           </a:highlight>
                           <a:latin typeface="Courier New" panose="02070309020205020404" pitchFamily="49" charset="0"/>
                         </a:rPr>
-                        <a:t>Point</a:t>
+                        <a:t>Person</a:t>
                       </a:r>
                       <a:r>
                         <a:rPr lang="en-US" sz="1400" b="1" dirty="0">
@@ -22995,7 +22849,7 @@
                           </a:highlight>
                           <a:latin typeface="Courier New" panose="02070309020205020404" pitchFamily="49" charset="0"/>
                         </a:rPr>
-                        <a:t> x</a:t>
+                        <a:t> name</a:t>
                       </a:r>
                       <a:r>
                         <a:rPr lang="en-US" sz="1400" b="1" dirty="0">
@@ -23019,7 +22873,7 @@
                           </a:highlight>
                           <a:latin typeface="Courier New" panose="02070309020205020404" pitchFamily="49" charset="0"/>
                         </a:rPr>
-                        <a:t> y</a:t>
+                        <a:t> height</a:t>
                       </a:r>
                       <a:r>
                         <a:rPr lang="en-US" sz="1400" b="1" dirty="0">
@@ -23078,43 +22932,43 @@
                           </a:highlight>
                           <a:latin typeface="Courier New" panose="02070309020205020404" pitchFamily="49" charset="0"/>
                         </a:rPr>
-                        <a:t>        </a:t>
-                      </a:r>
-                      <a:r>
-                        <a:rPr lang="en-US" sz="1400" b="0" dirty="0" err="1">
-                          <a:solidFill>
-                            <a:srgbClr val="000000"/>
+                        <a:t>        self</a:t>
+                      </a:r>
+                      <a:r>
+                        <a:rPr lang="en-US" sz="1400" b="1" dirty="0">
+                          <a:solidFill>
+                            <a:srgbClr val="000080"/>
                           </a:solidFill>
                           <a:highlight>
                             <a:srgbClr val="FFFFFF"/>
                           </a:highlight>
                           <a:latin typeface="Courier New" panose="02070309020205020404" pitchFamily="49" charset="0"/>
                         </a:rPr>
-                        <a:t>self</a:t>
-                      </a:r>
-                      <a:r>
-                        <a:rPr lang="en-US" sz="1400" b="1" dirty="0" err="1">
-                          <a:solidFill>
-                            <a:srgbClr val="000080"/>
+                        <a:t>.</a:t>
+                      </a:r>
+                      <a:r>
+                        <a:rPr lang="en-US" sz="1400" b="0" dirty="0">
+                          <a:solidFill>
+                            <a:srgbClr val="000000"/>
                           </a:solidFill>
                           <a:highlight>
                             <a:srgbClr val="FFFFFF"/>
                           </a:highlight>
                           <a:latin typeface="Courier New" panose="02070309020205020404" pitchFamily="49" charset="0"/>
                         </a:rPr>
-                        <a:t>.</a:t>
-                      </a:r>
-                      <a:r>
-                        <a:rPr lang="en-US" sz="1400" b="0" dirty="0" err="1">
-                          <a:solidFill>
-                            <a:srgbClr val="000000"/>
+                        <a:t>name </a:t>
+                      </a:r>
+                      <a:r>
+                        <a:rPr lang="en-US" sz="1400" b="1" dirty="0">
+                          <a:solidFill>
+                            <a:srgbClr val="000080"/>
                           </a:solidFill>
                           <a:highlight>
                             <a:srgbClr val="FFFFFF"/>
                           </a:highlight>
                           <a:latin typeface="Courier New" panose="02070309020205020404" pitchFamily="49" charset="0"/>
                         </a:rPr>
-                        <a:t>x</a:t>
+                        <a:t>=</a:t>
                       </a:r>
                       <a:r>
                         <a:rPr lang="en-US" sz="1400" b="0" dirty="0">
@@ -23126,43 +22980,19 @@
                           </a:highlight>
                           <a:latin typeface="Courier New" panose="02070309020205020404" pitchFamily="49" charset="0"/>
                         </a:rPr>
-                        <a:t> </a:t>
-                      </a:r>
-                      <a:r>
-                        <a:rPr lang="en-US" sz="1400" b="1" dirty="0">
-                          <a:solidFill>
-                            <a:srgbClr val="000080"/>
+                        <a:t> name	</a:t>
+                      </a:r>
+                      <a:r>
+                        <a:rPr lang="en-US" sz="1400" b="0" dirty="0">
+                          <a:solidFill>
+                            <a:srgbClr val="008000"/>
                           </a:solidFill>
                           <a:highlight>
                             <a:srgbClr val="FFFFFF"/>
                           </a:highlight>
                           <a:latin typeface="Courier New" panose="02070309020205020404" pitchFamily="49" charset="0"/>
                         </a:rPr>
-                        <a:t>=</a:t>
-                      </a:r>
-                      <a:r>
-                        <a:rPr lang="en-US" sz="1400" b="0" dirty="0">
-                          <a:solidFill>
-                            <a:srgbClr val="000000"/>
-                          </a:solidFill>
-                          <a:highlight>
-                            <a:srgbClr val="FFFFFF"/>
-                          </a:highlight>
-                          <a:latin typeface="Courier New" panose="02070309020205020404" pitchFamily="49" charset="0"/>
-                        </a:rPr>
-                        <a:t> x	</a:t>
-                      </a:r>
-                      <a:r>
-                        <a:rPr lang="en-US" sz="1400" b="0" dirty="0">
-                          <a:solidFill>
-                            <a:srgbClr val="008000"/>
-                          </a:solidFill>
-                          <a:highlight>
-                            <a:srgbClr val="FFFFFF"/>
-                          </a:highlight>
-                          <a:latin typeface="Courier New" panose="02070309020205020404" pitchFamily="49" charset="0"/>
-                        </a:rPr>
-                        <a:t># variable (or state) 'x'</a:t>
+                        <a:t># state</a:t>
                       </a:r>
                       <a:endParaRPr lang="en-US" sz="1400" b="0" dirty="0">
                         <a:solidFill>
@@ -23221,7 +23051,7 @@
                           </a:highlight>
                           <a:latin typeface="Courier New" panose="02070309020205020404" pitchFamily="49" charset="0"/>
                         </a:rPr>
-                        <a:t>y</a:t>
+                        <a:t>height</a:t>
                       </a:r>
                       <a:r>
                         <a:rPr lang="en-US" sz="1400" b="0" dirty="0">
@@ -23257,7 +23087,7 @@
                           </a:highlight>
                           <a:latin typeface="Courier New" panose="02070309020205020404" pitchFamily="49" charset="0"/>
                         </a:rPr>
-                        <a:t> y	</a:t>
+                        <a:t> height </a:t>
                       </a:r>
                       <a:r>
                         <a:rPr lang="en-US" sz="1400" b="0" dirty="0">
@@ -23269,7 +23099,7 @@
                           </a:highlight>
                           <a:latin typeface="Courier New" panose="02070309020205020404" pitchFamily="49" charset="0"/>
                         </a:rPr>
-                        <a:t># variable (or state) 'y’</a:t>
+                        <a:t># state</a:t>
                       </a:r>
                       <a:endParaRPr lang="en-US" sz="1400" b="0" dirty="0">
                         <a:solidFill>
@@ -23458,55 +23288,55 @@
                           </a:highlight>
                           <a:latin typeface="Courier New" panose="02070309020205020404" pitchFamily="49" charset="0"/>
                         </a:rPr>
-                        <a:t>'(%</a:t>
-                      </a:r>
-                      <a:r>
-                        <a:rPr lang="en-US" sz="1400" b="0" dirty="0" err="1">
-                          <a:solidFill>
-                            <a:srgbClr val="808080"/>
+                        <a:t>'(Name=%s, Height=%s)'</a:t>
+                      </a:r>
+                      <a:r>
+                        <a:rPr lang="en-US" sz="1400" b="0" dirty="0">
+                          <a:solidFill>
+                            <a:srgbClr val="000000"/>
                           </a:solidFill>
                           <a:highlight>
                             <a:srgbClr val="FFFFFF"/>
                           </a:highlight>
                           <a:latin typeface="Courier New" panose="02070309020205020404" pitchFamily="49" charset="0"/>
                         </a:rPr>
-                        <a:t>i</a:t>
-                      </a:r>
-                      <a:r>
-                        <a:rPr lang="en-US" sz="1400" b="0" dirty="0">
-                          <a:solidFill>
-                            <a:srgbClr val="808080"/>
+                        <a:t> </a:t>
+                      </a:r>
+                      <a:r>
+                        <a:rPr lang="en-US" sz="1400" b="1" dirty="0">
+                          <a:solidFill>
+                            <a:srgbClr val="000080"/>
                           </a:solidFill>
                           <a:highlight>
                             <a:srgbClr val="FFFFFF"/>
                           </a:highlight>
                           <a:latin typeface="Courier New" panose="02070309020205020404" pitchFamily="49" charset="0"/>
                         </a:rPr>
-                        <a:t>, %</a:t>
-                      </a:r>
-                      <a:r>
-                        <a:rPr lang="en-US" sz="1400" b="0" dirty="0" err="1">
-                          <a:solidFill>
-                            <a:srgbClr val="808080"/>
+                        <a:t>%(</a:t>
+                      </a:r>
+                      <a:r>
+                        <a:rPr lang="en-US" sz="1400" b="0" dirty="0">
+                          <a:solidFill>
+                            <a:srgbClr val="000000"/>
                           </a:solidFill>
                           <a:highlight>
                             <a:srgbClr val="FFFFFF"/>
                           </a:highlight>
                           <a:latin typeface="Courier New" panose="02070309020205020404" pitchFamily="49" charset="0"/>
                         </a:rPr>
-                        <a:t>i</a:t>
-                      </a:r>
-                      <a:r>
-                        <a:rPr lang="en-US" sz="1400" b="0" dirty="0">
-                          <a:solidFill>
-                            <a:srgbClr val="808080"/>
+                        <a:t>self</a:t>
+                      </a:r>
+                      <a:r>
+                        <a:rPr lang="en-US" sz="1400" b="1" dirty="0">
+                          <a:solidFill>
+                            <a:srgbClr val="000080"/>
                           </a:solidFill>
                           <a:highlight>
                             <a:srgbClr val="FFFFFF"/>
                           </a:highlight>
                           <a:latin typeface="Courier New" panose="02070309020205020404" pitchFamily="49" charset="0"/>
                         </a:rPr>
-                        <a:t>)'</a:t>
+                        <a:t>.</a:t>
                       </a:r>
                       <a:r>
                         <a:rPr lang="en-US" sz="1400" b="0" dirty="0">
@@ -23518,7 +23348,7 @@
                           </a:highlight>
                           <a:latin typeface="Courier New" panose="02070309020205020404" pitchFamily="49" charset="0"/>
                         </a:rPr>
-                        <a:t> </a:t>
+                        <a:t>name</a:t>
                       </a:r>
                       <a:r>
                         <a:rPr lang="en-US" sz="1400" b="1" dirty="0">
@@ -23530,10 +23360,10 @@
                           </a:highlight>
                           <a:latin typeface="Courier New" panose="02070309020205020404" pitchFamily="49" charset="0"/>
                         </a:rPr>
-                        <a:t>%(</a:t>
-                      </a:r>
-                      <a:r>
-                        <a:rPr lang="en-US" sz="1400" b="0" dirty="0" err="1">
+                        <a:t>,</a:t>
+                      </a:r>
+                      <a:r>
+                        <a:rPr lang="en-US" sz="1400" b="0" dirty="0">
                           <a:solidFill>
                             <a:srgbClr val="000000"/>
                           </a:solidFill>
@@ -23542,91 +23372,43 @@
                           </a:highlight>
                           <a:latin typeface="Courier New" panose="02070309020205020404" pitchFamily="49" charset="0"/>
                         </a:rPr>
-                        <a:t>self</a:t>
-                      </a:r>
-                      <a:r>
-                        <a:rPr lang="en-US" sz="1400" b="1" dirty="0" err="1">
-                          <a:solidFill>
-                            <a:srgbClr val="000080"/>
+                        <a:t> </a:t>
+                      </a:r>
+                      <a:r>
+                        <a:rPr lang="en-US" sz="1400" b="0" dirty="0" err="1">
+                          <a:solidFill>
+                            <a:srgbClr val="000000"/>
                           </a:solidFill>
                           <a:highlight>
                             <a:srgbClr val="FFFFFF"/>
                           </a:highlight>
                           <a:latin typeface="Courier New" panose="02070309020205020404" pitchFamily="49" charset="0"/>
                         </a:rPr>
-                        <a:t>.</a:t>
-                      </a:r>
-                      <a:r>
-                        <a:rPr lang="en-US" sz="1400" b="0" dirty="0" err="1">
-                          <a:solidFill>
-                            <a:srgbClr val="000000"/>
+                        <a:t>self</a:t>
+                      </a:r>
+                      <a:r>
+                        <a:rPr lang="en-US" sz="1400" b="1" dirty="0" err="1">
+                          <a:solidFill>
+                            <a:srgbClr val="000080"/>
                           </a:solidFill>
                           <a:highlight>
                             <a:srgbClr val="FFFFFF"/>
                           </a:highlight>
                           <a:latin typeface="Courier New" panose="02070309020205020404" pitchFamily="49" charset="0"/>
                         </a:rPr>
-                        <a:t>x</a:t>
-                      </a:r>
-                      <a:r>
-                        <a:rPr lang="en-US" sz="1400" b="1" dirty="0">
-                          <a:solidFill>
-                            <a:srgbClr val="000080"/>
+                        <a:t>.</a:t>
+                      </a:r>
+                      <a:r>
+                        <a:rPr lang="en-US" sz="1400" b="0" dirty="0" err="1">
+                          <a:solidFill>
+                            <a:srgbClr val="000000"/>
                           </a:solidFill>
                           <a:highlight>
                             <a:srgbClr val="FFFFFF"/>
                           </a:highlight>
                           <a:latin typeface="Courier New" panose="02070309020205020404" pitchFamily="49" charset="0"/>
                         </a:rPr>
-                        <a:t>,</a:t>
-                      </a:r>
-                      <a:r>
-                        <a:rPr lang="en-US" sz="1400" b="0" dirty="0">
-                          <a:solidFill>
-                            <a:srgbClr val="000000"/>
-                          </a:solidFill>
-                          <a:highlight>
-                            <a:srgbClr val="FFFFFF"/>
-                          </a:highlight>
-                          <a:latin typeface="Courier New" panose="02070309020205020404" pitchFamily="49" charset="0"/>
-                        </a:rPr>
-                        <a:t> </a:t>
-                      </a:r>
-                      <a:r>
-                        <a:rPr lang="en-US" sz="1400" b="0" dirty="0" err="1">
-                          <a:solidFill>
-                            <a:srgbClr val="000000"/>
-                          </a:solidFill>
-                          <a:highlight>
-                            <a:srgbClr val="FFFFFF"/>
-                          </a:highlight>
-                          <a:latin typeface="Courier New" panose="02070309020205020404" pitchFamily="49" charset="0"/>
-                        </a:rPr>
-                        <a:t>self</a:t>
-                      </a:r>
-                      <a:r>
-                        <a:rPr lang="en-US" sz="1400" b="1" dirty="0" err="1">
-                          <a:solidFill>
-                            <a:srgbClr val="000080"/>
-                          </a:solidFill>
-                          <a:highlight>
-                            <a:srgbClr val="FFFFFF"/>
-                          </a:highlight>
-                          <a:latin typeface="Courier New" panose="02070309020205020404" pitchFamily="49" charset="0"/>
-                        </a:rPr>
-                        <a:t>.</a:t>
-                      </a:r>
-                      <a:r>
-                        <a:rPr lang="en-US" sz="1400" b="0" dirty="0" err="1">
-                          <a:solidFill>
-                            <a:srgbClr val="000000"/>
-                          </a:solidFill>
-                          <a:highlight>
-                            <a:srgbClr val="FFFFFF"/>
-                          </a:highlight>
-                          <a:latin typeface="Courier New" panose="02070309020205020404" pitchFamily="49" charset="0"/>
-                        </a:rPr>
-                        <a:t>y</a:t>
+                        <a:t>height</a:t>
                       </a:r>
                       <a:r>
                         <a:rPr lang="en-US" sz="1400" b="1" dirty="0">
@@ -23699,7 +23481,7 @@
                         <a:t> </a:t>
                       </a:r>
                       <a:r>
-                        <a:rPr lang="en-US" sz="1400" b="0" dirty="0" err="1">
+                        <a:rPr lang="en-US" sz="1400" b="0" dirty="0">
                           <a:solidFill>
                             <a:srgbClr val="FF00FF"/>
                           </a:solidFill>
@@ -23708,7 +23490,7 @@
                           </a:highlight>
                           <a:latin typeface="Courier New" panose="02070309020205020404" pitchFamily="49" charset="0"/>
                         </a:rPr>
-                        <a:t>getX</a:t>
+                        <a:t>eat</a:t>
                       </a:r>
                       <a:r>
                         <a:rPr lang="en-US" sz="1400" b="1" dirty="0">
@@ -23803,55 +23585,7 @@
                           </a:highlight>
                           <a:latin typeface="Courier New" panose="02070309020205020404" pitchFamily="49" charset="0"/>
                         </a:rPr>
-                        <a:t>return</a:t>
-                      </a:r>
-                      <a:r>
-                        <a:rPr lang="en-US" sz="1400" b="0" dirty="0">
-                          <a:solidFill>
-                            <a:srgbClr val="000000"/>
-                          </a:solidFill>
-                          <a:highlight>
-                            <a:srgbClr val="FFFFFF"/>
-                          </a:highlight>
-                          <a:latin typeface="Courier New" panose="02070309020205020404" pitchFamily="49" charset="0"/>
-                        </a:rPr>
-                        <a:t> </a:t>
-                      </a:r>
-                      <a:r>
-                        <a:rPr lang="en-US" sz="1400" b="0" dirty="0" err="1">
-                          <a:solidFill>
-                            <a:srgbClr val="000000"/>
-                          </a:solidFill>
-                          <a:highlight>
-                            <a:srgbClr val="FFFFFF"/>
-                          </a:highlight>
-                          <a:latin typeface="Courier New" panose="02070309020205020404" pitchFamily="49" charset="0"/>
-                        </a:rPr>
-                        <a:t>self</a:t>
-                      </a:r>
-                      <a:r>
-                        <a:rPr lang="en-US" sz="1400" b="1" dirty="0" err="1">
-                          <a:solidFill>
-                            <a:srgbClr val="000080"/>
-                          </a:solidFill>
-                          <a:highlight>
-                            <a:srgbClr val="FFFFFF"/>
-                          </a:highlight>
-                          <a:latin typeface="Courier New" panose="02070309020205020404" pitchFamily="49" charset="0"/>
-                        </a:rPr>
-                        <a:t>.</a:t>
-                      </a:r>
-                      <a:r>
-                        <a:rPr lang="en-US" sz="1400" b="0" dirty="0" err="1">
-                          <a:solidFill>
-                            <a:srgbClr val="000000"/>
-                          </a:solidFill>
-                          <a:highlight>
-                            <a:srgbClr val="FFFFFF"/>
-                          </a:highlight>
-                          <a:latin typeface="Courier New" panose="02070309020205020404" pitchFamily="49" charset="0"/>
-                        </a:rPr>
-                        <a:t>x</a:t>
+                        <a:t>pass</a:t>
                       </a:r>
                       <a:endParaRPr lang="en-US" sz="1400" b="0" dirty="0">
                         <a:solidFill>
@@ -23912,7 +23646,7 @@
                         <a:t> </a:t>
                       </a:r>
                       <a:r>
-                        <a:rPr lang="en-US" sz="1400" b="0" dirty="0" err="1">
+                        <a:rPr lang="en-US" sz="1400" b="0" dirty="0">
                           <a:solidFill>
                             <a:srgbClr val="FF00FF"/>
                           </a:solidFill>
@@ -23921,7 +23655,7 @@
                           </a:highlight>
                           <a:latin typeface="Courier New" panose="02070309020205020404" pitchFamily="49" charset="0"/>
                         </a:rPr>
-                        <a:t>getY</a:t>
+                        <a:t>sleep</a:t>
                       </a:r>
                       <a:r>
                         <a:rPr lang="en-US" sz="1400" b="1" dirty="0">
@@ -24016,55 +23750,7 @@
                           </a:highlight>
                           <a:latin typeface="Courier New" panose="02070309020205020404" pitchFamily="49" charset="0"/>
                         </a:rPr>
-                        <a:t>return</a:t>
-                      </a:r>
-                      <a:r>
-                        <a:rPr lang="en-US" sz="1400" b="0" dirty="0">
-                          <a:solidFill>
-                            <a:srgbClr val="000000"/>
-                          </a:solidFill>
-                          <a:highlight>
-                            <a:srgbClr val="FFFFFF"/>
-                          </a:highlight>
-                          <a:latin typeface="Courier New" panose="02070309020205020404" pitchFamily="49" charset="0"/>
-                        </a:rPr>
-                        <a:t> </a:t>
-                      </a:r>
-                      <a:r>
-                        <a:rPr lang="en-US" sz="1400" b="0" dirty="0" err="1">
-                          <a:solidFill>
-                            <a:srgbClr val="000000"/>
-                          </a:solidFill>
-                          <a:highlight>
-                            <a:srgbClr val="FFFFFF"/>
-                          </a:highlight>
-                          <a:latin typeface="Courier New" panose="02070309020205020404" pitchFamily="49" charset="0"/>
-                        </a:rPr>
-                        <a:t>self</a:t>
-                      </a:r>
-                      <a:r>
-                        <a:rPr lang="en-US" sz="1400" b="1" dirty="0" err="1">
-                          <a:solidFill>
-                            <a:srgbClr val="000080"/>
-                          </a:solidFill>
-                          <a:highlight>
-                            <a:srgbClr val="FFFFFF"/>
-                          </a:highlight>
-                          <a:latin typeface="Courier New" panose="02070309020205020404" pitchFamily="49" charset="0"/>
-                        </a:rPr>
-                        <a:t>.</a:t>
-                      </a:r>
-                      <a:r>
-                        <a:rPr lang="en-US" sz="1400" b="0" dirty="0" err="1">
-                          <a:solidFill>
-                            <a:srgbClr val="000000"/>
-                          </a:solidFill>
-                          <a:highlight>
-                            <a:srgbClr val="FFFFFF"/>
-                          </a:highlight>
-                          <a:latin typeface="Courier New" panose="02070309020205020404" pitchFamily="49" charset="0"/>
-                        </a:rPr>
-                        <a:t>y</a:t>
+                        <a:t>pass</a:t>
                       </a:r>
                       <a:endParaRPr lang="en-US" sz="1400" b="0" dirty="0">
                         <a:solidFill>
@@ -24373,7 +24059,7 @@
                 <a:latin typeface="Arial" panose="020B0604020202020204" pitchFamily="34" charset="0"/>
                 <a:cs typeface="Arial" panose="020B0604020202020204" pitchFamily="34" charset="0"/>
               </a:rPr>
-              <a:t>What is Object </a:t>
+              <a:t>Object </a:t>
             </a:r>
             <a:r>
               <a:rPr lang="en-US" sz="2000" b="1" dirty="0">
@@ -24385,13 +24071,10 @@
               </a:rPr>
               <a:t>behavior</a:t>
             </a:r>
-            <a:r>
-              <a:rPr lang="en-US" sz="2000" b="1" dirty="0">
-                <a:latin typeface="Arial" panose="020B0604020202020204" pitchFamily="34" charset="0"/>
-                <a:cs typeface="Arial" panose="020B0604020202020204" pitchFamily="34" charset="0"/>
-              </a:rPr>
-              <a:t>?</a:t>
-            </a:r>
+            <a:endParaRPr lang="en-US" sz="2000" b="1" dirty="0">
+              <a:latin typeface="Arial" panose="020B0604020202020204" pitchFamily="34" charset="0"/>
+              <a:cs typeface="Arial" panose="020B0604020202020204" pitchFamily="34" charset="0"/>
+            </a:endParaRPr>
           </a:p>
           <a:p>
             <a:pPr lvl="1">
@@ -24449,7 +24132,7 @@
         </p:nvSpPr>
         <p:spPr>
           <a:xfrm>
-            <a:off x="5310187" y="3190351"/>
+            <a:off x="5214937" y="2886306"/>
             <a:ext cx="4930138" cy="765216"/>
           </a:xfrm>
           <a:prstGeom prst="ellipse">
@@ -24501,8 +24184,8 @@
         </p:nvSpPr>
         <p:spPr>
           <a:xfrm>
-            <a:off x="5429250" y="4564858"/>
-            <a:ext cx="5196838" cy="1360594"/>
+            <a:off x="4900612" y="4471478"/>
+            <a:ext cx="4749163" cy="1360594"/>
           </a:xfrm>
           <a:prstGeom prst="ellipse">
             <a:avLst/>
@@ -24913,7 +24596,7 @@
                 </a:solidFill>
                 <a:latin typeface="+mn-lt"/>
               </a:rPr>
-              <a:t>Using existing modules</a:t>
+              <a:t>Using modules</a:t>
             </a:r>
           </a:p>
         </p:txBody>
@@ -26009,7 +25692,7 @@
                 </a:solidFill>
                 <a:latin typeface="+mn-lt"/>
               </a:rPr>
-              <a:t>Using existing modules - example</a:t>
+              <a:t>Using modules - example</a:t>
             </a:r>
           </a:p>
         </p:txBody>
@@ -31170,30 +30853,7 @@
                 <a:latin typeface="Arial" panose="020B0604020202020204" pitchFamily="34" charset="0"/>
                 <a:cs typeface="Arial" panose="020B0604020202020204" pitchFamily="34" charset="0"/>
               </a:rPr>
-              <a:t>Printing output </a:t>
-            </a:r>
-          </a:p>
-          <a:p>
-            <a:pPr>
-              <a:lnSpc>
-                <a:spcPct val="120000"/>
-              </a:lnSpc>
-              <a:spcBef>
-                <a:spcPts val="0"/>
-              </a:spcBef>
-              <a:spcAft>
-                <a:spcPts val="0"/>
-              </a:spcAft>
-            </a:pPr>
-            <a:r>
-              <a:rPr lang="en-US" sz="1750" dirty="0">
-                <a:solidFill>
-                  <a:schemeClr val="tx1"/>
-                </a:solidFill>
-                <a:latin typeface="Arial" panose="020B0604020202020204" pitchFamily="34" charset="0"/>
-                <a:cs typeface="Arial" panose="020B0604020202020204" pitchFamily="34" charset="0"/>
-              </a:rPr>
-              <a:t>Taking Input</a:t>
+              <a:t>Input &amp; Output </a:t>
             </a:r>
           </a:p>
           <a:p>
@@ -31334,16 +30994,13 @@
                 <a:spcPts val="0"/>
               </a:spcAft>
             </a:pPr>
-            <a:r>
-              <a:rPr lang="en-US" sz="1750" dirty="0">
-                <a:solidFill>
-                  <a:schemeClr val="tx1"/>
-                </a:solidFill>
-                <a:latin typeface="Arial" panose="020B0604020202020204" pitchFamily="34" charset="0"/>
-                <a:cs typeface="Arial" panose="020B0604020202020204" pitchFamily="34" charset="0"/>
-              </a:rPr>
-              <a:t>Conditional Control Flow: if, for &amp; while</a:t>
-            </a:r>
+            <a:endParaRPr lang="en-US" sz="1750" dirty="0">
+              <a:solidFill>
+                <a:schemeClr val="tx1"/>
+              </a:solidFill>
+              <a:latin typeface="Arial" panose="020B0604020202020204" pitchFamily="34" charset="0"/>
+              <a:cs typeface="Arial" panose="020B0604020202020204" pitchFamily="34" charset="0"/>
+            </a:endParaRPr>
           </a:p>
           <a:p>
             <a:pPr>
@@ -31377,26 +31034,6 @@
                 <a:spcPts val="0"/>
               </a:spcAft>
             </a:pPr>
-            <a:endParaRPr lang="en-US" sz="1750" dirty="0">
-              <a:solidFill>
-                <a:schemeClr val="tx1"/>
-              </a:solidFill>
-              <a:latin typeface="Arial" panose="020B0604020202020204" pitchFamily="34" charset="0"/>
-              <a:cs typeface="Arial" panose="020B0604020202020204" pitchFamily="34" charset="0"/>
-            </a:endParaRPr>
-          </a:p>
-          <a:p>
-            <a:pPr>
-              <a:lnSpc>
-                <a:spcPct val="120000"/>
-              </a:lnSpc>
-              <a:spcBef>
-                <a:spcPts val="0"/>
-              </a:spcBef>
-              <a:spcAft>
-                <a:spcPts val="0"/>
-              </a:spcAft>
-            </a:pPr>
             <a:r>
               <a:rPr lang="en-US" sz="1750" dirty="0">
                 <a:solidFill>
@@ -31468,7 +31105,7 @@
                 <a:latin typeface="Arial" panose="020B0604020202020204" pitchFamily="34" charset="0"/>
                 <a:cs typeface="Arial" panose="020B0604020202020204" pitchFamily="34" charset="0"/>
               </a:rPr>
-              <a:t>Using existing modules &amp; Exception Handling: An example</a:t>
+              <a:t>Using modules &amp; Exception Handling: An example</a:t>
             </a:r>
           </a:p>
           <a:p>
@@ -31881,15 +31518,33 @@
                                   </p:childTnLst>
                                 </p:cTn>
                               </p:par>
+                            </p:childTnLst>
+                          </p:cTn>
+                        </p:par>
+                      </p:childTnLst>
+                    </p:cTn>
+                  </p:par>
+                  <p:par>
+                    <p:cTn id="23" fill="hold">
+                      <p:stCondLst>
+                        <p:cond delay="indefinite"/>
+                      </p:stCondLst>
+                      <p:childTnLst>
+                        <p:par>
+                          <p:cTn id="24" fill="hold">
+                            <p:stCondLst>
+                              <p:cond delay="0"/>
+                            </p:stCondLst>
+                            <p:childTnLst>
                               <p:par>
-                                <p:cTn id="23" presetID="2" presetClass="entr" presetSubtype="4" fill="hold" nodeType="withEffect">
+                                <p:cTn id="25" presetID="1" presetClass="entr" presetSubtype="0" fill="hold" nodeType="clickEffect">
                                   <p:stCondLst>
                                     <p:cond delay="0"/>
                                   </p:stCondLst>
                                   <p:childTnLst>
                                     <p:set>
                                       <p:cBhvr>
-                                        <p:cTn id="24" dur="1" fill="hold">
+                                        <p:cTn id="26" dur="1" fill="hold">
                                           <p:stCondLst>
                                             <p:cond delay="0"/>
                                           </p:stCondLst>
@@ -31897,7 +31552,56 @@
                                         <p:tgtEl>
                                           <p:spTgt spid="3">
                                             <p:txEl>
-                                              <p:pRg st="6" end="6"/>
+                                              <p:pRg st="8" end="8"/>
+                                            </p:txEl>
+                                          </p:spTgt>
+                                        </p:tgtEl>
+                                        <p:attrNameLst>
+                                          <p:attrName>style.visibility</p:attrName>
+                                        </p:attrNameLst>
+                                      </p:cBhvr>
+                                      <p:to>
+                                        <p:strVal val="visible"/>
+                                      </p:to>
+                                    </p:set>
+                                  </p:childTnLst>
+                                </p:cTn>
+                              </p:par>
+                            </p:childTnLst>
+                          </p:cTn>
+                        </p:par>
+                      </p:childTnLst>
+                    </p:cTn>
+                  </p:par>
+                  <p:par>
+                    <p:cTn id="27" fill="hold">
+                      <p:stCondLst>
+                        <p:cond delay="indefinite"/>
+                      </p:stCondLst>
+                      <p:childTnLst>
+                        <p:par>
+                          <p:cTn id="28" fill="hold">
+                            <p:stCondLst>
+                              <p:cond delay="0"/>
+                            </p:stCondLst>
+                            <p:childTnLst>
+                              <p:par>
+                                <p:cTn id="29" presetID="2" presetClass="entr" presetSubtype="4" fill="hold" nodeType="clickEffect">
+                                  <p:stCondLst>
+                                    <p:cond delay="0"/>
+                                  </p:stCondLst>
+                                  <p:childTnLst>
+                                    <p:set>
+                                      <p:cBhvr>
+                                        <p:cTn id="30" dur="1" fill="hold">
+                                          <p:stCondLst>
+                                            <p:cond delay="0"/>
+                                          </p:stCondLst>
+                                        </p:cTn>
+                                        <p:tgtEl>
+                                          <p:spTgt spid="3">
+                                            <p:txEl>
+                                              <p:pRg st="11" end="11"/>
                                             </p:txEl>
                                           </p:spTgt>
                                         </p:tgtEl>
@@ -31911,11 +31615,11 @@
                                     </p:set>
                                     <p:anim calcmode="lin" valueType="num">
                                       <p:cBhvr additive="base">
-                                        <p:cTn id="25" dur="500" fill="hold"/>
+                                        <p:cTn id="31" dur="500" fill="hold"/>
                                         <p:tgtEl>
                                           <p:spTgt spid="3">
                                             <p:txEl>
-                                              <p:pRg st="6" end="6"/>
+                                              <p:pRg st="11" end="11"/>
                                             </p:txEl>
                                           </p:spTgt>
                                         </p:tgtEl>
@@ -31938,11 +31642,11 @@
                                     </p:anim>
                                     <p:anim calcmode="lin" valueType="num">
                                       <p:cBhvr additive="base">
-                                        <p:cTn id="26" dur="500" fill="hold"/>
+                                        <p:cTn id="32" dur="500" fill="hold"/>
                                         <p:tgtEl>
                                           <p:spTgt spid="3">
                                             <p:txEl>
-                                              <p:pRg st="6" end="6"/>
+                                              <p:pRg st="11" end="11"/>
                                             </p:txEl>
                                           </p:spTgt>
                                         </p:tgtEl>
@@ -31973,26 +31677,26 @@
                     </p:cTn>
                   </p:par>
                   <p:par>
-                    <p:cTn id="27" fill="hold">
+                    <p:cTn id="33" fill="hold">
                       <p:stCondLst>
                         <p:cond delay="indefinite"/>
                       </p:stCondLst>
                       <p:childTnLst>
                         <p:par>
-                          <p:cTn id="28" fill="hold">
+                          <p:cTn id="34" fill="hold">
                             <p:stCondLst>
                               <p:cond delay="0"/>
                             </p:stCondLst>
                             <p:childTnLst>
                               <p:par>
-                                <p:cTn id="29" presetID="1" presetClass="entr" presetSubtype="0" fill="hold" nodeType="clickEffect">
+                                <p:cTn id="35" presetID="1" presetClass="entr" presetSubtype="0" fill="hold" nodeType="clickEffect">
                                   <p:stCondLst>
                                     <p:cond delay="0"/>
                                   </p:stCondLst>
                                   <p:childTnLst>
                                     <p:set>
                                       <p:cBhvr>
-                                        <p:cTn id="30" dur="1" fill="hold">
+                                        <p:cTn id="36" dur="1" fill="hold">
                                           <p:stCondLst>
                                             <p:cond delay="0"/>
                                           </p:stCondLst>
@@ -32000,7 +31704,7 @@
                                         <p:tgtEl>
                                           <p:spTgt spid="3">
                                             <p:txEl>
-                                              <p:pRg st="9" end="9"/>
+                                              <p:pRg st="14" end="14"/>
                                             </p:txEl>
                                           </p:spTgt>
                                         </p:tgtEl>
@@ -32022,26 +31726,26 @@
                     </p:cTn>
                   </p:par>
                   <p:par>
-                    <p:cTn id="31" fill="hold">
+                    <p:cTn id="37" fill="hold">
                       <p:stCondLst>
                         <p:cond delay="indefinite"/>
                       </p:stCondLst>
                       <p:childTnLst>
                         <p:par>
-                          <p:cTn id="32" fill="hold">
+                          <p:cTn id="38" fill="hold">
                             <p:stCondLst>
                               <p:cond delay="0"/>
                             </p:stCondLst>
                             <p:childTnLst>
                               <p:par>
-                                <p:cTn id="33" presetID="2" presetClass="entr" presetSubtype="4" fill="hold" nodeType="clickEffect">
+                                <p:cTn id="39" presetID="1" presetClass="entr" presetSubtype="0" fill="hold" nodeType="clickEffect">
                                   <p:stCondLst>
                                     <p:cond delay="0"/>
                                   </p:stCondLst>
                                   <p:childTnLst>
                                     <p:set>
                                       <p:cBhvr>
-                                        <p:cTn id="34" dur="1" fill="hold">
+                                        <p:cTn id="40" dur="1" fill="hold">
                                           <p:stCondLst>
                                             <p:cond delay="0"/>
                                           </p:stCondLst>
@@ -32049,244 +31753,7 @@
                                         <p:tgtEl>
                                           <p:spTgt spid="3">
                                             <p:txEl>
-                                              <p:pRg st="12" end="12"/>
-                                            </p:txEl>
-                                          </p:spTgt>
-                                        </p:tgtEl>
-                                        <p:attrNameLst>
-                                          <p:attrName>style.visibility</p:attrName>
-                                        </p:attrNameLst>
-                                      </p:cBhvr>
-                                      <p:to>
-                                        <p:strVal val="visible"/>
-                                      </p:to>
-                                    </p:set>
-                                    <p:anim calcmode="lin" valueType="num">
-                                      <p:cBhvr additive="base">
-                                        <p:cTn id="35" dur="500" fill="hold"/>
-                                        <p:tgtEl>
-                                          <p:spTgt spid="3">
-                                            <p:txEl>
-                                              <p:pRg st="12" end="12"/>
-                                            </p:txEl>
-                                          </p:spTgt>
-                                        </p:tgtEl>
-                                        <p:attrNameLst>
-                                          <p:attrName>ppt_x</p:attrName>
-                                        </p:attrNameLst>
-                                      </p:cBhvr>
-                                      <p:tavLst>
-                                        <p:tav tm="0">
-                                          <p:val>
-                                            <p:strVal val="#ppt_x"/>
-                                          </p:val>
-                                        </p:tav>
-                                        <p:tav tm="100000">
-                                          <p:val>
-                                            <p:strVal val="#ppt_x"/>
-                                          </p:val>
-                                        </p:tav>
-                                      </p:tavLst>
-                                    </p:anim>
-                                    <p:anim calcmode="lin" valueType="num">
-                                      <p:cBhvr additive="base">
-                                        <p:cTn id="36" dur="500" fill="hold"/>
-                                        <p:tgtEl>
-                                          <p:spTgt spid="3">
-                                            <p:txEl>
-                                              <p:pRg st="12" end="12"/>
-                                            </p:txEl>
-                                          </p:spTgt>
-                                        </p:tgtEl>
-                                        <p:attrNameLst>
-                                          <p:attrName>ppt_y</p:attrName>
-                                        </p:attrNameLst>
-                                      </p:cBhvr>
-                                      <p:tavLst>
-                                        <p:tav tm="0">
-                                          <p:val>
-                                            <p:strVal val="1+#ppt_h/2"/>
-                                          </p:val>
-                                        </p:tav>
-                                        <p:tav tm="100000">
-                                          <p:val>
-                                            <p:strVal val="#ppt_y"/>
-                                          </p:val>
-                                        </p:tav>
-                                      </p:tavLst>
-                                    </p:anim>
-                                  </p:childTnLst>
-                                </p:cTn>
-                              </p:par>
-                              <p:par>
-                                <p:cTn id="37" presetID="2" presetClass="entr" presetSubtype="4" fill="hold" nodeType="withEffect">
-                                  <p:stCondLst>
-                                    <p:cond delay="0"/>
-                                  </p:stCondLst>
-                                  <p:childTnLst>
-                                    <p:set>
-                                      <p:cBhvr>
-                                        <p:cTn id="38" dur="1" fill="hold">
-                                          <p:stCondLst>
-                                            <p:cond delay="0"/>
-                                          </p:stCondLst>
-                                        </p:cTn>
-                                        <p:tgtEl>
-                                          <p:spTgt spid="3">
-                                            <p:txEl>
-                                              <p:pRg st="13" end="13"/>
-                                            </p:txEl>
-                                          </p:spTgt>
-                                        </p:tgtEl>
-                                        <p:attrNameLst>
-                                          <p:attrName>style.visibility</p:attrName>
-                                        </p:attrNameLst>
-                                      </p:cBhvr>
-                                      <p:to>
-                                        <p:strVal val="visible"/>
-                                      </p:to>
-                                    </p:set>
-                                    <p:anim calcmode="lin" valueType="num">
-                                      <p:cBhvr additive="base">
-                                        <p:cTn id="39" dur="500" fill="hold"/>
-                                        <p:tgtEl>
-                                          <p:spTgt spid="3">
-                                            <p:txEl>
-                                              <p:pRg st="13" end="13"/>
-                                            </p:txEl>
-                                          </p:spTgt>
-                                        </p:tgtEl>
-                                        <p:attrNameLst>
-                                          <p:attrName>ppt_x</p:attrName>
-                                        </p:attrNameLst>
-                                      </p:cBhvr>
-                                      <p:tavLst>
-                                        <p:tav tm="0">
-                                          <p:val>
-                                            <p:strVal val="#ppt_x"/>
-                                          </p:val>
-                                        </p:tav>
-                                        <p:tav tm="100000">
-                                          <p:val>
-                                            <p:strVal val="#ppt_x"/>
-                                          </p:val>
-                                        </p:tav>
-                                      </p:tavLst>
-                                    </p:anim>
-                                    <p:anim calcmode="lin" valueType="num">
-                                      <p:cBhvr additive="base">
-                                        <p:cTn id="40" dur="500" fill="hold"/>
-                                        <p:tgtEl>
-                                          <p:spTgt spid="3">
-                                            <p:txEl>
-                                              <p:pRg st="13" end="13"/>
-                                            </p:txEl>
-                                          </p:spTgt>
-                                        </p:tgtEl>
-                                        <p:attrNameLst>
-                                          <p:attrName>ppt_y</p:attrName>
-                                        </p:attrNameLst>
-                                      </p:cBhvr>
-                                      <p:tavLst>
-                                        <p:tav tm="0">
-                                          <p:val>
-                                            <p:strVal val="1+#ppt_h/2"/>
-                                          </p:val>
-                                        </p:tav>
-                                        <p:tav tm="100000">
-                                          <p:val>
-                                            <p:strVal val="#ppt_y"/>
-                                          </p:val>
-                                        </p:tav>
-                                      </p:tavLst>
-                                    </p:anim>
-                                  </p:childTnLst>
-                                </p:cTn>
-                              </p:par>
-                            </p:childTnLst>
-                          </p:cTn>
-                        </p:par>
-                      </p:childTnLst>
-                    </p:cTn>
-                  </p:par>
-                  <p:par>
-                    <p:cTn id="41" fill="hold">
-                      <p:stCondLst>
-                        <p:cond delay="indefinite"/>
-                      </p:stCondLst>
-                      <p:childTnLst>
-                        <p:par>
-                          <p:cTn id="42" fill="hold">
-                            <p:stCondLst>
-                              <p:cond delay="0"/>
-                            </p:stCondLst>
-                            <p:childTnLst>
-                              <p:par>
-                                <p:cTn id="43" presetID="1" presetClass="entr" presetSubtype="0" fill="hold" nodeType="clickEffect">
-                                  <p:stCondLst>
-                                    <p:cond delay="0"/>
-                                  </p:stCondLst>
-                                  <p:childTnLst>
-                                    <p:set>
-                                      <p:cBhvr>
-                                        <p:cTn id="44" dur="1" fill="hold">
-                                          <p:stCondLst>
-                                            <p:cond delay="0"/>
-                                          </p:stCondLst>
-                                        </p:cTn>
-                                        <p:tgtEl>
-                                          <p:spTgt spid="3">
-                                            <p:txEl>
-                                              <p:pRg st="16" end="16"/>
-                                            </p:txEl>
-                                          </p:spTgt>
-                                        </p:tgtEl>
-                                        <p:attrNameLst>
-                                          <p:attrName>style.visibility</p:attrName>
-                                        </p:attrNameLst>
-                                      </p:cBhvr>
-                                      <p:to>
-                                        <p:strVal val="visible"/>
-                                      </p:to>
-                                    </p:set>
-                                  </p:childTnLst>
-                                </p:cTn>
-                              </p:par>
-                            </p:childTnLst>
-                          </p:cTn>
-                        </p:par>
-                      </p:childTnLst>
-                    </p:cTn>
-                  </p:par>
-                  <p:par>
-                    <p:cTn id="45" fill="hold">
-                      <p:stCondLst>
-                        <p:cond delay="indefinite"/>
-                      </p:stCondLst>
-                      <p:childTnLst>
-                        <p:par>
-                          <p:cTn id="46" fill="hold">
-                            <p:stCondLst>
-                              <p:cond delay="0"/>
-                            </p:stCondLst>
-                            <p:childTnLst>
-                              <p:par>
-                                <p:cTn id="47" presetID="1" presetClass="entr" presetSubtype="0" fill="hold" nodeType="clickEffect">
-                                  <p:stCondLst>
-                                    <p:cond delay="0"/>
-                                  </p:stCondLst>
-                                  <p:childTnLst>
-                                    <p:set>
-                                      <p:cBhvr>
-                                        <p:cTn id="48" dur="1" fill="hold">
-                                          <p:stCondLst>
-                                            <p:cond delay="0"/>
-                                          </p:stCondLst>
-                                        </p:cTn>
-                                        <p:tgtEl>
-                                          <p:spTgt spid="3">
-                                            <p:txEl>
-                                              <p:pRg st="19" end="19"/>
+                                              <p:pRg st="17" end="17"/>
                                             </p:txEl>
                                           </p:spTgt>
                                         </p:tgtEl>
@@ -35155,16 +34622,6 @@
               <a:buChar char="•"/>
             </a:pPr>
             <a:r>
-              <a:rPr lang="en-US" sz="1600">
-                <a:solidFill>
-                  <a:schemeClr val="tx1"/>
-                </a:solidFill>
-                <a:latin typeface="Arial" panose="020B0604020202020204" pitchFamily="34" charset="0"/>
-                <a:cs typeface="Arial" panose="020B0604020202020204" pitchFamily="34" charset="0"/>
-              </a:rPr>
-              <a:t>  Multi </a:t>
-            </a:r>
-            <a:r>
               <a:rPr lang="en-US" sz="1600" dirty="0">
                 <a:solidFill>
                   <a:schemeClr val="tx1"/>
@@ -35172,7 +34629,7 @@
                 <a:latin typeface="Arial" panose="020B0604020202020204" pitchFamily="34" charset="0"/>
                 <a:cs typeface="Arial" panose="020B0604020202020204" pitchFamily="34" charset="0"/>
               </a:rPr>
-              <a:t>Paradigm Programming Language:</a:t>
+              <a:t>  Multi Paradigm Programming Language:</a:t>
             </a:r>
           </a:p>
           <a:p>
@@ -35348,27 +34805,7 @@
                 <a:latin typeface="Arial" panose="020B0604020202020204" pitchFamily="34" charset="0"/>
                 <a:cs typeface="Arial" panose="020B0604020202020204" pitchFamily="34" charset="0"/>
               </a:rPr>
-              <a:t>  </a:t>
-            </a:r>
-            <a:r>
-              <a:rPr lang="en-US" sz="1600" dirty="0">
-                <a:solidFill>
-                  <a:srgbClr val="000000"/>
-                </a:solidFill>
-                <a:latin typeface="Arial" panose="020B0604020202020204" pitchFamily="34" charset="0"/>
-                <a:cs typeface="Arial" panose="020B0604020202020204" pitchFamily="34" charset="0"/>
-              </a:rPr>
-              <a:t>  </a:t>
-            </a:r>
-            <a:r>
-              <a:rPr lang="en-US" sz="1600" dirty="0">
-                <a:solidFill>
-                  <a:schemeClr val="tx1"/>
-                </a:solidFill>
-                <a:latin typeface="Arial" panose="020B0604020202020204" pitchFamily="34" charset="0"/>
-                <a:cs typeface="Arial" panose="020B0604020202020204" pitchFamily="34" charset="0"/>
-              </a:rPr>
-              <a:t>Created by Guido van Rossum, Released in 1991</a:t>
+              <a:t>  Created by Guido van Rossum, Released in 1991</a:t>
             </a:r>
           </a:p>
           <a:p>
@@ -35484,7 +34921,7 @@
                 <a:latin typeface="Arial" panose="020B0604020202020204" pitchFamily="34" charset="0"/>
                 <a:cs typeface="Arial" panose="020B0604020202020204" pitchFamily="34" charset="0"/>
               </a:rPr>
-              <a:t>Design philosophy: </a:t>
+              <a:t>  Design philosophy: </a:t>
             </a:r>
           </a:p>
           <a:p>
@@ -39487,6 +38924,301 @@
 </a:theme>
 </file>
 
+<file path=ppt/theme/theme3.xml><?xml version="1.0" encoding="utf-8"?>
+<a:theme xmlns:a="http://schemas.openxmlformats.org/drawingml/2006/main" name="Office Theme">
+  <a:themeElements>
+    <a:clrScheme name="Office">
+      <a:dk1>
+        <a:sysClr val="windowText" lastClr="000000"/>
+      </a:dk1>
+      <a:lt1>
+        <a:sysClr val="window" lastClr="FFFFFF"/>
+      </a:lt1>
+      <a:dk2>
+        <a:srgbClr val="44546A"/>
+      </a:dk2>
+      <a:lt2>
+        <a:srgbClr val="E7E6E6"/>
+      </a:lt2>
+      <a:accent1>
+        <a:srgbClr val="4472C4"/>
+      </a:accent1>
+      <a:accent2>
+        <a:srgbClr val="ED7D31"/>
+      </a:accent2>
+      <a:accent3>
+        <a:srgbClr val="A5A5A5"/>
+      </a:accent3>
+      <a:accent4>
+        <a:srgbClr val="FFC000"/>
+      </a:accent4>
+      <a:accent5>
+        <a:srgbClr val="5B9BD5"/>
+      </a:accent5>
+      <a:accent6>
+        <a:srgbClr val="70AD47"/>
+      </a:accent6>
+      <a:hlink>
+        <a:srgbClr val="0563C1"/>
+      </a:hlink>
+      <a:folHlink>
+        <a:srgbClr val="954F72"/>
+      </a:folHlink>
+    </a:clrScheme>
+    <a:fontScheme name="Office">
+      <a:majorFont>
+        <a:latin typeface="Calibri Light" panose="020F0302020204030204"/>
+        <a:ea typeface=""/>
+        <a:cs typeface=""/>
+        <a:font script="Jpan" typeface="游ゴシック Light"/>
+        <a:font script="Hang" typeface="맑은 고딕"/>
+        <a:font script="Hans" typeface="等线 Light"/>
+        <a:font script="Hant" typeface="新細明體"/>
+        <a:font script="Arab" typeface="Times New Roman"/>
+        <a:font script="Hebr" typeface="Times New Roman"/>
+        <a:font script="Thai" typeface="Angsana New"/>
+        <a:font script="Ethi" typeface="Nyala"/>
+        <a:font script="Beng" typeface="Vrinda"/>
+        <a:font script="Gujr" typeface="Shruti"/>
+        <a:font script="Khmr" typeface="MoolBoran"/>
+        <a:font script="Knda" typeface="Tunga"/>
+        <a:font script="Guru" typeface="Raavi"/>
+        <a:font script="Cans" typeface="Euphemia"/>
+        <a:font script="Cher" typeface="Plantagenet Cherokee"/>
+        <a:font script="Yiii" typeface="Microsoft Yi Baiti"/>
+        <a:font script="Tibt" typeface="Microsoft Himalaya"/>
+        <a:font script="Thaa" typeface="MV Boli"/>
+        <a:font script="Deva" typeface="Mangal"/>
+        <a:font script="Telu" typeface="Gautami"/>
+        <a:font script="Taml" typeface="Latha"/>
+        <a:font script="Syrc" typeface="Estrangelo Edessa"/>
+        <a:font script="Orya" typeface="Kalinga"/>
+        <a:font script="Mlym" typeface="Kartika"/>
+        <a:font script="Laoo" typeface="DokChampa"/>
+        <a:font script="Sinh" typeface="Iskoola Pota"/>
+        <a:font script="Mong" typeface="Mongolian Baiti"/>
+        <a:font script="Viet" typeface="Times New Roman"/>
+        <a:font script="Uigh" typeface="Microsoft Uighur"/>
+        <a:font script="Geor" typeface="Sylfaen"/>
+        <a:font script="Armn" typeface="Arial"/>
+        <a:font script="Bugi" typeface="Leelawadee UI"/>
+        <a:font script="Bopo" typeface="Microsoft JhengHei"/>
+        <a:font script="Java" typeface="Javanese Text"/>
+        <a:font script="Lisu" typeface="Segoe UI"/>
+        <a:font script="Mymr" typeface="Myanmar Text"/>
+        <a:font script="Nkoo" typeface="Ebrima"/>
+        <a:font script="Olck" typeface="Nirmala UI"/>
+        <a:font script="Osma" typeface="Ebrima"/>
+        <a:font script="Phag" typeface="Phagspa"/>
+        <a:font script="Syrn" typeface="Estrangelo Edessa"/>
+        <a:font script="Syrj" typeface="Estrangelo Edessa"/>
+        <a:font script="Syre" typeface="Estrangelo Edessa"/>
+        <a:font script="Sora" typeface="Nirmala UI"/>
+        <a:font script="Tale" typeface="Microsoft Tai Le"/>
+        <a:font script="Talu" typeface="Microsoft New Tai Lue"/>
+        <a:font script="Tfng" typeface="Ebrima"/>
+      </a:majorFont>
+      <a:minorFont>
+        <a:latin typeface="Calibri" panose="020F0502020204030204"/>
+        <a:ea typeface=""/>
+        <a:cs typeface=""/>
+        <a:font script="Jpan" typeface="游ゴシック"/>
+        <a:font script="Hang" typeface="맑은 고딕"/>
+        <a:font script="Hans" typeface="等线"/>
+        <a:font script="Hant" typeface="新細明體"/>
+        <a:font script="Arab" typeface="Arial"/>
+        <a:font script="Hebr" typeface="Arial"/>
+        <a:font script="Thai" typeface="Cordia New"/>
+        <a:font script="Ethi" typeface="Nyala"/>
+        <a:font script="Beng" typeface="Vrinda"/>
+        <a:font script="Gujr" typeface="Shruti"/>
+        <a:font script="Khmr" typeface="DaunPenh"/>
+        <a:font script="Knda" typeface="Tunga"/>
+        <a:font script="Guru" typeface="Raavi"/>
+        <a:font script="Cans" typeface="Euphemia"/>
+        <a:font script="Cher" typeface="Plantagenet Cherokee"/>
+        <a:font script="Yiii" typeface="Microsoft Yi Baiti"/>
+        <a:font script="Tibt" typeface="Microsoft Himalaya"/>
+        <a:font script="Thaa" typeface="MV Boli"/>
+        <a:font script="Deva" typeface="Mangal"/>
+        <a:font script="Telu" typeface="Gautami"/>
+        <a:font script="Taml" typeface="Latha"/>
+        <a:font script="Syrc" typeface="Estrangelo Edessa"/>
+        <a:font script="Orya" typeface="Kalinga"/>
+        <a:font script="Mlym" typeface="Kartika"/>
+        <a:font script="Laoo" typeface="DokChampa"/>
+        <a:font script="Sinh" typeface="Iskoola Pota"/>
+        <a:font script="Mong" typeface="Mongolian Baiti"/>
+        <a:font script="Viet" typeface="Arial"/>
+        <a:font script="Uigh" typeface="Microsoft Uighur"/>
+        <a:font script="Geor" typeface="Sylfaen"/>
+        <a:font script="Armn" typeface="Arial"/>
+        <a:font script="Bugi" typeface="Leelawadee UI"/>
+        <a:font script="Bopo" typeface="Microsoft JhengHei"/>
+        <a:font script="Java" typeface="Javanese Text"/>
+        <a:font script="Lisu" typeface="Segoe UI"/>
+        <a:font script="Mymr" typeface="Myanmar Text"/>
+        <a:font script="Nkoo" typeface="Ebrima"/>
+        <a:font script="Olck" typeface="Nirmala UI"/>
+        <a:font script="Osma" typeface="Ebrima"/>
+        <a:font script="Phag" typeface="Phagspa"/>
+        <a:font script="Syrn" typeface="Estrangelo Edessa"/>
+        <a:font script="Syrj" typeface="Estrangelo Edessa"/>
+        <a:font script="Syre" typeface="Estrangelo Edessa"/>
+        <a:font script="Sora" typeface="Nirmala UI"/>
+        <a:font script="Tale" typeface="Microsoft Tai Le"/>
+        <a:font script="Talu" typeface="Microsoft New Tai Lue"/>
+        <a:font script="Tfng" typeface="Ebrima"/>
+      </a:minorFont>
+    </a:fontScheme>
+    <a:fmtScheme name="Office">
+      <a:fillStyleLst>
+        <a:solidFill>
+          <a:schemeClr val="phClr"/>
+        </a:solidFill>
+        <a:gradFill rotWithShape="1">
+          <a:gsLst>
+            <a:gs pos="0">
+              <a:schemeClr val="phClr">
+                <a:lumMod val="110000"/>
+                <a:satMod val="105000"/>
+                <a:tint val="67000"/>
+              </a:schemeClr>
+            </a:gs>
+            <a:gs pos="50000">
+              <a:schemeClr val="phClr">
+                <a:lumMod val="105000"/>
+                <a:satMod val="103000"/>
+                <a:tint val="73000"/>
+              </a:schemeClr>
+            </a:gs>
+            <a:gs pos="100000">
+              <a:schemeClr val="phClr">
+                <a:lumMod val="105000"/>
+                <a:satMod val="109000"/>
+                <a:tint val="81000"/>
+              </a:schemeClr>
+            </a:gs>
+          </a:gsLst>
+          <a:lin ang="5400000" scaled="0"/>
+        </a:gradFill>
+        <a:gradFill rotWithShape="1">
+          <a:gsLst>
+            <a:gs pos="0">
+              <a:schemeClr val="phClr">
+                <a:satMod val="103000"/>
+                <a:lumMod val="102000"/>
+                <a:tint val="94000"/>
+              </a:schemeClr>
+            </a:gs>
+            <a:gs pos="50000">
+              <a:schemeClr val="phClr">
+                <a:satMod val="110000"/>
+                <a:lumMod val="100000"/>
+                <a:shade val="100000"/>
+              </a:schemeClr>
+            </a:gs>
+            <a:gs pos="100000">
+              <a:schemeClr val="phClr">
+                <a:lumMod val="99000"/>
+                <a:satMod val="120000"/>
+                <a:shade val="78000"/>
+              </a:schemeClr>
+            </a:gs>
+          </a:gsLst>
+          <a:lin ang="5400000" scaled="0"/>
+        </a:gradFill>
+      </a:fillStyleLst>
+      <a:lnStyleLst>
+        <a:ln w="6350" cap="flat" cmpd="sng" algn="ctr">
+          <a:solidFill>
+            <a:schemeClr val="phClr"/>
+          </a:solidFill>
+          <a:prstDash val="solid"/>
+          <a:miter lim="800000"/>
+        </a:ln>
+        <a:ln w="12700" cap="flat" cmpd="sng" algn="ctr">
+          <a:solidFill>
+            <a:schemeClr val="phClr"/>
+          </a:solidFill>
+          <a:prstDash val="solid"/>
+          <a:miter lim="800000"/>
+        </a:ln>
+        <a:ln w="19050" cap="flat" cmpd="sng" algn="ctr">
+          <a:solidFill>
+            <a:schemeClr val="phClr"/>
+          </a:solidFill>
+          <a:prstDash val="solid"/>
+          <a:miter lim="800000"/>
+        </a:ln>
+      </a:lnStyleLst>
+      <a:effectStyleLst>
+        <a:effectStyle>
+          <a:effectLst/>
+        </a:effectStyle>
+        <a:effectStyle>
+          <a:effectLst/>
+        </a:effectStyle>
+        <a:effectStyle>
+          <a:effectLst>
+            <a:outerShdw blurRad="57150" dist="19050" dir="5400000" algn="ctr" rotWithShape="0">
+              <a:srgbClr val="000000">
+                <a:alpha val="63000"/>
+              </a:srgbClr>
+            </a:outerShdw>
+          </a:effectLst>
+        </a:effectStyle>
+      </a:effectStyleLst>
+      <a:bgFillStyleLst>
+        <a:solidFill>
+          <a:schemeClr val="phClr"/>
+        </a:solidFill>
+        <a:solidFill>
+          <a:schemeClr val="phClr">
+            <a:tint val="95000"/>
+            <a:satMod val="170000"/>
+          </a:schemeClr>
+        </a:solidFill>
+        <a:gradFill rotWithShape="1">
+          <a:gsLst>
+            <a:gs pos="0">
+              <a:schemeClr val="phClr">
+                <a:tint val="93000"/>
+                <a:satMod val="150000"/>
+                <a:shade val="98000"/>
+                <a:lumMod val="102000"/>
+              </a:schemeClr>
+            </a:gs>
+            <a:gs pos="50000">
+              <a:schemeClr val="phClr">
+                <a:tint val="98000"/>
+                <a:satMod val="130000"/>
+                <a:shade val="90000"/>
+                <a:lumMod val="103000"/>
+              </a:schemeClr>
+            </a:gs>
+            <a:gs pos="100000">
+              <a:schemeClr val="phClr">
+                <a:shade val="63000"/>
+                <a:satMod val="120000"/>
+              </a:schemeClr>
+            </a:gs>
+          </a:gsLst>
+          <a:lin ang="5400000" scaled="0"/>
+        </a:gradFill>
+      </a:bgFillStyleLst>
+    </a:fmtScheme>
+  </a:themeElements>
+  <a:objectDefaults/>
+  <a:extraClrSchemeLst/>
+  <a:extLst>
+    <a:ext uri="{05A4C25C-085E-4340-85A3-A5531E510DB2}">
+      <thm15:themeFamily xmlns:thm15="http://schemas.microsoft.com/office/thememl/2012/main" name="Office Theme" id="{62F939B6-93AF-4DB8-9C6B-D6C7DFDC589F}" vid="{4A3C46E8-61CC-4603-A589-7422A47A8E4A}"/>
+    </a:ext>
+  </a:extLst>
+</a:theme>
+</file>
+
 <file path=ppt/theme/themeOverride1.xml><?xml version="1.0" encoding="utf-8"?>
 <a:themeOverride xmlns:a="http://schemas.openxmlformats.org/drawingml/2006/main">
   <a:clrScheme name="Custom 2">

--- a/Python-SheCodesNow_updated.pptx
+++ b/Python-SheCodesNow_updated.pptx
@@ -11772,23 +11772,6 @@
               <a:cs typeface="Arial" panose="020B0604020202020204" pitchFamily="34" charset="0"/>
             </a:endParaRPr>
           </a:p>
-          <a:p>
-            <a:pPr lvl="1">
-              <a:buClrTx/>
-              <a:buFont typeface="Arial" panose="020B0604020202020204" pitchFamily="34" charset="0"/>
-              <a:buChar char="•"/>
-            </a:pPr>
-            <a:r>
-              <a:rPr lang="en-US" sz="1600" dirty="0">
-                <a:solidFill>
-                  <a:schemeClr val="tx1"/>
-                </a:solidFill>
-                <a:latin typeface="Arial" panose="020B0604020202020204" pitchFamily="34" charset="0"/>
-                <a:cs typeface="Arial" panose="020B0604020202020204" pitchFamily="34" charset="0"/>
-              </a:rPr>
-              <a:t>Parameters &amp; return statement</a:t>
-            </a:r>
-          </a:p>
         </p:txBody>
       </p:sp>
       <p:sp>
@@ -12235,7 +12218,7 @@
                             </p:stCondLst>
                             <p:childTnLst>
                               <p:par>
-                                <p:cTn id="35" presetID="1" presetClass="entr" presetSubtype="0" fill="hold" nodeType="clickEffect">
+                                <p:cTn id="35" presetID="1" presetClass="entr" presetSubtype="0" fill="hold" grpId="0" nodeType="clickEffect">
                                   <p:stCondLst>
                                     <p:cond delay="0"/>
                                   </p:stCondLst>
@@ -12243,55 +12226,6 @@
                                     <p:set>
                                       <p:cBhvr>
                                         <p:cTn id="36" dur="1" fill="hold">
-                                          <p:stCondLst>
-                                            <p:cond delay="0"/>
-                                          </p:stCondLst>
-                                        </p:cTn>
-                                        <p:tgtEl>
-                                          <p:spTgt spid="3">
-                                            <p:txEl>
-                                              <p:pRg st="14" end="14"/>
-                                            </p:txEl>
-                                          </p:spTgt>
-                                        </p:tgtEl>
-                                        <p:attrNameLst>
-                                          <p:attrName>style.visibility</p:attrName>
-                                        </p:attrNameLst>
-                                      </p:cBhvr>
-                                      <p:to>
-                                        <p:strVal val="visible"/>
-                                      </p:to>
-                                    </p:set>
-                                  </p:childTnLst>
-                                </p:cTn>
-                              </p:par>
-                            </p:childTnLst>
-                          </p:cTn>
-                        </p:par>
-                      </p:childTnLst>
-                    </p:cTn>
-                  </p:par>
-                  <p:par>
-                    <p:cTn id="37" fill="hold">
-                      <p:stCondLst>
-                        <p:cond delay="indefinite"/>
-                      </p:stCondLst>
-                      <p:childTnLst>
-                        <p:par>
-                          <p:cTn id="38" fill="hold">
-                            <p:stCondLst>
-                              <p:cond delay="0"/>
-                            </p:stCondLst>
-                            <p:childTnLst>
-                              <p:par>
-                                <p:cTn id="39" presetID="1" presetClass="entr" presetSubtype="0" fill="hold" grpId="0" nodeType="clickEffect">
-                                  <p:stCondLst>
-                                    <p:cond delay="0"/>
-                                  </p:stCondLst>
-                                  <p:childTnLst>
-                                    <p:set>
-                                      <p:cBhvr>
-                                        <p:cTn id="40" dur="1" fill="hold">
                                           <p:stCondLst>
                                             <p:cond delay="0"/>
                                           </p:stCondLst>

--- a/Python-SheCodesNow_updated.pptx
+++ b/Python-SheCodesNow_updated.pptx
@@ -32897,12 +32897,14 @@
         </p:nvSpPr>
         <p:spPr>
           <a:xfrm>
-            <a:off x="1097280" y="412856"/>
-            <a:ext cx="10058400" cy="807613"/>
+            <a:off x="1097280" y="412857"/>
+            <a:ext cx="10058400" cy="730144"/>
           </a:xfrm>
         </p:spPr>
         <p:txBody>
-          <a:bodyPr/>
+          <a:bodyPr vert="horz" lIns="91440" tIns="45720" rIns="91440" bIns="45720" rtlCol="0" anchor="b">
+            <a:normAutofit/>
+          </a:bodyPr>
           <a:lstStyle/>
           <a:p>
             <a:r>
@@ -32915,15 +32917,7 @@
                 </a:solidFill>
                 <a:latin typeface="+mn-lt"/>
               </a:rPr>
-              <a:t>Coding</a:t>
-            </a:r>
-            <a:r>
-              <a:rPr lang="en-US" b="1" dirty="0">
-                <a:solidFill>
-                  <a:srgbClr val="B27EB5"/>
-                </a:solidFill>
-              </a:rPr>
-              <a:t> Conventions for Python – Pep8</a:t>
+              <a:t>Coding Conventions for Python – Pep8</a:t>
             </a:r>
           </a:p>
         </p:txBody>
@@ -33069,7 +33063,7 @@
         </p:nvSpPr>
         <p:spPr>
           <a:xfrm>
-            <a:off x="1097280" y="412855"/>
+            <a:off x="1097280" y="355703"/>
             <a:ext cx="10058400" cy="807613"/>
           </a:xfrm>
         </p:spPr>
@@ -33275,7 +33269,7 @@
         </p:nvSpPr>
         <p:spPr>
           <a:xfrm>
-            <a:off x="1097280" y="412855"/>
+            <a:off x="1097280" y="341415"/>
             <a:ext cx="10058400" cy="807613"/>
           </a:xfrm>
         </p:spPr>

--- a/Python-SheCodesNow_updated.pptx
+++ b/Python-SheCodesNow_updated.pptx
@@ -21104,7 +21104,7 @@
           <p:nvPr>
             <p:extLst>
               <p:ext uri="{D42A27DB-BD31-4B8C-83A1-F6EECF244321}">
-                <p14:modId xmlns:p14="http://schemas.microsoft.com/office/powerpoint/2010/main" val="3635034990"/>
+                <p14:modId xmlns:p14="http://schemas.microsoft.com/office/powerpoint/2010/main" val="794262584"/>
               </p:ext>
             </p:extLst>
           </p:nvPr>
@@ -21164,7 +21164,31 @@
                           </a:highlight>
                           <a:latin typeface="Courier New" panose="02070309020205020404" pitchFamily="49" charset="0"/>
                         </a:rPr>
-                        <a:t># Refer to Point class definition on previous slide</a:t>
+                        <a:t># Refer </a:t>
+                      </a:r>
+                      <a:r>
+                        <a:rPr lang="en-US" sz="1400">
+                          <a:solidFill>
+                            <a:srgbClr val="008000"/>
+                          </a:solidFill>
+                          <a:highlight>
+                            <a:srgbClr val="FFFFFF"/>
+                          </a:highlight>
+                          <a:latin typeface="Courier New" panose="02070309020205020404" pitchFamily="49" charset="0"/>
+                        </a:rPr>
+                        <a:t>to Person </a:t>
+                      </a:r>
+                      <a:r>
+                        <a:rPr lang="en-US" sz="1400" dirty="0">
+                          <a:solidFill>
+                            <a:srgbClr val="008000"/>
+                          </a:solidFill>
+                          <a:highlight>
+                            <a:srgbClr val="FFFFFF"/>
+                          </a:highlight>
+                          <a:latin typeface="Courier New" panose="02070309020205020404" pitchFamily="49" charset="0"/>
+                        </a:rPr>
+                        <a:t>class definition on previous slide</a:t>
                       </a:r>
                       <a:endParaRPr lang="en-US" sz="1400" dirty="0">
                         <a:solidFill>
@@ -29236,7 +29260,7 @@
             <p:ph idx="1"/>
             <p:extLst>
               <p:ext uri="{D42A27DB-BD31-4B8C-83A1-F6EECF244321}">
-                <p14:modId xmlns:p14="http://schemas.microsoft.com/office/powerpoint/2010/main" val="2115233032"/>
+                <p14:modId xmlns:p14="http://schemas.microsoft.com/office/powerpoint/2010/main" val="888586908"/>
               </p:ext>
             </p:extLst>
           </p:nvPr>
@@ -30403,7 +30427,21 @@
                           <a:latin typeface="Arial" panose="020B0604020202020204" pitchFamily="34" charset="0"/>
                           <a:cs typeface="Arial" panose="020B0604020202020204" pitchFamily="34" charset="0"/>
                         </a:rPr>
-                        <a:t>Create a Point class. Create two objects - point1, point2 and display those.</a:t>
+                        <a:t>Create a Person class. Create two objects – person1</a:t>
+                      </a:r>
+                      <a:r>
+                        <a:rPr lang="en-US" sz="1600">
+                          <a:latin typeface="Arial" panose="020B0604020202020204" pitchFamily="34" charset="0"/>
+                          <a:cs typeface="Arial" panose="020B0604020202020204" pitchFamily="34" charset="0"/>
+                        </a:rPr>
+                        <a:t>, person2 </a:t>
+                      </a:r>
+                      <a:r>
+                        <a:rPr lang="en-US" sz="1600" dirty="0">
+                          <a:latin typeface="Arial" panose="020B0604020202020204" pitchFamily="34" charset="0"/>
+                          <a:cs typeface="Arial" panose="020B0604020202020204" pitchFamily="34" charset="0"/>
+                        </a:rPr>
+                        <a:t>and display those.</a:t>
                       </a:r>
                     </a:p>
                   </a:txBody>
